--- a/static/Course_Modularization/Intro to R/Slides/05_Regression Modelling.pptx
+++ b/static/Course_Modularization/Intro to R/Slides/05_Regression Modelling.pptx
@@ -5,10 +5,10 @@
     <p:sldMasterId id="2147483649" r:id="rId4"/>
   </p:sldMasterIdLst>
   <p:notesMasterIdLst>
-    <p:notesMasterId r:id="rId29"/>
+    <p:notesMasterId r:id="rId23"/>
   </p:notesMasterIdLst>
   <p:handoutMasterIdLst>
-    <p:handoutMasterId r:id="rId30"/>
+    <p:handoutMasterId r:id="rId24"/>
   </p:handoutMasterIdLst>
   <p:sldIdLst>
     <p:sldId id="256" r:id="rId5"/>
@@ -28,13 +28,7 @@
     <p:sldId id="297" r:id="rId19"/>
     <p:sldId id="298" r:id="rId20"/>
     <p:sldId id="294" r:id="rId21"/>
-    <p:sldId id="283" r:id="rId22"/>
-    <p:sldId id="295" r:id="rId23"/>
-    <p:sldId id="286" r:id="rId24"/>
-    <p:sldId id="287" r:id="rId25"/>
-    <p:sldId id="300" r:id="rId26"/>
-    <p:sldId id="302" r:id="rId27"/>
-    <p:sldId id="303" r:id="rId28"/>
+    <p:sldId id="300" r:id="rId22"/>
   </p:sldIdLst>
   <p:sldSz cx="9144000" cy="6858000" type="screen4x3"/>
   <p:notesSz cx="6858000" cy="9144000"/>
@@ -500,6 +494,11 @@
         </p:txBody>
       </p:sp>
     </p:spTree>
+    <p:extLst>
+      <p:ext uri="{BB962C8B-B14F-4D97-AF65-F5344CB8AC3E}">
+        <p14:creationId xmlns:p14="http://schemas.microsoft.com/office/powerpoint/2010/main" val="1"/>
+      </p:ext>
+    </p:extLst>
   </p:cSld>
   <p:clrMap bg1="lt1" tx1="dk1" bg2="lt2" tx2="dk2" accent1="accent1" accent2="accent2" accent3="accent3" accent4="accent4" accent5="accent5" accent6="accent6" hlink="hlink" folHlink="folHlink"/>
 </p:handoutMaster>
@@ -2294,431 +2293,6 @@
       </p:grpSpPr>
       <p:sp>
         <p:nvSpPr>
-          <p:cNvPr id="28674" name="Slide Image Placeholder 1">
-            <a:extLst>
-              <a:ext uri="{FF2B5EF4-FFF2-40B4-BE49-F238E27FC236}">
-                <a16:creationId xmlns:a16="http://schemas.microsoft.com/office/drawing/2014/main" id="{822397C1-2C9E-A8D9-2517-ED0C7FD6ABDB}"/>
-              </a:ext>
-            </a:extLst>
-          </p:cNvPr>
-          <p:cNvSpPr>
-            <a:spLocks noGrp="1" noRot="1" noChangeAspect="1" noChangeArrowheads="1" noTextEdit="1"/>
-          </p:cNvSpPr>
-          <p:nvPr>
-            <p:ph type="sldImg"/>
-          </p:nvPr>
-        </p:nvSpPr>
-        <p:spPr>
-          <a:ln/>
-        </p:spPr>
-      </p:sp>
-      <p:sp>
-        <p:nvSpPr>
-          <p:cNvPr id="28675" name="Notes Placeholder 2">
-            <a:extLst>
-              <a:ext uri="{FF2B5EF4-FFF2-40B4-BE49-F238E27FC236}">
-                <a16:creationId xmlns:a16="http://schemas.microsoft.com/office/drawing/2014/main" id="{F34DC4DE-B085-D052-90E7-89EBCAF59DD1}"/>
-              </a:ext>
-            </a:extLst>
-          </p:cNvPr>
-          <p:cNvSpPr>
-            <a:spLocks noGrp="1"/>
-          </p:cNvSpPr>
-          <p:nvPr>
-            <p:ph type="body" idx="1"/>
-          </p:nvPr>
-        </p:nvSpPr>
-        <p:spPr>
-          <a:noFill/>
-          <a:extLst>
-            <a:ext uri="{909E8E84-426E-40DD-AFC4-6F175D3DCCD1}">
-              <a14:hiddenFill xmlns:a14="http://schemas.microsoft.com/office/drawing/2010/main">
-                <a:solidFill>
-                  <a:srgbClr val="FFFFFF"/>
-                </a:solidFill>
-              </a14:hiddenFill>
-            </a:ext>
-            <a:ext uri="{91240B29-F687-4F45-9708-019B960494DF}">
-              <a14:hiddenLine xmlns:a14="http://schemas.microsoft.com/office/drawing/2010/main" w="9525">
-                <a:solidFill>
-                  <a:srgbClr val="000000"/>
-                </a:solidFill>
-                <a:miter lim="800000"/>
-                <a:headEnd/>
-                <a:tailEnd/>
-              </a14:hiddenLine>
-            </a:ext>
-          </a:extLst>
-        </p:spPr>
-        <p:txBody>
-          <a:bodyPr/>
-          <a:lstStyle/>
-          <a:p>
-            <a:endParaRPr lang="en-US" altLang="en-US">
-              <a:latin typeface="Arial" panose="020B0604020202020204" pitchFamily="34" charset="0"/>
-              <a:ea typeface="ヒラギノ角ゴ Pro W3"/>
-              <a:cs typeface="ヒラギノ角ゴ Pro W3"/>
-            </a:endParaRPr>
-          </a:p>
-        </p:txBody>
-      </p:sp>
-      <p:sp>
-        <p:nvSpPr>
-          <p:cNvPr id="28676" name="Footer Placeholder 3">
-            <a:extLst>
-              <a:ext uri="{FF2B5EF4-FFF2-40B4-BE49-F238E27FC236}">
-                <a16:creationId xmlns:a16="http://schemas.microsoft.com/office/drawing/2014/main" id="{E7B34372-BC45-AAF5-9583-0EDC6FA00AD1}"/>
-              </a:ext>
-            </a:extLst>
-          </p:cNvPr>
-          <p:cNvSpPr>
-            <a:spLocks noGrp="1"/>
-          </p:cNvSpPr>
-          <p:nvPr>
-            <p:ph type="ftr" sz="quarter" idx="4"/>
-          </p:nvPr>
-        </p:nvSpPr>
-        <p:spPr>
-          <a:noFill/>
-          <a:extLst>
-            <a:ext uri="{909E8E84-426E-40DD-AFC4-6F175D3DCCD1}">
-              <a14:hiddenFill xmlns:a14="http://schemas.microsoft.com/office/drawing/2010/main">
-                <a:solidFill>
-                  <a:srgbClr val="FFFFFF"/>
-                </a:solidFill>
-              </a14:hiddenFill>
-            </a:ext>
-            <a:ext uri="{91240B29-F687-4F45-9708-019B960494DF}">
-              <a14:hiddenLine xmlns:a14="http://schemas.microsoft.com/office/drawing/2010/main" w="9525">
-                <a:solidFill>
-                  <a:srgbClr val="000000"/>
-                </a:solidFill>
-                <a:miter lim="800000"/>
-                <a:headEnd/>
-                <a:tailEnd/>
-              </a14:hiddenLine>
-            </a:ext>
-          </a:extLst>
-        </p:spPr>
-        <p:txBody>
-          <a:bodyPr/>
-          <a:lstStyle>
-            <a:lvl1pPr>
-              <a:defRPr sz="2400">
-                <a:solidFill>
-                  <a:schemeClr val="tx1"/>
-                </a:solidFill>
-                <a:latin typeface="Arial" panose="020B0604020202020204" pitchFamily="34" charset="0"/>
-                <a:ea typeface="ヒラギノ角ゴ Pro W3"/>
-                <a:cs typeface="ヒラギノ角ゴ Pro W3"/>
-              </a:defRPr>
-            </a:lvl1pPr>
-            <a:lvl2pPr marL="742950" indent="-285750">
-              <a:defRPr sz="2400">
-                <a:solidFill>
-                  <a:schemeClr val="tx1"/>
-                </a:solidFill>
-                <a:latin typeface="Arial" panose="020B0604020202020204" pitchFamily="34" charset="0"/>
-                <a:ea typeface="ヒラギノ角ゴ Pro W3"/>
-                <a:cs typeface="ヒラギノ角ゴ Pro W3"/>
-              </a:defRPr>
-            </a:lvl2pPr>
-            <a:lvl3pPr marL="1143000" indent="-228600">
-              <a:defRPr sz="2400">
-                <a:solidFill>
-                  <a:schemeClr val="tx1"/>
-                </a:solidFill>
-                <a:latin typeface="Arial" panose="020B0604020202020204" pitchFamily="34" charset="0"/>
-                <a:ea typeface="ヒラギノ角ゴ Pro W3"/>
-                <a:cs typeface="ヒラギノ角ゴ Pro W3"/>
-              </a:defRPr>
-            </a:lvl3pPr>
-            <a:lvl4pPr marL="1600200" indent="-228600">
-              <a:defRPr sz="2400">
-                <a:solidFill>
-                  <a:schemeClr val="tx1"/>
-                </a:solidFill>
-                <a:latin typeface="Arial" panose="020B0604020202020204" pitchFamily="34" charset="0"/>
-                <a:ea typeface="ヒラギノ角ゴ Pro W3"/>
-                <a:cs typeface="ヒラギノ角ゴ Pro W3"/>
-              </a:defRPr>
-            </a:lvl4pPr>
-            <a:lvl5pPr marL="2057400" indent="-228600">
-              <a:defRPr sz="2400">
-                <a:solidFill>
-                  <a:schemeClr val="tx1"/>
-                </a:solidFill>
-                <a:latin typeface="Arial" panose="020B0604020202020204" pitchFamily="34" charset="0"/>
-                <a:ea typeface="ヒラギノ角ゴ Pro W3"/>
-                <a:cs typeface="ヒラギノ角ゴ Pro W3"/>
-              </a:defRPr>
-            </a:lvl5pPr>
-            <a:lvl6pPr marL="2514600" indent="-228600" eaLnBrk="0" fontAlgn="base" hangingPunct="0">
-              <a:spcBef>
-                <a:spcPct val="0"/>
-              </a:spcBef>
-              <a:spcAft>
-                <a:spcPct val="0"/>
-              </a:spcAft>
-              <a:defRPr sz="2400">
-                <a:solidFill>
-                  <a:schemeClr val="tx1"/>
-                </a:solidFill>
-                <a:latin typeface="Arial" panose="020B0604020202020204" pitchFamily="34" charset="0"/>
-                <a:ea typeface="ヒラギノ角ゴ Pro W3"/>
-                <a:cs typeface="ヒラギノ角ゴ Pro W3"/>
-              </a:defRPr>
-            </a:lvl6pPr>
-            <a:lvl7pPr marL="2971800" indent="-228600" eaLnBrk="0" fontAlgn="base" hangingPunct="0">
-              <a:spcBef>
-                <a:spcPct val="0"/>
-              </a:spcBef>
-              <a:spcAft>
-                <a:spcPct val="0"/>
-              </a:spcAft>
-              <a:defRPr sz="2400">
-                <a:solidFill>
-                  <a:schemeClr val="tx1"/>
-                </a:solidFill>
-                <a:latin typeface="Arial" panose="020B0604020202020204" pitchFamily="34" charset="0"/>
-                <a:ea typeface="ヒラギノ角ゴ Pro W3"/>
-                <a:cs typeface="ヒラギノ角ゴ Pro W3"/>
-              </a:defRPr>
-            </a:lvl7pPr>
-            <a:lvl8pPr marL="3429000" indent="-228600" eaLnBrk="0" fontAlgn="base" hangingPunct="0">
-              <a:spcBef>
-                <a:spcPct val="0"/>
-              </a:spcBef>
-              <a:spcAft>
-                <a:spcPct val="0"/>
-              </a:spcAft>
-              <a:defRPr sz="2400">
-                <a:solidFill>
-                  <a:schemeClr val="tx1"/>
-                </a:solidFill>
-                <a:latin typeface="Arial" panose="020B0604020202020204" pitchFamily="34" charset="0"/>
-                <a:ea typeface="ヒラギノ角ゴ Pro W3"/>
-                <a:cs typeface="ヒラギノ角ゴ Pro W3"/>
-              </a:defRPr>
-            </a:lvl8pPr>
-            <a:lvl9pPr marL="3886200" indent="-228600" eaLnBrk="0" fontAlgn="base" hangingPunct="0">
-              <a:spcBef>
-                <a:spcPct val="0"/>
-              </a:spcBef>
-              <a:spcAft>
-                <a:spcPct val="0"/>
-              </a:spcAft>
-              <a:defRPr sz="2400">
-                <a:solidFill>
-                  <a:schemeClr val="tx1"/>
-                </a:solidFill>
-                <a:latin typeface="Arial" panose="020B0604020202020204" pitchFamily="34" charset="0"/>
-                <a:ea typeface="ヒラギノ角ゴ Pro W3"/>
-                <a:cs typeface="ヒラギノ角ゴ Pro W3"/>
-              </a:defRPr>
-            </a:lvl9pPr>
-          </a:lstStyle>
-          <a:p>
-            <a:r>
-              <a:rPr lang="en-US" altLang="en-US" sz="1200"/>
-              <a:t>Slide</a:t>
-            </a:r>
-          </a:p>
-        </p:txBody>
-      </p:sp>
-      <p:sp>
-        <p:nvSpPr>
-          <p:cNvPr id="28677" name="Slide Number Placeholder 4">
-            <a:extLst>
-              <a:ext uri="{FF2B5EF4-FFF2-40B4-BE49-F238E27FC236}">
-                <a16:creationId xmlns:a16="http://schemas.microsoft.com/office/drawing/2014/main" id="{32720744-59F1-C65A-194A-2AB19C087F68}"/>
-              </a:ext>
-            </a:extLst>
-          </p:cNvPr>
-          <p:cNvSpPr>
-            <a:spLocks noGrp="1"/>
-          </p:cNvSpPr>
-          <p:nvPr>
-            <p:ph type="sldNum" sz="quarter" idx="5"/>
-          </p:nvPr>
-        </p:nvSpPr>
-        <p:spPr>
-          <a:noFill/>
-          <a:extLst>
-            <a:ext uri="{909E8E84-426E-40DD-AFC4-6F175D3DCCD1}">
-              <a14:hiddenFill xmlns:a14="http://schemas.microsoft.com/office/drawing/2010/main">
-                <a:solidFill>
-                  <a:srgbClr val="FFFFFF"/>
-                </a:solidFill>
-              </a14:hiddenFill>
-            </a:ext>
-            <a:ext uri="{91240B29-F687-4F45-9708-019B960494DF}">
-              <a14:hiddenLine xmlns:a14="http://schemas.microsoft.com/office/drawing/2010/main" w="9525">
-                <a:solidFill>
-                  <a:srgbClr val="000000"/>
-                </a:solidFill>
-                <a:miter lim="800000"/>
-                <a:headEnd/>
-                <a:tailEnd/>
-              </a14:hiddenLine>
-            </a:ext>
-          </a:extLst>
-        </p:spPr>
-        <p:txBody>
-          <a:bodyPr/>
-          <a:lstStyle>
-            <a:lvl1pPr>
-              <a:defRPr sz="2400">
-                <a:solidFill>
-                  <a:schemeClr val="tx1"/>
-                </a:solidFill>
-                <a:latin typeface="Arial" panose="020B0604020202020204" pitchFamily="34" charset="0"/>
-                <a:ea typeface="ヒラギノ角ゴ Pro W3"/>
-                <a:cs typeface="ヒラギノ角ゴ Pro W3"/>
-              </a:defRPr>
-            </a:lvl1pPr>
-            <a:lvl2pPr marL="742950" indent="-285750">
-              <a:defRPr sz="2400">
-                <a:solidFill>
-                  <a:schemeClr val="tx1"/>
-                </a:solidFill>
-                <a:latin typeface="Arial" panose="020B0604020202020204" pitchFamily="34" charset="0"/>
-                <a:ea typeface="ヒラギノ角ゴ Pro W3"/>
-                <a:cs typeface="ヒラギノ角ゴ Pro W3"/>
-              </a:defRPr>
-            </a:lvl2pPr>
-            <a:lvl3pPr marL="1143000" indent="-228600">
-              <a:defRPr sz="2400">
-                <a:solidFill>
-                  <a:schemeClr val="tx1"/>
-                </a:solidFill>
-                <a:latin typeface="Arial" panose="020B0604020202020204" pitchFamily="34" charset="0"/>
-                <a:ea typeface="ヒラギノ角ゴ Pro W3"/>
-                <a:cs typeface="ヒラギノ角ゴ Pro W3"/>
-              </a:defRPr>
-            </a:lvl3pPr>
-            <a:lvl4pPr marL="1600200" indent="-228600">
-              <a:defRPr sz="2400">
-                <a:solidFill>
-                  <a:schemeClr val="tx1"/>
-                </a:solidFill>
-                <a:latin typeface="Arial" panose="020B0604020202020204" pitchFamily="34" charset="0"/>
-                <a:ea typeface="ヒラギノ角ゴ Pro W3"/>
-                <a:cs typeface="ヒラギノ角ゴ Pro W3"/>
-              </a:defRPr>
-            </a:lvl4pPr>
-            <a:lvl5pPr marL="2057400" indent="-228600">
-              <a:defRPr sz="2400">
-                <a:solidFill>
-                  <a:schemeClr val="tx1"/>
-                </a:solidFill>
-                <a:latin typeface="Arial" panose="020B0604020202020204" pitchFamily="34" charset="0"/>
-                <a:ea typeface="ヒラギノ角ゴ Pro W3"/>
-                <a:cs typeface="ヒラギノ角ゴ Pro W3"/>
-              </a:defRPr>
-            </a:lvl5pPr>
-            <a:lvl6pPr marL="2514600" indent="-228600" eaLnBrk="0" fontAlgn="base" hangingPunct="0">
-              <a:spcBef>
-                <a:spcPct val="0"/>
-              </a:spcBef>
-              <a:spcAft>
-                <a:spcPct val="0"/>
-              </a:spcAft>
-              <a:defRPr sz="2400">
-                <a:solidFill>
-                  <a:schemeClr val="tx1"/>
-                </a:solidFill>
-                <a:latin typeface="Arial" panose="020B0604020202020204" pitchFamily="34" charset="0"/>
-                <a:ea typeface="ヒラギノ角ゴ Pro W3"/>
-                <a:cs typeface="ヒラギノ角ゴ Pro W3"/>
-              </a:defRPr>
-            </a:lvl6pPr>
-            <a:lvl7pPr marL="2971800" indent="-228600" eaLnBrk="0" fontAlgn="base" hangingPunct="0">
-              <a:spcBef>
-                <a:spcPct val="0"/>
-              </a:spcBef>
-              <a:spcAft>
-                <a:spcPct val="0"/>
-              </a:spcAft>
-              <a:defRPr sz="2400">
-                <a:solidFill>
-                  <a:schemeClr val="tx1"/>
-                </a:solidFill>
-                <a:latin typeface="Arial" panose="020B0604020202020204" pitchFamily="34" charset="0"/>
-                <a:ea typeface="ヒラギノ角ゴ Pro W3"/>
-                <a:cs typeface="ヒラギノ角ゴ Pro W3"/>
-              </a:defRPr>
-            </a:lvl7pPr>
-            <a:lvl8pPr marL="3429000" indent="-228600" eaLnBrk="0" fontAlgn="base" hangingPunct="0">
-              <a:spcBef>
-                <a:spcPct val="0"/>
-              </a:spcBef>
-              <a:spcAft>
-                <a:spcPct val="0"/>
-              </a:spcAft>
-              <a:defRPr sz="2400">
-                <a:solidFill>
-                  <a:schemeClr val="tx1"/>
-                </a:solidFill>
-                <a:latin typeface="Arial" panose="020B0604020202020204" pitchFamily="34" charset="0"/>
-                <a:ea typeface="ヒラギノ角ゴ Pro W3"/>
-                <a:cs typeface="ヒラギノ角ゴ Pro W3"/>
-              </a:defRPr>
-            </a:lvl8pPr>
-            <a:lvl9pPr marL="3886200" indent="-228600" eaLnBrk="0" fontAlgn="base" hangingPunct="0">
-              <a:spcBef>
-                <a:spcPct val="0"/>
-              </a:spcBef>
-              <a:spcAft>
-                <a:spcPct val="0"/>
-              </a:spcAft>
-              <a:defRPr sz="2400">
-                <a:solidFill>
-                  <a:schemeClr val="tx1"/>
-                </a:solidFill>
-                <a:latin typeface="Arial" panose="020B0604020202020204" pitchFamily="34" charset="0"/>
-                <a:ea typeface="ヒラギノ角ゴ Pro W3"/>
-                <a:cs typeface="ヒラギノ角ゴ Pro W3"/>
-              </a:defRPr>
-            </a:lvl9pPr>
-          </a:lstStyle>
-          <a:p>
-            <a:fld id="{4575D20A-7C72-4C01-97E3-BFBE9E85C533}" type="slidenum">
-              <a:rPr lang="en-US" altLang="en-US" sz="1200"/>
-              <a:pPr/>
-              <a:t>19</a:t>
-            </a:fld>
-            <a:endParaRPr lang="en-US" altLang="en-US" sz="1200"/>
-          </a:p>
-        </p:txBody>
-      </p:sp>
-    </p:spTree>
-  </p:cSld>
-  <p:clrMapOvr>
-    <a:masterClrMapping/>
-  </p:clrMapOvr>
-</p:notes>
-</file>
-
-<file path=ppt/notesSlides/notesSlide5.xml><?xml version="1.0" encoding="utf-8"?>
-<p:notes xmlns:a="http://schemas.openxmlformats.org/drawingml/2006/main" xmlns:r="http://schemas.openxmlformats.org/officeDocument/2006/relationships" xmlns:p="http://schemas.openxmlformats.org/presentationml/2006/main">
-  <p:cSld>
-    <p:spTree>
-      <p:nvGrpSpPr>
-        <p:cNvPr id="1" name=""/>
-        <p:cNvGrpSpPr/>
-        <p:nvPr/>
-      </p:nvGrpSpPr>
-      <p:grpSpPr>
-        <a:xfrm>
-          <a:off x="0" y="0"/>
-          <a:ext cx="0" cy="0"/>
-          <a:chOff x="0" y="0"/>
-          <a:chExt cx="0" cy="0"/>
-        </a:xfrm>
-      </p:grpSpPr>
-      <p:sp>
-        <p:nvSpPr>
           <p:cNvPr id="32770" name="Slide Image Placeholder 1">
             <a:extLst>
               <a:ext uri="{FF2B5EF4-FFF2-40B4-BE49-F238E27FC236}">
@@ -3114,857 +2688,7 @@
             <a:fld id="{80B6DC80-1C6E-45B5-A33B-45DB4431D675}" type="slidenum">
               <a:rPr lang="en-US" altLang="en-US" sz="1200"/>
               <a:pPr/>
-              <a:t>22</a:t>
-            </a:fld>
-            <a:endParaRPr lang="en-US" altLang="en-US" sz="1200"/>
-          </a:p>
-        </p:txBody>
-      </p:sp>
-    </p:spTree>
-  </p:cSld>
-  <p:clrMapOvr>
-    <a:masterClrMapping/>
-  </p:clrMapOvr>
-</p:notes>
-</file>
-
-<file path=ppt/notesSlides/notesSlide6.xml><?xml version="1.0" encoding="utf-8"?>
-<p:notes xmlns:a="http://schemas.openxmlformats.org/drawingml/2006/main" xmlns:r="http://schemas.openxmlformats.org/officeDocument/2006/relationships" xmlns:p="http://schemas.openxmlformats.org/presentationml/2006/main">
-  <p:cSld>
-    <p:spTree>
-      <p:nvGrpSpPr>
-        <p:cNvPr id="1" name=""/>
-        <p:cNvGrpSpPr/>
-        <p:nvPr/>
-      </p:nvGrpSpPr>
-      <p:grpSpPr>
-        <a:xfrm>
-          <a:off x="0" y="0"/>
-          <a:ext cx="0" cy="0"/>
-          <a:chOff x="0" y="0"/>
-          <a:chExt cx="0" cy="0"/>
-        </a:xfrm>
-      </p:grpSpPr>
-      <p:sp>
-        <p:nvSpPr>
-          <p:cNvPr id="34818" name="Slide Image Placeholder 1">
-            <a:extLst>
-              <a:ext uri="{FF2B5EF4-FFF2-40B4-BE49-F238E27FC236}">
-                <a16:creationId xmlns:a16="http://schemas.microsoft.com/office/drawing/2014/main" id="{B02E5512-8C77-E578-37EC-B419BD597DEA}"/>
-              </a:ext>
-            </a:extLst>
-          </p:cNvPr>
-          <p:cNvSpPr>
-            <a:spLocks noGrp="1" noRot="1" noChangeAspect="1" noChangeArrowheads="1" noTextEdit="1"/>
-          </p:cNvSpPr>
-          <p:nvPr>
-            <p:ph type="sldImg"/>
-          </p:nvPr>
-        </p:nvSpPr>
-        <p:spPr>
-          <a:ln/>
-        </p:spPr>
-      </p:sp>
-      <p:sp>
-        <p:nvSpPr>
-          <p:cNvPr id="34819" name="Notes Placeholder 2">
-            <a:extLst>
-              <a:ext uri="{FF2B5EF4-FFF2-40B4-BE49-F238E27FC236}">
-                <a16:creationId xmlns:a16="http://schemas.microsoft.com/office/drawing/2014/main" id="{A712BA21-1503-7E4D-221D-31193F6543E1}"/>
-              </a:ext>
-            </a:extLst>
-          </p:cNvPr>
-          <p:cNvSpPr>
-            <a:spLocks noGrp="1"/>
-          </p:cNvSpPr>
-          <p:nvPr>
-            <p:ph type="body" idx="1"/>
-          </p:nvPr>
-        </p:nvSpPr>
-        <p:spPr>
-          <a:noFill/>
-          <a:extLst>
-            <a:ext uri="{909E8E84-426E-40DD-AFC4-6F175D3DCCD1}">
-              <a14:hiddenFill xmlns:a14="http://schemas.microsoft.com/office/drawing/2010/main">
-                <a:solidFill>
-                  <a:srgbClr val="FFFFFF"/>
-                </a:solidFill>
-              </a14:hiddenFill>
-            </a:ext>
-            <a:ext uri="{91240B29-F687-4F45-9708-019B960494DF}">
-              <a14:hiddenLine xmlns:a14="http://schemas.microsoft.com/office/drawing/2010/main" w="9525">
-                <a:solidFill>
-                  <a:srgbClr val="000000"/>
-                </a:solidFill>
-                <a:miter lim="800000"/>
-                <a:headEnd/>
-                <a:tailEnd/>
-              </a14:hiddenLine>
-            </a:ext>
-          </a:extLst>
-        </p:spPr>
-        <p:txBody>
-          <a:bodyPr/>
-          <a:lstStyle/>
-          <a:p>
-            <a:endParaRPr lang="en-US" altLang="en-US">
-              <a:latin typeface="Arial" panose="020B0604020202020204" pitchFamily="34" charset="0"/>
-              <a:ea typeface="ヒラギノ角ゴ Pro W3"/>
-              <a:cs typeface="ヒラギノ角ゴ Pro W3"/>
-            </a:endParaRPr>
-          </a:p>
-        </p:txBody>
-      </p:sp>
-      <p:sp>
-        <p:nvSpPr>
-          <p:cNvPr id="34820" name="Footer Placeholder 3">
-            <a:extLst>
-              <a:ext uri="{FF2B5EF4-FFF2-40B4-BE49-F238E27FC236}">
-                <a16:creationId xmlns:a16="http://schemas.microsoft.com/office/drawing/2014/main" id="{07DC616B-4BD4-909D-3843-55BCA2686748}"/>
-              </a:ext>
-            </a:extLst>
-          </p:cNvPr>
-          <p:cNvSpPr>
-            <a:spLocks noGrp="1"/>
-          </p:cNvSpPr>
-          <p:nvPr>
-            <p:ph type="ftr" sz="quarter" idx="4"/>
-          </p:nvPr>
-        </p:nvSpPr>
-        <p:spPr>
-          <a:noFill/>
-          <a:extLst>
-            <a:ext uri="{909E8E84-426E-40DD-AFC4-6F175D3DCCD1}">
-              <a14:hiddenFill xmlns:a14="http://schemas.microsoft.com/office/drawing/2010/main">
-                <a:solidFill>
-                  <a:srgbClr val="FFFFFF"/>
-                </a:solidFill>
-              </a14:hiddenFill>
-            </a:ext>
-            <a:ext uri="{91240B29-F687-4F45-9708-019B960494DF}">
-              <a14:hiddenLine xmlns:a14="http://schemas.microsoft.com/office/drawing/2010/main" w="9525">
-                <a:solidFill>
-                  <a:srgbClr val="000000"/>
-                </a:solidFill>
-                <a:miter lim="800000"/>
-                <a:headEnd/>
-                <a:tailEnd/>
-              </a14:hiddenLine>
-            </a:ext>
-          </a:extLst>
-        </p:spPr>
-        <p:txBody>
-          <a:bodyPr/>
-          <a:lstStyle>
-            <a:lvl1pPr>
-              <a:defRPr sz="2400">
-                <a:solidFill>
-                  <a:schemeClr val="tx1"/>
-                </a:solidFill>
-                <a:latin typeface="Arial" panose="020B0604020202020204" pitchFamily="34" charset="0"/>
-                <a:ea typeface="ヒラギノ角ゴ Pro W3"/>
-                <a:cs typeface="ヒラギノ角ゴ Pro W3"/>
-              </a:defRPr>
-            </a:lvl1pPr>
-            <a:lvl2pPr marL="742950" indent="-285750">
-              <a:defRPr sz="2400">
-                <a:solidFill>
-                  <a:schemeClr val="tx1"/>
-                </a:solidFill>
-                <a:latin typeface="Arial" panose="020B0604020202020204" pitchFamily="34" charset="0"/>
-                <a:ea typeface="ヒラギノ角ゴ Pro W3"/>
-                <a:cs typeface="ヒラギノ角ゴ Pro W3"/>
-              </a:defRPr>
-            </a:lvl2pPr>
-            <a:lvl3pPr marL="1143000" indent="-228600">
-              <a:defRPr sz="2400">
-                <a:solidFill>
-                  <a:schemeClr val="tx1"/>
-                </a:solidFill>
-                <a:latin typeface="Arial" panose="020B0604020202020204" pitchFamily="34" charset="0"/>
-                <a:ea typeface="ヒラギノ角ゴ Pro W3"/>
-                <a:cs typeface="ヒラギノ角ゴ Pro W3"/>
-              </a:defRPr>
-            </a:lvl3pPr>
-            <a:lvl4pPr marL="1600200" indent="-228600">
-              <a:defRPr sz="2400">
-                <a:solidFill>
-                  <a:schemeClr val="tx1"/>
-                </a:solidFill>
-                <a:latin typeface="Arial" panose="020B0604020202020204" pitchFamily="34" charset="0"/>
-                <a:ea typeface="ヒラギノ角ゴ Pro W3"/>
-                <a:cs typeface="ヒラギノ角ゴ Pro W3"/>
-              </a:defRPr>
-            </a:lvl4pPr>
-            <a:lvl5pPr marL="2057400" indent="-228600">
-              <a:defRPr sz="2400">
-                <a:solidFill>
-                  <a:schemeClr val="tx1"/>
-                </a:solidFill>
-                <a:latin typeface="Arial" panose="020B0604020202020204" pitchFamily="34" charset="0"/>
-                <a:ea typeface="ヒラギノ角ゴ Pro W3"/>
-                <a:cs typeface="ヒラギノ角ゴ Pro W3"/>
-              </a:defRPr>
-            </a:lvl5pPr>
-            <a:lvl6pPr marL="2514600" indent="-228600" eaLnBrk="0" fontAlgn="base" hangingPunct="0">
-              <a:spcBef>
-                <a:spcPct val="0"/>
-              </a:spcBef>
-              <a:spcAft>
-                <a:spcPct val="0"/>
-              </a:spcAft>
-              <a:defRPr sz="2400">
-                <a:solidFill>
-                  <a:schemeClr val="tx1"/>
-                </a:solidFill>
-                <a:latin typeface="Arial" panose="020B0604020202020204" pitchFamily="34" charset="0"/>
-                <a:ea typeface="ヒラギノ角ゴ Pro W3"/>
-                <a:cs typeface="ヒラギノ角ゴ Pro W3"/>
-              </a:defRPr>
-            </a:lvl6pPr>
-            <a:lvl7pPr marL="2971800" indent="-228600" eaLnBrk="0" fontAlgn="base" hangingPunct="0">
-              <a:spcBef>
-                <a:spcPct val="0"/>
-              </a:spcBef>
-              <a:spcAft>
-                <a:spcPct val="0"/>
-              </a:spcAft>
-              <a:defRPr sz="2400">
-                <a:solidFill>
-                  <a:schemeClr val="tx1"/>
-                </a:solidFill>
-                <a:latin typeface="Arial" panose="020B0604020202020204" pitchFamily="34" charset="0"/>
-                <a:ea typeface="ヒラギノ角ゴ Pro W3"/>
-                <a:cs typeface="ヒラギノ角ゴ Pro W3"/>
-              </a:defRPr>
-            </a:lvl7pPr>
-            <a:lvl8pPr marL="3429000" indent="-228600" eaLnBrk="0" fontAlgn="base" hangingPunct="0">
-              <a:spcBef>
-                <a:spcPct val="0"/>
-              </a:spcBef>
-              <a:spcAft>
-                <a:spcPct val="0"/>
-              </a:spcAft>
-              <a:defRPr sz="2400">
-                <a:solidFill>
-                  <a:schemeClr val="tx1"/>
-                </a:solidFill>
-                <a:latin typeface="Arial" panose="020B0604020202020204" pitchFamily="34" charset="0"/>
-                <a:ea typeface="ヒラギノ角ゴ Pro W3"/>
-                <a:cs typeface="ヒラギノ角ゴ Pro W3"/>
-              </a:defRPr>
-            </a:lvl8pPr>
-            <a:lvl9pPr marL="3886200" indent="-228600" eaLnBrk="0" fontAlgn="base" hangingPunct="0">
-              <a:spcBef>
-                <a:spcPct val="0"/>
-              </a:spcBef>
-              <a:spcAft>
-                <a:spcPct val="0"/>
-              </a:spcAft>
-              <a:defRPr sz="2400">
-                <a:solidFill>
-                  <a:schemeClr val="tx1"/>
-                </a:solidFill>
-                <a:latin typeface="Arial" panose="020B0604020202020204" pitchFamily="34" charset="0"/>
-                <a:ea typeface="ヒラギノ角ゴ Pro W3"/>
-                <a:cs typeface="ヒラギノ角ゴ Pro W3"/>
-              </a:defRPr>
-            </a:lvl9pPr>
-          </a:lstStyle>
-          <a:p>
-            <a:r>
-              <a:rPr lang="en-US" altLang="en-US" sz="1200"/>
-              <a:t>Slide</a:t>
-            </a:r>
-          </a:p>
-        </p:txBody>
-      </p:sp>
-      <p:sp>
-        <p:nvSpPr>
-          <p:cNvPr id="34821" name="Slide Number Placeholder 4">
-            <a:extLst>
-              <a:ext uri="{FF2B5EF4-FFF2-40B4-BE49-F238E27FC236}">
-                <a16:creationId xmlns:a16="http://schemas.microsoft.com/office/drawing/2014/main" id="{B28D7674-8D6A-41D8-F856-B41789AAFFDA}"/>
-              </a:ext>
-            </a:extLst>
-          </p:cNvPr>
-          <p:cNvSpPr>
-            <a:spLocks noGrp="1"/>
-          </p:cNvSpPr>
-          <p:nvPr>
-            <p:ph type="sldNum" sz="quarter" idx="5"/>
-          </p:nvPr>
-        </p:nvSpPr>
-        <p:spPr>
-          <a:noFill/>
-          <a:extLst>
-            <a:ext uri="{909E8E84-426E-40DD-AFC4-6F175D3DCCD1}">
-              <a14:hiddenFill xmlns:a14="http://schemas.microsoft.com/office/drawing/2010/main">
-                <a:solidFill>
-                  <a:srgbClr val="FFFFFF"/>
-                </a:solidFill>
-              </a14:hiddenFill>
-            </a:ext>
-            <a:ext uri="{91240B29-F687-4F45-9708-019B960494DF}">
-              <a14:hiddenLine xmlns:a14="http://schemas.microsoft.com/office/drawing/2010/main" w="9525">
-                <a:solidFill>
-                  <a:srgbClr val="000000"/>
-                </a:solidFill>
-                <a:miter lim="800000"/>
-                <a:headEnd/>
-                <a:tailEnd/>
-              </a14:hiddenLine>
-            </a:ext>
-          </a:extLst>
-        </p:spPr>
-        <p:txBody>
-          <a:bodyPr/>
-          <a:lstStyle>
-            <a:lvl1pPr>
-              <a:defRPr sz="2400">
-                <a:solidFill>
-                  <a:schemeClr val="tx1"/>
-                </a:solidFill>
-                <a:latin typeface="Arial" panose="020B0604020202020204" pitchFamily="34" charset="0"/>
-                <a:ea typeface="ヒラギノ角ゴ Pro W3"/>
-                <a:cs typeface="ヒラギノ角ゴ Pro W3"/>
-              </a:defRPr>
-            </a:lvl1pPr>
-            <a:lvl2pPr marL="742950" indent="-285750">
-              <a:defRPr sz="2400">
-                <a:solidFill>
-                  <a:schemeClr val="tx1"/>
-                </a:solidFill>
-                <a:latin typeface="Arial" panose="020B0604020202020204" pitchFamily="34" charset="0"/>
-                <a:ea typeface="ヒラギノ角ゴ Pro W3"/>
-                <a:cs typeface="ヒラギノ角ゴ Pro W3"/>
-              </a:defRPr>
-            </a:lvl2pPr>
-            <a:lvl3pPr marL="1143000" indent="-228600">
-              <a:defRPr sz="2400">
-                <a:solidFill>
-                  <a:schemeClr val="tx1"/>
-                </a:solidFill>
-                <a:latin typeface="Arial" panose="020B0604020202020204" pitchFamily="34" charset="0"/>
-                <a:ea typeface="ヒラギノ角ゴ Pro W3"/>
-                <a:cs typeface="ヒラギノ角ゴ Pro W3"/>
-              </a:defRPr>
-            </a:lvl3pPr>
-            <a:lvl4pPr marL="1600200" indent="-228600">
-              <a:defRPr sz="2400">
-                <a:solidFill>
-                  <a:schemeClr val="tx1"/>
-                </a:solidFill>
-                <a:latin typeface="Arial" panose="020B0604020202020204" pitchFamily="34" charset="0"/>
-                <a:ea typeface="ヒラギノ角ゴ Pro W3"/>
-                <a:cs typeface="ヒラギノ角ゴ Pro W3"/>
-              </a:defRPr>
-            </a:lvl4pPr>
-            <a:lvl5pPr marL="2057400" indent="-228600">
-              <a:defRPr sz="2400">
-                <a:solidFill>
-                  <a:schemeClr val="tx1"/>
-                </a:solidFill>
-                <a:latin typeface="Arial" panose="020B0604020202020204" pitchFamily="34" charset="0"/>
-                <a:ea typeface="ヒラギノ角ゴ Pro W3"/>
-                <a:cs typeface="ヒラギノ角ゴ Pro W3"/>
-              </a:defRPr>
-            </a:lvl5pPr>
-            <a:lvl6pPr marL="2514600" indent="-228600" eaLnBrk="0" fontAlgn="base" hangingPunct="0">
-              <a:spcBef>
-                <a:spcPct val="0"/>
-              </a:spcBef>
-              <a:spcAft>
-                <a:spcPct val="0"/>
-              </a:spcAft>
-              <a:defRPr sz="2400">
-                <a:solidFill>
-                  <a:schemeClr val="tx1"/>
-                </a:solidFill>
-                <a:latin typeface="Arial" panose="020B0604020202020204" pitchFamily="34" charset="0"/>
-                <a:ea typeface="ヒラギノ角ゴ Pro W3"/>
-                <a:cs typeface="ヒラギノ角ゴ Pro W3"/>
-              </a:defRPr>
-            </a:lvl6pPr>
-            <a:lvl7pPr marL="2971800" indent="-228600" eaLnBrk="0" fontAlgn="base" hangingPunct="0">
-              <a:spcBef>
-                <a:spcPct val="0"/>
-              </a:spcBef>
-              <a:spcAft>
-                <a:spcPct val="0"/>
-              </a:spcAft>
-              <a:defRPr sz="2400">
-                <a:solidFill>
-                  <a:schemeClr val="tx1"/>
-                </a:solidFill>
-                <a:latin typeface="Arial" panose="020B0604020202020204" pitchFamily="34" charset="0"/>
-                <a:ea typeface="ヒラギノ角ゴ Pro W3"/>
-                <a:cs typeface="ヒラギノ角ゴ Pro W3"/>
-              </a:defRPr>
-            </a:lvl7pPr>
-            <a:lvl8pPr marL="3429000" indent="-228600" eaLnBrk="0" fontAlgn="base" hangingPunct="0">
-              <a:spcBef>
-                <a:spcPct val="0"/>
-              </a:spcBef>
-              <a:spcAft>
-                <a:spcPct val="0"/>
-              </a:spcAft>
-              <a:defRPr sz="2400">
-                <a:solidFill>
-                  <a:schemeClr val="tx1"/>
-                </a:solidFill>
-                <a:latin typeface="Arial" panose="020B0604020202020204" pitchFamily="34" charset="0"/>
-                <a:ea typeface="ヒラギノ角ゴ Pro W3"/>
-                <a:cs typeface="ヒラギノ角ゴ Pro W3"/>
-              </a:defRPr>
-            </a:lvl8pPr>
-            <a:lvl9pPr marL="3886200" indent="-228600" eaLnBrk="0" fontAlgn="base" hangingPunct="0">
-              <a:spcBef>
-                <a:spcPct val="0"/>
-              </a:spcBef>
-              <a:spcAft>
-                <a:spcPct val="0"/>
-              </a:spcAft>
-              <a:defRPr sz="2400">
-                <a:solidFill>
-                  <a:schemeClr val="tx1"/>
-                </a:solidFill>
-                <a:latin typeface="Arial" panose="020B0604020202020204" pitchFamily="34" charset="0"/>
-                <a:ea typeface="ヒラギノ角ゴ Pro W3"/>
-                <a:cs typeface="ヒラギノ角ゴ Pro W3"/>
-              </a:defRPr>
-            </a:lvl9pPr>
-          </a:lstStyle>
-          <a:p>
-            <a:fld id="{1BFD98FE-C4C2-42A5-9F43-FE641E77D110}" type="slidenum">
-              <a:rPr lang="en-US" altLang="en-US" sz="1200"/>
-              <a:pPr/>
-              <a:t>23</a:t>
-            </a:fld>
-            <a:endParaRPr lang="en-US" altLang="en-US" sz="1200"/>
-          </a:p>
-        </p:txBody>
-      </p:sp>
-    </p:spTree>
-  </p:cSld>
-  <p:clrMapOvr>
-    <a:masterClrMapping/>
-  </p:clrMapOvr>
-</p:notes>
-</file>
-
-<file path=ppt/notesSlides/notesSlide7.xml><?xml version="1.0" encoding="utf-8"?>
-<p:notes xmlns:a="http://schemas.openxmlformats.org/drawingml/2006/main" xmlns:r="http://schemas.openxmlformats.org/officeDocument/2006/relationships" xmlns:p="http://schemas.openxmlformats.org/presentationml/2006/main">
-  <p:cSld>
-    <p:spTree>
-      <p:nvGrpSpPr>
-        <p:cNvPr id="1" name=""/>
-        <p:cNvGrpSpPr/>
-        <p:nvPr/>
-      </p:nvGrpSpPr>
-      <p:grpSpPr>
-        <a:xfrm>
-          <a:off x="0" y="0"/>
-          <a:ext cx="0" cy="0"/>
-          <a:chOff x="0" y="0"/>
-          <a:chExt cx="0" cy="0"/>
-        </a:xfrm>
-      </p:grpSpPr>
-      <p:sp>
-        <p:nvSpPr>
-          <p:cNvPr id="36866" name="Slide Image Placeholder 1">
-            <a:extLst>
-              <a:ext uri="{FF2B5EF4-FFF2-40B4-BE49-F238E27FC236}">
-                <a16:creationId xmlns:a16="http://schemas.microsoft.com/office/drawing/2014/main" id="{43535193-AEB6-4ECE-11B9-A45F0F2102F1}"/>
-              </a:ext>
-            </a:extLst>
-          </p:cNvPr>
-          <p:cNvSpPr>
-            <a:spLocks noGrp="1" noRot="1" noChangeAspect="1" noChangeArrowheads="1" noTextEdit="1"/>
-          </p:cNvSpPr>
-          <p:nvPr>
-            <p:ph type="sldImg"/>
-          </p:nvPr>
-        </p:nvSpPr>
-        <p:spPr>
-          <a:ln/>
-        </p:spPr>
-      </p:sp>
-      <p:sp>
-        <p:nvSpPr>
-          <p:cNvPr id="36867" name="Notes Placeholder 2">
-            <a:extLst>
-              <a:ext uri="{FF2B5EF4-FFF2-40B4-BE49-F238E27FC236}">
-                <a16:creationId xmlns:a16="http://schemas.microsoft.com/office/drawing/2014/main" id="{6AB65FC4-9920-D814-FACC-4874CC5CD9CD}"/>
-              </a:ext>
-            </a:extLst>
-          </p:cNvPr>
-          <p:cNvSpPr>
-            <a:spLocks noGrp="1"/>
-          </p:cNvSpPr>
-          <p:nvPr>
-            <p:ph type="body" idx="1"/>
-          </p:nvPr>
-        </p:nvSpPr>
-        <p:spPr>
-          <a:noFill/>
-          <a:extLst>
-            <a:ext uri="{909E8E84-426E-40DD-AFC4-6F175D3DCCD1}">
-              <a14:hiddenFill xmlns:a14="http://schemas.microsoft.com/office/drawing/2010/main">
-                <a:solidFill>
-                  <a:srgbClr val="FFFFFF"/>
-                </a:solidFill>
-              </a14:hiddenFill>
-            </a:ext>
-            <a:ext uri="{91240B29-F687-4F45-9708-019B960494DF}">
-              <a14:hiddenLine xmlns:a14="http://schemas.microsoft.com/office/drawing/2010/main" w="9525">
-                <a:solidFill>
-                  <a:srgbClr val="000000"/>
-                </a:solidFill>
-                <a:miter lim="800000"/>
-                <a:headEnd/>
-                <a:tailEnd/>
-              </a14:hiddenLine>
-            </a:ext>
-          </a:extLst>
-        </p:spPr>
-        <p:txBody>
-          <a:bodyPr/>
-          <a:lstStyle/>
-          <a:p>
-            <a:endParaRPr lang="en-US" altLang="en-US">
-              <a:latin typeface="Arial" panose="020B0604020202020204" pitchFamily="34" charset="0"/>
-              <a:ea typeface="ヒラギノ角ゴ Pro W3"/>
-              <a:cs typeface="ヒラギノ角ゴ Pro W3"/>
-            </a:endParaRPr>
-          </a:p>
-        </p:txBody>
-      </p:sp>
-      <p:sp>
-        <p:nvSpPr>
-          <p:cNvPr id="36868" name="Footer Placeholder 3">
-            <a:extLst>
-              <a:ext uri="{FF2B5EF4-FFF2-40B4-BE49-F238E27FC236}">
-                <a16:creationId xmlns:a16="http://schemas.microsoft.com/office/drawing/2014/main" id="{921EA870-2F3B-01EF-E0B4-D8A5F95B55B1}"/>
-              </a:ext>
-            </a:extLst>
-          </p:cNvPr>
-          <p:cNvSpPr>
-            <a:spLocks noGrp="1"/>
-          </p:cNvSpPr>
-          <p:nvPr>
-            <p:ph type="ftr" sz="quarter" idx="4"/>
-          </p:nvPr>
-        </p:nvSpPr>
-        <p:spPr>
-          <a:noFill/>
-          <a:extLst>
-            <a:ext uri="{909E8E84-426E-40DD-AFC4-6F175D3DCCD1}">
-              <a14:hiddenFill xmlns:a14="http://schemas.microsoft.com/office/drawing/2010/main">
-                <a:solidFill>
-                  <a:srgbClr val="FFFFFF"/>
-                </a:solidFill>
-              </a14:hiddenFill>
-            </a:ext>
-            <a:ext uri="{91240B29-F687-4F45-9708-019B960494DF}">
-              <a14:hiddenLine xmlns:a14="http://schemas.microsoft.com/office/drawing/2010/main" w="9525">
-                <a:solidFill>
-                  <a:srgbClr val="000000"/>
-                </a:solidFill>
-                <a:miter lim="800000"/>
-                <a:headEnd/>
-                <a:tailEnd/>
-              </a14:hiddenLine>
-            </a:ext>
-          </a:extLst>
-        </p:spPr>
-        <p:txBody>
-          <a:bodyPr/>
-          <a:lstStyle>
-            <a:lvl1pPr>
-              <a:defRPr sz="2400">
-                <a:solidFill>
-                  <a:schemeClr val="tx1"/>
-                </a:solidFill>
-                <a:latin typeface="Arial" panose="020B0604020202020204" pitchFamily="34" charset="0"/>
-                <a:ea typeface="ヒラギノ角ゴ Pro W3"/>
-                <a:cs typeface="ヒラギノ角ゴ Pro W3"/>
-              </a:defRPr>
-            </a:lvl1pPr>
-            <a:lvl2pPr marL="742950" indent="-285750">
-              <a:defRPr sz="2400">
-                <a:solidFill>
-                  <a:schemeClr val="tx1"/>
-                </a:solidFill>
-                <a:latin typeface="Arial" panose="020B0604020202020204" pitchFamily="34" charset="0"/>
-                <a:ea typeface="ヒラギノ角ゴ Pro W3"/>
-                <a:cs typeface="ヒラギノ角ゴ Pro W3"/>
-              </a:defRPr>
-            </a:lvl2pPr>
-            <a:lvl3pPr marL="1143000" indent="-228600">
-              <a:defRPr sz="2400">
-                <a:solidFill>
-                  <a:schemeClr val="tx1"/>
-                </a:solidFill>
-                <a:latin typeface="Arial" panose="020B0604020202020204" pitchFamily="34" charset="0"/>
-                <a:ea typeface="ヒラギノ角ゴ Pro W3"/>
-                <a:cs typeface="ヒラギノ角ゴ Pro W3"/>
-              </a:defRPr>
-            </a:lvl3pPr>
-            <a:lvl4pPr marL="1600200" indent="-228600">
-              <a:defRPr sz="2400">
-                <a:solidFill>
-                  <a:schemeClr val="tx1"/>
-                </a:solidFill>
-                <a:latin typeface="Arial" panose="020B0604020202020204" pitchFamily="34" charset="0"/>
-                <a:ea typeface="ヒラギノ角ゴ Pro W3"/>
-                <a:cs typeface="ヒラギノ角ゴ Pro W3"/>
-              </a:defRPr>
-            </a:lvl4pPr>
-            <a:lvl5pPr marL="2057400" indent="-228600">
-              <a:defRPr sz="2400">
-                <a:solidFill>
-                  <a:schemeClr val="tx1"/>
-                </a:solidFill>
-                <a:latin typeface="Arial" panose="020B0604020202020204" pitchFamily="34" charset="0"/>
-                <a:ea typeface="ヒラギノ角ゴ Pro W3"/>
-                <a:cs typeface="ヒラギノ角ゴ Pro W3"/>
-              </a:defRPr>
-            </a:lvl5pPr>
-            <a:lvl6pPr marL="2514600" indent="-228600" eaLnBrk="0" fontAlgn="base" hangingPunct="0">
-              <a:spcBef>
-                <a:spcPct val="0"/>
-              </a:spcBef>
-              <a:spcAft>
-                <a:spcPct val="0"/>
-              </a:spcAft>
-              <a:defRPr sz="2400">
-                <a:solidFill>
-                  <a:schemeClr val="tx1"/>
-                </a:solidFill>
-                <a:latin typeface="Arial" panose="020B0604020202020204" pitchFamily="34" charset="0"/>
-                <a:ea typeface="ヒラギノ角ゴ Pro W3"/>
-                <a:cs typeface="ヒラギノ角ゴ Pro W3"/>
-              </a:defRPr>
-            </a:lvl6pPr>
-            <a:lvl7pPr marL="2971800" indent="-228600" eaLnBrk="0" fontAlgn="base" hangingPunct="0">
-              <a:spcBef>
-                <a:spcPct val="0"/>
-              </a:spcBef>
-              <a:spcAft>
-                <a:spcPct val="0"/>
-              </a:spcAft>
-              <a:defRPr sz="2400">
-                <a:solidFill>
-                  <a:schemeClr val="tx1"/>
-                </a:solidFill>
-                <a:latin typeface="Arial" panose="020B0604020202020204" pitchFamily="34" charset="0"/>
-                <a:ea typeface="ヒラギノ角ゴ Pro W3"/>
-                <a:cs typeface="ヒラギノ角ゴ Pro W3"/>
-              </a:defRPr>
-            </a:lvl7pPr>
-            <a:lvl8pPr marL="3429000" indent="-228600" eaLnBrk="0" fontAlgn="base" hangingPunct="0">
-              <a:spcBef>
-                <a:spcPct val="0"/>
-              </a:spcBef>
-              <a:spcAft>
-                <a:spcPct val="0"/>
-              </a:spcAft>
-              <a:defRPr sz="2400">
-                <a:solidFill>
-                  <a:schemeClr val="tx1"/>
-                </a:solidFill>
-                <a:latin typeface="Arial" panose="020B0604020202020204" pitchFamily="34" charset="0"/>
-                <a:ea typeface="ヒラギノ角ゴ Pro W3"/>
-                <a:cs typeface="ヒラギノ角ゴ Pro W3"/>
-              </a:defRPr>
-            </a:lvl8pPr>
-            <a:lvl9pPr marL="3886200" indent="-228600" eaLnBrk="0" fontAlgn="base" hangingPunct="0">
-              <a:spcBef>
-                <a:spcPct val="0"/>
-              </a:spcBef>
-              <a:spcAft>
-                <a:spcPct val="0"/>
-              </a:spcAft>
-              <a:defRPr sz="2400">
-                <a:solidFill>
-                  <a:schemeClr val="tx1"/>
-                </a:solidFill>
-                <a:latin typeface="Arial" panose="020B0604020202020204" pitchFamily="34" charset="0"/>
-                <a:ea typeface="ヒラギノ角ゴ Pro W3"/>
-                <a:cs typeface="ヒラギノ角ゴ Pro W3"/>
-              </a:defRPr>
-            </a:lvl9pPr>
-          </a:lstStyle>
-          <a:p>
-            <a:r>
-              <a:rPr lang="en-US" altLang="en-US" sz="1200"/>
-              <a:t>Slide</a:t>
-            </a:r>
-          </a:p>
-        </p:txBody>
-      </p:sp>
-      <p:sp>
-        <p:nvSpPr>
-          <p:cNvPr id="36869" name="Slide Number Placeholder 4">
-            <a:extLst>
-              <a:ext uri="{FF2B5EF4-FFF2-40B4-BE49-F238E27FC236}">
-                <a16:creationId xmlns:a16="http://schemas.microsoft.com/office/drawing/2014/main" id="{6FD963F1-AF6C-EC26-5B29-79294D65DB07}"/>
-              </a:ext>
-            </a:extLst>
-          </p:cNvPr>
-          <p:cNvSpPr>
-            <a:spLocks noGrp="1"/>
-          </p:cNvSpPr>
-          <p:nvPr>
-            <p:ph type="sldNum" sz="quarter" idx="5"/>
-          </p:nvPr>
-        </p:nvSpPr>
-        <p:spPr>
-          <a:noFill/>
-          <a:extLst>
-            <a:ext uri="{909E8E84-426E-40DD-AFC4-6F175D3DCCD1}">
-              <a14:hiddenFill xmlns:a14="http://schemas.microsoft.com/office/drawing/2010/main">
-                <a:solidFill>
-                  <a:srgbClr val="FFFFFF"/>
-                </a:solidFill>
-              </a14:hiddenFill>
-            </a:ext>
-            <a:ext uri="{91240B29-F687-4F45-9708-019B960494DF}">
-              <a14:hiddenLine xmlns:a14="http://schemas.microsoft.com/office/drawing/2010/main" w="9525">
-                <a:solidFill>
-                  <a:srgbClr val="000000"/>
-                </a:solidFill>
-                <a:miter lim="800000"/>
-                <a:headEnd/>
-                <a:tailEnd/>
-              </a14:hiddenLine>
-            </a:ext>
-          </a:extLst>
-        </p:spPr>
-        <p:txBody>
-          <a:bodyPr/>
-          <a:lstStyle>
-            <a:lvl1pPr>
-              <a:defRPr sz="2400">
-                <a:solidFill>
-                  <a:schemeClr val="tx1"/>
-                </a:solidFill>
-                <a:latin typeface="Arial" panose="020B0604020202020204" pitchFamily="34" charset="0"/>
-                <a:ea typeface="ヒラギノ角ゴ Pro W3"/>
-                <a:cs typeface="ヒラギノ角ゴ Pro W3"/>
-              </a:defRPr>
-            </a:lvl1pPr>
-            <a:lvl2pPr marL="742950" indent="-285750">
-              <a:defRPr sz="2400">
-                <a:solidFill>
-                  <a:schemeClr val="tx1"/>
-                </a:solidFill>
-                <a:latin typeface="Arial" panose="020B0604020202020204" pitchFamily="34" charset="0"/>
-                <a:ea typeface="ヒラギノ角ゴ Pro W3"/>
-                <a:cs typeface="ヒラギノ角ゴ Pro W3"/>
-              </a:defRPr>
-            </a:lvl2pPr>
-            <a:lvl3pPr marL="1143000" indent="-228600">
-              <a:defRPr sz="2400">
-                <a:solidFill>
-                  <a:schemeClr val="tx1"/>
-                </a:solidFill>
-                <a:latin typeface="Arial" panose="020B0604020202020204" pitchFamily="34" charset="0"/>
-                <a:ea typeface="ヒラギノ角ゴ Pro W3"/>
-                <a:cs typeface="ヒラギノ角ゴ Pro W3"/>
-              </a:defRPr>
-            </a:lvl3pPr>
-            <a:lvl4pPr marL="1600200" indent="-228600">
-              <a:defRPr sz="2400">
-                <a:solidFill>
-                  <a:schemeClr val="tx1"/>
-                </a:solidFill>
-                <a:latin typeface="Arial" panose="020B0604020202020204" pitchFamily="34" charset="0"/>
-                <a:ea typeface="ヒラギノ角ゴ Pro W3"/>
-                <a:cs typeface="ヒラギノ角ゴ Pro W3"/>
-              </a:defRPr>
-            </a:lvl4pPr>
-            <a:lvl5pPr marL="2057400" indent="-228600">
-              <a:defRPr sz="2400">
-                <a:solidFill>
-                  <a:schemeClr val="tx1"/>
-                </a:solidFill>
-                <a:latin typeface="Arial" panose="020B0604020202020204" pitchFamily="34" charset="0"/>
-                <a:ea typeface="ヒラギノ角ゴ Pro W3"/>
-                <a:cs typeface="ヒラギノ角ゴ Pro W3"/>
-              </a:defRPr>
-            </a:lvl5pPr>
-            <a:lvl6pPr marL="2514600" indent="-228600" eaLnBrk="0" fontAlgn="base" hangingPunct="0">
-              <a:spcBef>
-                <a:spcPct val="0"/>
-              </a:spcBef>
-              <a:spcAft>
-                <a:spcPct val="0"/>
-              </a:spcAft>
-              <a:defRPr sz="2400">
-                <a:solidFill>
-                  <a:schemeClr val="tx1"/>
-                </a:solidFill>
-                <a:latin typeface="Arial" panose="020B0604020202020204" pitchFamily="34" charset="0"/>
-                <a:ea typeface="ヒラギノ角ゴ Pro W3"/>
-                <a:cs typeface="ヒラギノ角ゴ Pro W3"/>
-              </a:defRPr>
-            </a:lvl6pPr>
-            <a:lvl7pPr marL="2971800" indent="-228600" eaLnBrk="0" fontAlgn="base" hangingPunct="0">
-              <a:spcBef>
-                <a:spcPct val="0"/>
-              </a:spcBef>
-              <a:spcAft>
-                <a:spcPct val="0"/>
-              </a:spcAft>
-              <a:defRPr sz="2400">
-                <a:solidFill>
-                  <a:schemeClr val="tx1"/>
-                </a:solidFill>
-                <a:latin typeface="Arial" panose="020B0604020202020204" pitchFamily="34" charset="0"/>
-                <a:ea typeface="ヒラギノ角ゴ Pro W3"/>
-                <a:cs typeface="ヒラギノ角ゴ Pro W3"/>
-              </a:defRPr>
-            </a:lvl7pPr>
-            <a:lvl8pPr marL="3429000" indent="-228600" eaLnBrk="0" fontAlgn="base" hangingPunct="0">
-              <a:spcBef>
-                <a:spcPct val="0"/>
-              </a:spcBef>
-              <a:spcAft>
-                <a:spcPct val="0"/>
-              </a:spcAft>
-              <a:defRPr sz="2400">
-                <a:solidFill>
-                  <a:schemeClr val="tx1"/>
-                </a:solidFill>
-                <a:latin typeface="Arial" panose="020B0604020202020204" pitchFamily="34" charset="0"/>
-                <a:ea typeface="ヒラギノ角ゴ Pro W3"/>
-                <a:cs typeface="ヒラギノ角ゴ Pro W3"/>
-              </a:defRPr>
-            </a:lvl8pPr>
-            <a:lvl9pPr marL="3886200" indent="-228600" eaLnBrk="0" fontAlgn="base" hangingPunct="0">
-              <a:spcBef>
-                <a:spcPct val="0"/>
-              </a:spcBef>
-              <a:spcAft>
-                <a:spcPct val="0"/>
-              </a:spcAft>
-              <a:defRPr sz="2400">
-                <a:solidFill>
-                  <a:schemeClr val="tx1"/>
-                </a:solidFill>
-                <a:latin typeface="Arial" panose="020B0604020202020204" pitchFamily="34" charset="0"/>
-                <a:ea typeface="ヒラギノ角ゴ Pro W3"/>
-                <a:cs typeface="ヒラギノ角ゴ Pro W3"/>
-              </a:defRPr>
-            </a:lvl9pPr>
-          </a:lstStyle>
-          <a:p>
-            <a:fld id="{E2CB24C4-FB02-48DF-8915-D0966644FC66}" type="slidenum">
-              <a:rPr lang="en-US" altLang="en-US" sz="1200"/>
-              <a:pPr/>
-              <a:t>24</a:t>
+              <a:t>18</a:t>
             </a:fld>
             <a:endParaRPr lang="en-US" altLang="en-US" sz="1200"/>
           </a:p>
@@ -11557,7 +10281,7 @@
         </p:nvGraphicFramePr>
         <p:xfrm>
           <a:off x="76200" y="1752600"/>
-          <a:ext cx="8915400" cy="1482725"/>
+          <a:ext cx="8915400" cy="1482724"/>
         </p:xfrm>
         <a:graphic>
           <a:graphicData uri="http://schemas.openxmlformats.org/drawingml/2006/table">
@@ -13528,223 +12252,7 @@
       </p:grpSpPr>
       <p:sp>
         <p:nvSpPr>
-          <p:cNvPr id="26626" name="Rectangle 2">
-            <a:extLst>
-              <a:ext uri="{FF2B5EF4-FFF2-40B4-BE49-F238E27FC236}">
-                <a16:creationId xmlns:a16="http://schemas.microsoft.com/office/drawing/2014/main" id="{65D5D79D-B300-BA0E-3E56-3E07E2191B41}"/>
-              </a:ext>
-            </a:extLst>
-          </p:cNvPr>
-          <p:cNvSpPr>
-            <a:spLocks noChangeArrowheads="1"/>
-          </p:cNvSpPr>
-          <p:nvPr/>
-        </p:nvSpPr>
-        <p:spPr bwMode="auto">
-          <a:xfrm>
-            <a:off x="5064125" y="3667125"/>
-            <a:ext cx="1447800" cy="381000"/>
-          </a:xfrm>
-          <a:prstGeom prst="rect">
-            <a:avLst/>
-          </a:prstGeom>
-          <a:solidFill>
-            <a:schemeClr val="tx1"/>
-          </a:solidFill>
-          <a:ln w="9525" algn="ctr">
-            <a:solidFill>
-              <a:schemeClr val="tx1"/>
-            </a:solidFill>
-            <a:round/>
-            <a:headEnd/>
-            <a:tailEnd/>
-          </a:ln>
-        </p:spPr>
-        <p:txBody>
-          <a:bodyPr/>
-          <a:lstStyle>
-            <a:lvl1pPr>
-              <a:lnSpc>
-                <a:spcPct val="120000"/>
-              </a:lnSpc>
-              <a:buClr>
-                <a:schemeClr val="hlink"/>
-              </a:buClr>
-              <a:buFont typeface="Wingdings" panose="05000000000000000000" pitchFamily="2" charset="2"/>
-              <a:defRPr sz="1400">
-                <a:solidFill>
-                  <a:srgbClr val="000000"/>
-                </a:solidFill>
-                <a:latin typeface="Arial" panose="020B0604020202020204" pitchFamily="34" charset="0"/>
-                <a:ea typeface="ヒラギノ角ゴ Pro W3"/>
-                <a:cs typeface="ヒラギノ角ゴ Pro W3"/>
-              </a:defRPr>
-            </a:lvl1pPr>
-            <a:lvl2pPr marL="742950" indent="-285750">
-              <a:spcBef>
-                <a:spcPct val="20000"/>
-              </a:spcBef>
-              <a:buClr>
-                <a:srgbClr val="0046AD"/>
-              </a:buClr>
-              <a:buFont typeface="Wingdings" panose="05000000000000000000" pitchFamily="2" charset="2"/>
-              <a:defRPr sz="1200">
-                <a:solidFill>
-                  <a:srgbClr val="0046AD"/>
-                </a:solidFill>
-                <a:latin typeface="Arial" panose="020B0604020202020204" pitchFamily="34" charset="0"/>
-                <a:ea typeface="ヒラギノ角ゴ Pro W3"/>
-                <a:cs typeface="ヒラギノ角ゴ Pro W3"/>
-              </a:defRPr>
-            </a:lvl2pPr>
-            <a:lvl3pPr marL="1143000" indent="-228600">
-              <a:spcBef>
-                <a:spcPct val="20000"/>
-              </a:spcBef>
-              <a:buClr>
-                <a:srgbClr val="0046AD"/>
-              </a:buClr>
-              <a:buFont typeface="Wingdings" panose="05000000000000000000" pitchFamily="2" charset="2"/>
-              <a:defRPr sz="1200">
-                <a:solidFill>
-                  <a:srgbClr val="000000"/>
-                </a:solidFill>
-                <a:latin typeface="Arial" panose="020B0604020202020204" pitchFamily="34" charset="0"/>
-                <a:ea typeface="ヒラギノ角ゴ Pro W3"/>
-                <a:cs typeface="ヒラギノ角ゴ Pro W3"/>
-              </a:defRPr>
-            </a:lvl3pPr>
-            <a:lvl4pPr marL="1600200" indent="-228600">
-              <a:spcBef>
-                <a:spcPct val="20000"/>
-              </a:spcBef>
-              <a:buClr>
-                <a:srgbClr val="0046AD"/>
-              </a:buClr>
-              <a:buFont typeface="Wingdings" panose="05000000000000000000" pitchFamily="2" charset="2"/>
-              <a:defRPr sz="1200">
-                <a:solidFill>
-                  <a:srgbClr val="0046AD"/>
-                </a:solidFill>
-                <a:latin typeface="Arial" panose="020B0604020202020204" pitchFamily="34" charset="0"/>
-                <a:ea typeface="ヒラギノ角ゴ Pro W3"/>
-                <a:cs typeface="ヒラギノ角ゴ Pro W3"/>
-              </a:defRPr>
-            </a:lvl4pPr>
-            <a:lvl5pPr marL="2057400" indent="-228600">
-              <a:spcBef>
-                <a:spcPct val="20000"/>
-              </a:spcBef>
-              <a:buClr>
-                <a:srgbClr val="0046AD"/>
-              </a:buClr>
-              <a:buFont typeface="Wingdings" panose="05000000000000000000" pitchFamily="2" charset="2"/>
-              <a:defRPr sz="1200">
-                <a:solidFill>
-                  <a:srgbClr val="000000"/>
-                </a:solidFill>
-                <a:latin typeface="Arial" panose="020B0604020202020204" pitchFamily="34" charset="0"/>
-                <a:ea typeface="ヒラギノ角ゴ Pro W3"/>
-                <a:cs typeface="ヒラギノ角ゴ Pro W3"/>
-              </a:defRPr>
-            </a:lvl5pPr>
-            <a:lvl6pPr marL="2514600" indent="-228600" eaLnBrk="0" fontAlgn="base" hangingPunct="0">
-              <a:spcBef>
-                <a:spcPct val="20000"/>
-              </a:spcBef>
-              <a:spcAft>
-                <a:spcPct val="0"/>
-              </a:spcAft>
-              <a:buClr>
-                <a:srgbClr val="0046AD"/>
-              </a:buClr>
-              <a:buFont typeface="Wingdings" panose="05000000000000000000" pitchFamily="2" charset="2"/>
-              <a:defRPr sz="1200">
-                <a:solidFill>
-                  <a:srgbClr val="000000"/>
-                </a:solidFill>
-                <a:latin typeface="Arial" panose="020B0604020202020204" pitchFamily="34" charset="0"/>
-                <a:ea typeface="ヒラギノ角ゴ Pro W3"/>
-                <a:cs typeface="ヒラギノ角ゴ Pro W3"/>
-              </a:defRPr>
-            </a:lvl6pPr>
-            <a:lvl7pPr marL="2971800" indent="-228600" eaLnBrk="0" fontAlgn="base" hangingPunct="0">
-              <a:spcBef>
-                <a:spcPct val="20000"/>
-              </a:spcBef>
-              <a:spcAft>
-                <a:spcPct val="0"/>
-              </a:spcAft>
-              <a:buClr>
-                <a:srgbClr val="0046AD"/>
-              </a:buClr>
-              <a:buFont typeface="Wingdings" panose="05000000000000000000" pitchFamily="2" charset="2"/>
-              <a:defRPr sz="1200">
-                <a:solidFill>
-                  <a:srgbClr val="000000"/>
-                </a:solidFill>
-                <a:latin typeface="Arial" panose="020B0604020202020204" pitchFamily="34" charset="0"/>
-                <a:ea typeface="ヒラギノ角ゴ Pro W3"/>
-                <a:cs typeface="ヒラギノ角ゴ Pro W3"/>
-              </a:defRPr>
-            </a:lvl7pPr>
-            <a:lvl8pPr marL="3429000" indent="-228600" eaLnBrk="0" fontAlgn="base" hangingPunct="0">
-              <a:spcBef>
-                <a:spcPct val="20000"/>
-              </a:spcBef>
-              <a:spcAft>
-                <a:spcPct val="0"/>
-              </a:spcAft>
-              <a:buClr>
-                <a:srgbClr val="0046AD"/>
-              </a:buClr>
-              <a:buFont typeface="Wingdings" panose="05000000000000000000" pitchFamily="2" charset="2"/>
-              <a:defRPr sz="1200">
-                <a:solidFill>
-                  <a:srgbClr val="000000"/>
-                </a:solidFill>
-                <a:latin typeface="Arial" panose="020B0604020202020204" pitchFamily="34" charset="0"/>
-                <a:ea typeface="ヒラギノ角ゴ Pro W3"/>
-                <a:cs typeface="ヒラギノ角ゴ Pro W3"/>
-              </a:defRPr>
-            </a:lvl8pPr>
-            <a:lvl9pPr marL="3886200" indent="-228600" eaLnBrk="0" fontAlgn="base" hangingPunct="0">
-              <a:spcBef>
-                <a:spcPct val="20000"/>
-              </a:spcBef>
-              <a:spcAft>
-                <a:spcPct val="0"/>
-              </a:spcAft>
-              <a:buClr>
-                <a:srgbClr val="0046AD"/>
-              </a:buClr>
-              <a:buFont typeface="Wingdings" panose="05000000000000000000" pitchFamily="2" charset="2"/>
-              <a:defRPr sz="1200">
-                <a:solidFill>
-                  <a:srgbClr val="000000"/>
-                </a:solidFill>
-                <a:latin typeface="Arial" panose="020B0604020202020204" pitchFamily="34" charset="0"/>
-                <a:ea typeface="ヒラギノ角ゴ Pro W3"/>
-                <a:cs typeface="ヒラギノ角ゴ Pro W3"/>
-              </a:defRPr>
-            </a:lvl9pPr>
-          </a:lstStyle>
-          <a:p>
-            <a:pPr>
-              <a:lnSpc>
-                <a:spcPct val="100000"/>
-              </a:lnSpc>
-              <a:buClrTx/>
-              <a:buFontTx/>
-              <a:buNone/>
-            </a:pPr>
-            <a:endParaRPr lang="en-CA" altLang="en-US" sz="2400"/>
-          </a:p>
-        </p:txBody>
-      </p:sp>
-      <p:sp>
-        <p:nvSpPr>
-          <p:cNvPr id="5" name="Title 1">
+          <p:cNvPr id="3" name="Title 1">
             <a:extLst>
               <a:ext uri="{FF2B5EF4-FFF2-40B4-BE49-F238E27FC236}">
                 <a16:creationId xmlns:a16="http://schemas.microsoft.com/office/drawing/2014/main" id="{39215624-9FF5-460F-803B-8FB6BCB8FB87}"/>
@@ -13759,7 +12267,7 @@
         <p:spPr>
           <a:xfrm>
             <a:off x="457200" y="762000"/>
-            <a:ext cx="10515600" cy="1325563"/>
+            <a:ext cx="7543800" cy="533400"/>
           </a:xfrm>
           <a:prstGeom prst="rect">
             <a:avLst/>
@@ -13915,7 +12423,7 @@
             </a:pPr>
             <a:r>
               <a:rPr lang="en-US" kern="0" dirty="0"/>
-              <a:t>GLM: Goodness of Fit</a:t>
+              <a:t>Multinomial Logistic Regression</a:t>
             </a:r>
             <a:endParaRPr lang="en-CA" kern="0" dirty="0"/>
           </a:p>
@@ -13923,10 +12431,10 @@
       </p:sp>
       <p:sp>
         <p:nvSpPr>
-          <p:cNvPr id="6" name="Content Placeholder 2">
+          <p:cNvPr id="4" name="Content Placeholder 2">
             <a:extLst>
               <a:ext uri="{FF2B5EF4-FFF2-40B4-BE49-F238E27FC236}">
-                <a16:creationId xmlns:a16="http://schemas.microsoft.com/office/drawing/2014/main" id="{BF3D568C-2285-49C7-84E9-9EB05B1FA581}"/>
+                <a16:creationId xmlns:a16="http://schemas.microsoft.com/office/drawing/2014/main" id="{95EA56D7-3F9C-4BC3-A083-2E5062E55F93}"/>
               </a:ext>
             </a:extLst>
           </p:cNvPr>
@@ -13937,431 +12445,8 @@
         </p:nvSpPr>
         <p:spPr>
           <a:xfrm>
-            <a:off x="457200" y="1752600"/>
-            <a:ext cx="7924800" cy="4191000"/>
-          </a:xfrm>
-          <a:prstGeom prst="rect">
-            <a:avLst/>
-          </a:prstGeom>
-        </p:spPr>
-        <p:txBody>
-          <a:bodyPr>
-            <a:normAutofit/>
-          </a:bodyPr>
-          <a:lstStyle>
-            <a:lvl1pPr marL="342900" indent="-342900" algn="l" rtl="0" eaLnBrk="0" fontAlgn="base" hangingPunct="0">
-              <a:lnSpc>
-                <a:spcPct val="120000"/>
-              </a:lnSpc>
-              <a:spcBef>
-                <a:spcPct val="0"/>
-              </a:spcBef>
-              <a:spcAft>
-                <a:spcPct val="0"/>
-              </a:spcAft>
-              <a:buClr>
-                <a:schemeClr val="hlink"/>
-              </a:buClr>
-              <a:buFont typeface="Wingdings" panose="05000000000000000000" pitchFamily="2" charset="2"/>
-              <a:defRPr sz="1400">
-                <a:solidFill>
-                  <a:srgbClr val="000000"/>
-                </a:solidFill>
-                <a:latin typeface="+mn-lt"/>
-                <a:ea typeface="+mn-ea"/>
-                <a:cs typeface="ヒラギノ角ゴ Pro W3" charset="0"/>
-              </a:defRPr>
-            </a:lvl1pPr>
-            <a:lvl2pPr marL="742950" indent="-285750" algn="l" rtl="0" eaLnBrk="0" fontAlgn="base" hangingPunct="0">
-              <a:spcBef>
-                <a:spcPct val="20000"/>
-              </a:spcBef>
-              <a:spcAft>
-                <a:spcPct val="0"/>
-              </a:spcAft>
-              <a:buClr>
-                <a:srgbClr val="0046AD"/>
-              </a:buClr>
-              <a:buFont typeface="Wingdings" panose="05000000000000000000" pitchFamily="2" charset="2"/>
-              <a:defRPr sz="1200">
-                <a:solidFill>
-                  <a:srgbClr val="0046AD"/>
-                </a:solidFill>
-                <a:latin typeface="+mn-lt"/>
-                <a:ea typeface="+mn-ea"/>
-              </a:defRPr>
-            </a:lvl2pPr>
-            <a:lvl3pPr marL="1143000" indent="-228600" algn="l" rtl="0" eaLnBrk="0" fontAlgn="base" hangingPunct="0">
-              <a:spcBef>
-                <a:spcPct val="20000"/>
-              </a:spcBef>
-              <a:spcAft>
-                <a:spcPct val="0"/>
-              </a:spcAft>
-              <a:buClr>
-                <a:srgbClr val="0046AD"/>
-              </a:buClr>
-              <a:buFont typeface="Wingdings" panose="05000000000000000000" pitchFamily="2" charset="2"/>
-              <a:defRPr sz="1200">
-                <a:solidFill>
-                  <a:srgbClr val="000000"/>
-                </a:solidFill>
-                <a:latin typeface="+mn-lt"/>
-                <a:ea typeface="+mn-ea"/>
-              </a:defRPr>
-            </a:lvl3pPr>
-            <a:lvl4pPr marL="1600200" indent="-228600" algn="l" rtl="0" eaLnBrk="0" fontAlgn="base" hangingPunct="0">
-              <a:spcBef>
-                <a:spcPct val="20000"/>
-              </a:spcBef>
-              <a:spcAft>
-                <a:spcPct val="0"/>
-              </a:spcAft>
-              <a:buClr>
-                <a:srgbClr val="0046AD"/>
-              </a:buClr>
-              <a:buFont typeface="Wingdings" panose="05000000000000000000" pitchFamily="2" charset="2"/>
-              <a:defRPr sz="1200">
-                <a:solidFill>
-                  <a:srgbClr val="0046AD"/>
-                </a:solidFill>
-                <a:latin typeface="+mn-lt"/>
-                <a:ea typeface="+mn-ea"/>
-              </a:defRPr>
-            </a:lvl4pPr>
-            <a:lvl5pPr marL="2057400" indent="-228600" algn="l" rtl="0" eaLnBrk="0" fontAlgn="base" hangingPunct="0">
-              <a:spcBef>
-                <a:spcPct val="20000"/>
-              </a:spcBef>
-              <a:spcAft>
-                <a:spcPct val="0"/>
-              </a:spcAft>
-              <a:buClr>
-                <a:srgbClr val="0046AD"/>
-              </a:buClr>
-              <a:buFont typeface="Wingdings" panose="05000000000000000000" pitchFamily="2" charset="2"/>
-              <a:defRPr sz="1200">
-                <a:solidFill>
-                  <a:srgbClr val="000000"/>
-                </a:solidFill>
-                <a:latin typeface="+mn-lt"/>
-                <a:ea typeface="+mn-ea"/>
-              </a:defRPr>
-            </a:lvl5pPr>
-            <a:lvl6pPr marL="2514600" indent="-228600" algn="l" rtl="0" fontAlgn="base">
-              <a:spcBef>
-                <a:spcPct val="20000"/>
-              </a:spcBef>
-              <a:spcAft>
-                <a:spcPct val="0"/>
-              </a:spcAft>
-              <a:buClr>
-                <a:srgbClr val="0046AD"/>
-              </a:buClr>
-              <a:buFont typeface="Wingdings" charset="0"/>
-              <a:defRPr sz="1200">
-                <a:solidFill>
-                  <a:srgbClr val="000000"/>
-                </a:solidFill>
-                <a:latin typeface="+mn-lt"/>
-                <a:ea typeface="+mn-ea"/>
-              </a:defRPr>
-            </a:lvl6pPr>
-            <a:lvl7pPr marL="2971800" indent="-228600" algn="l" rtl="0" fontAlgn="base">
-              <a:spcBef>
-                <a:spcPct val="20000"/>
-              </a:spcBef>
-              <a:spcAft>
-                <a:spcPct val="0"/>
-              </a:spcAft>
-              <a:buClr>
-                <a:srgbClr val="0046AD"/>
-              </a:buClr>
-              <a:buFont typeface="Wingdings" charset="0"/>
-              <a:defRPr sz="1200">
-                <a:solidFill>
-                  <a:srgbClr val="000000"/>
-                </a:solidFill>
-                <a:latin typeface="+mn-lt"/>
-                <a:ea typeface="+mn-ea"/>
-              </a:defRPr>
-            </a:lvl7pPr>
-            <a:lvl8pPr marL="3429000" indent="-228600" algn="l" rtl="0" fontAlgn="base">
-              <a:spcBef>
-                <a:spcPct val="20000"/>
-              </a:spcBef>
-              <a:spcAft>
-                <a:spcPct val="0"/>
-              </a:spcAft>
-              <a:buClr>
-                <a:srgbClr val="0046AD"/>
-              </a:buClr>
-              <a:buFont typeface="Wingdings" charset="0"/>
-              <a:defRPr sz="1200">
-                <a:solidFill>
-                  <a:srgbClr val="000000"/>
-                </a:solidFill>
-                <a:latin typeface="+mn-lt"/>
-                <a:ea typeface="+mn-ea"/>
-              </a:defRPr>
-            </a:lvl8pPr>
-            <a:lvl9pPr marL="3886200" indent="-228600" algn="l" rtl="0" fontAlgn="base">
-              <a:spcBef>
-                <a:spcPct val="20000"/>
-              </a:spcBef>
-              <a:spcAft>
-                <a:spcPct val="0"/>
-              </a:spcAft>
-              <a:buClr>
-                <a:srgbClr val="0046AD"/>
-              </a:buClr>
-              <a:buFont typeface="Wingdings" charset="0"/>
-              <a:defRPr sz="1200">
-                <a:solidFill>
-                  <a:srgbClr val="000000"/>
-                </a:solidFill>
-                <a:latin typeface="+mn-lt"/>
-                <a:ea typeface="+mn-ea"/>
-              </a:defRPr>
-            </a:lvl9pPr>
-          </a:lstStyle>
-          <a:p>
-            <a:pPr>
-              <a:buClr>
-                <a:srgbClr val="002060"/>
-              </a:buClr>
-              <a:buFont typeface="Arial" panose="020B0604020202020204" pitchFamily="34" charset="0"/>
-              <a:buChar char="•"/>
-              <a:defRPr/>
-            </a:pPr>
-            <a:r>
-              <a:rPr lang="en-US" sz="2000" dirty="0">
-                <a:solidFill>
-                  <a:srgbClr val="002060"/>
-                </a:solidFill>
-              </a:rPr>
-              <a:t>The Hosmer-</a:t>
-            </a:r>
-            <a:r>
-              <a:rPr lang="en-US" sz="2000" dirty="0" err="1">
-                <a:solidFill>
-                  <a:srgbClr val="002060"/>
-                </a:solidFill>
-              </a:rPr>
-              <a:t>Lemeshow</a:t>
-            </a:r>
-            <a:r>
-              <a:rPr lang="en-US" sz="2000" dirty="0">
-                <a:solidFill>
-                  <a:srgbClr val="002060"/>
-                </a:solidFill>
-              </a:rPr>
-              <a:t> test tests goodness of fit for logistic regression models</a:t>
-            </a:r>
-            <a:r>
-              <a:rPr lang="en-US" sz="2000" dirty="0"/>
-              <a:t>. </a:t>
-            </a:r>
-          </a:p>
-          <a:p>
-            <a:pPr lvl="1">
-              <a:buClr>
-                <a:srgbClr val="002060"/>
-              </a:buClr>
-              <a:buFont typeface="Arial" panose="020B0604020202020204" pitchFamily="34" charset="0"/>
-              <a:buChar char="•"/>
-              <a:defRPr/>
-            </a:pPr>
-            <a:r>
-              <a:rPr lang="en-US" sz="1800" dirty="0">
-                <a:solidFill>
-                  <a:srgbClr val="002060"/>
-                </a:solidFill>
-                <a:cs typeface="+mn-cs"/>
-              </a:rPr>
-              <a:t>It tests whether the observed event probabilities match the predicted event probabilities</a:t>
-            </a:r>
-            <a:r>
-              <a:rPr lang="en-US" sz="2000" dirty="0">
-                <a:solidFill>
-                  <a:srgbClr val="002060"/>
-                </a:solidFill>
-                <a:cs typeface="+mn-cs"/>
-              </a:rPr>
-              <a:t>.</a:t>
-            </a:r>
-          </a:p>
-          <a:p>
-            <a:pPr>
-              <a:buClr>
-                <a:srgbClr val="002060"/>
-              </a:buClr>
-              <a:buFont typeface="Arial" panose="020B0604020202020204" pitchFamily="34" charset="0"/>
-              <a:buChar char="•"/>
-              <a:defRPr/>
-            </a:pPr>
-            <a:r>
-              <a:rPr lang="en-US" sz="2000" dirty="0">
-                <a:solidFill>
-                  <a:srgbClr val="002060"/>
-                </a:solidFill>
-              </a:rPr>
-              <a:t>Receiver operating characteristic (ROC) curves are also used to test goodness-of-fit for logistic regression</a:t>
-            </a:r>
-            <a:r>
-              <a:rPr lang="en-US" sz="2400" dirty="0">
-                <a:solidFill>
-                  <a:srgbClr val="002060"/>
-                </a:solidFill>
-              </a:rPr>
-              <a:t>.</a:t>
-            </a:r>
-          </a:p>
-          <a:p>
-            <a:pPr lvl="1">
-              <a:buClr>
-                <a:srgbClr val="002060"/>
-              </a:buClr>
-              <a:buFont typeface="Arial" panose="020B0604020202020204" pitchFamily="34" charset="0"/>
-              <a:buChar char="•"/>
-              <a:defRPr/>
-            </a:pPr>
-            <a:r>
-              <a:rPr lang="en-US" sz="1800" dirty="0">
-                <a:solidFill>
-                  <a:srgbClr val="002060"/>
-                </a:solidFill>
-                <a:cs typeface="+mn-cs"/>
-              </a:rPr>
-              <a:t>An ROC curve plots the true positive rate against the false positive rate for the different thresholds of a diagnostic test.</a:t>
-            </a:r>
-          </a:p>
-          <a:p>
-            <a:pPr lvl="1">
-              <a:buClr>
-                <a:srgbClr val="002060"/>
-              </a:buClr>
-              <a:buFont typeface="Arial" panose="020B0604020202020204" pitchFamily="34" charset="0"/>
-              <a:buChar char="•"/>
-              <a:defRPr/>
-            </a:pPr>
-            <a:r>
-              <a:rPr lang="en-US" sz="1800" dirty="0">
-                <a:solidFill>
-                  <a:srgbClr val="002060"/>
-                </a:solidFill>
-                <a:cs typeface="+mn-cs"/>
-              </a:rPr>
-              <a:t>The area under an ROC curve (AUC) is a measure of goodness-of-fit.</a:t>
-            </a:r>
-          </a:p>
-          <a:p>
-            <a:pPr lvl="1">
-              <a:buFont typeface="Arial" panose="020B0604020202020204" pitchFamily="34" charset="0"/>
-              <a:buChar char="•"/>
-              <a:defRPr/>
-            </a:pPr>
-            <a:endParaRPr lang="en-US" sz="2000" dirty="0">
-              <a:cs typeface="+mn-cs"/>
-            </a:endParaRPr>
-          </a:p>
-          <a:p>
-            <a:pPr lvl="1">
-              <a:buFont typeface="Arial" panose="020B0604020202020204" pitchFamily="34" charset="0"/>
-              <a:buChar char="•"/>
-              <a:defRPr/>
-            </a:pPr>
-            <a:endParaRPr lang="en-US" sz="2400" dirty="0">
-              <a:cs typeface="+mn-cs"/>
-            </a:endParaRPr>
-          </a:p>
-          <a:p>
-            <a:pPr lvl="1">
-              <a:buFont typeface="Arial" panose="020B0604020202020204" pitchFamily="34" charset="0"/>
-              <a:buChar char="•"/>
-              <a:defRPr/>
-            </a:pPr>
-            <a:endParaRPr lang="en-US" sz="2200" dirty="0">
-              <a:cs typeface="+mn-cs"/>
-            </a:endParaRPr>
-          </a:p>
-          <a:p>
-            <a:pPr>
-              <a:buFont typeface="Arial" panose="020B0604020202020204" pitchFamily="34" charset="0"/>
-              <a:buChar char="•"/>
-              <a:defRPr/>
-            </a:pPr>
-            <a:endParaRPr lang="en-US" sz="2400" dirty="0"/>
-          </a:p>
-          <a:p>
-            <a:pPr>
-              <a:buFont typeface="Arial" panose="020B0604020202020204" pitchFamily="34" charset="0"/>
-              <a:buChar char="•"/>
-              <a:defRPr/>
-            </a:pPr>
-            <a:endParaRPr lang="en-CA" sz="2400" kern="0" dirty="0"/>
-          </a:p>
-          <a:p>
-            <a:pPr>
-              <a:buFont typeface="Arial" panose="020B0604020202020204" pitchFamily="34" charset="0"/>
-              <a:buChar char="•"/>
-              <a:defRPr/>
-            </a:pPr>
-            <a:endParaRPr lang="en-US" sz="2400" kern="0" dirty="0"/>
-          </a:p>
-          <a:p>
-            <a:pPr>
-              <a:buFont typeface="Arial" panose="020B0604020202020204" pitchFamily="34" charset="0"/>
-              <a:buChar char="•"/>
-              <a:defRPr/>
-            </a:pPr>
-            <a:endParaRPr lang="en-CA" sz="2400" kern="0" dirty="0"/>
-          </a:p>
-        </p:txBody>
-      </p:sp>
-    </p:spTree>
-  </p:cSld>
-  <p:clrMapOvr>
-    <a:masterClrMapping/>
-  </p:clrMapOvr>
-</p:sld>
-</file>
-
-<file path=ppt/slides/slide19.xml><?xml version="1.0" encoding="utf-8"?>
-<p:sld xmlns:a="http://schemas.openxmlformats.org/drawingml/2006/main" xmlns:r="http://schemas.openxmlformats.org/officeDocument/2006/relationships" xmlns:p="http://schemas.openxmlformats.org/presentationml/2006/main">
-  <p:cSld>
-    <p:spTree>
-      <p:nvGrpSpPr>
-        <p:cNvPr id="1" name=""/>
-        <p:cNvGrpSpPr/>
-        <p:nvPr/>
-      </p:nvGrpSpPr>
-      <p:grpSpPr>
-        <a:xfrm>
-          <a:off x="0" y="0"/>
-          <a:ext cx="0" cy="0"/>
-          <a:chOff x="0" y="0"/>
-          <a:chExt cx="0" cy="0"/>
-        </a:xfrm>
-      </p:grpSpPr>
-      <p:sp>
-        <p:nvSpPr>
-          <p:cNvPr id="4" name="Title 1">
-            <a:extLst>
-              <a:ext uri="{FF2B5EF4-FFF2-40B4-BE49-F238E27FC236}">
-                <a16:creationId xmlns:a16="http://schemas.microsoft.com/office/drawing/2014/main" id="{D0DD6F57-F6F8-41A6-966A-4BF8197D5733}"/>
-              </a:ext>
-            </a:extLst>
-          </p:cNvPr>
-          <p:cNvSpPr txBox="1">
-            <a:spLocks/>
-          </p:cNvSpPr>
-          <p:nvPr/>
-        </p:nvSpPr>
-        <p:spPr>
-          <a:xfrm>
-            <a:off x="609600" y="838200"/>
-            <a:ext cx="10515600" cy="1325563"/>
+            <a:off x="466725" y="1905000"/>
+            <a:ext cx="7991475" cy="3736975"/>
           </a:xfrm>
           <a:prstGeom prst="rect">
             <a:avLst/>
@@ -14370,483 +12455,211 @@
         <p:txBody>
           <a:bodyPr/>
           <a:lstStyle>
-            <a:lvl1pPr algn="l" rtl="0" eaLnBrk="0" fontAlgn="base" hangingPunct="0">
-              <a:spcBef>
-                <a:spcPct val="0"/>
-              </a:spcBef>
-              <a:spcAft>
-                <a:spcPct val="0"/>
-              </a:spcAft>
-              <a:defRPr sz="2500" b="1">
+            <a:lvl1pPr marL="342900" indent="-342900" algn="l" rtl="0" eaLnBrk="0" fontAlgn="base" hangingPunct="0">
+              <a:lnSpc>
+                <a:spcPct val="120000"/>
+              </a:lnSpc>
+              <a:spcBef>
+                <a:spcPct val="0"/>
+              </a:spcBef>
+              <a:spcAft>
+                <a:spcPct val="0"/>
+              </a:spcAft>
+              <a:buClr>
+                <a:schemeClr val="hlink"/>
+              </a:buClr>
+              <a:buFont typeface="Wingdings" panose="05000000000000000000" pitchFamily="2" charset="2"/>
+              <a:defRPr sz="1400">
+                <a:solidFill>
+                  <a:srgbClr val="000000"/>
+                </a:solidFill>
+                <a:latin typeface="+mn-lt"/>
+                <a:ea typeface="+mn-ea"/>
+                <a:cs typeface="ヒラギノ角ゴ Pro W3" charset="0"/>
+              </a:defRPr>
+            </a:lvl1pPr>
+            <a:lvl2pPr marL="742950" indent="-285750" algn="l" rtl="0" eaLnBrk="0" fontAlgn="base" hangingPunct="0">
+              <a:spcBef>
+                <a:spcPct val="20000"/>
+              </a:spcBef>
+              <a:spcAft>
+                <a:spcPct val="0"/>
+              </a:spcAft>
+              <a:buClr>
+                <a:srgbClr val="0046AD"/>
+              </a:buClr>
+              <a:buFont typeface="Wingdings" panose="05000000000000000000" pitchFamily="2" charset="2"/>
+              <a:defRPr sz="1200">
                 <a:solidFill>
                   <a:srgbClr val="0046AD"/>
                 </a:solidFill>
-                <a:latin typeface="+mj-lt"/>
-                <a:ea typeface="+mj-ea"/>
-                <a:cs typeface="ヒラギノ角ゴ Pro W3" charset="0"/>
-              </a:defRPr>
-            </a:lvl1pPr>
-            <a:lvl2pPr algn="l" rtl="0" eaLnBrk="0" fontAlgn="base" hangingPunct="0">
-              <a:spcBef>
-                <a:spcPct val="0"/>
-              </a:spcBef>
-              <a:spcAft>
-                <a:spcPct val="0"/>
-              </a:spcAft>
-              <a:defRPr sz="2500" b="1">
+                <a:latin typeface="+mn-lt"/>
+                <a:ea typeface="+mn-ea"/>
+              </a:defRPr>
+            </a:lvl2pPr>
+            <a:lvl3pPr marL="1143000" indent="-228600" algn="l" rtl="0" eaLnBrk="0" fontAlgn="base" hangingPunct="0">
+              <a:spcBef>
+                <a:spcPct val="20000"/>
+              </a:spcBef>
+              <a:spcAft>
+                <a:spcPct val="0"/>
+              </a:spcAft>
+              <a:buClr>
+                <a:srgbClr val="0046AD"/>
+              </a:buClr>
+              <a:buFont typeface="Wingdings" panose="05000000000000000000" pitchFamily="2" charset="2"/>
+              <a:defRPr sz="1200">
+                <a:solidFill>
+                  <a:srgbClr val="000000"/>
+                </a:solidFill>
+                <a:latin typeface="+mn-lt"/>
+                <a:ea typeface="+mn-ea"/>
+              </a:defRPr>
+            </a:lvl3pPr>
+            <a:lvl4pPr marL="1600200" indent="-228600" algn="l" rtl="0" eaLnBrk="0" fontAlgn="base" hangingPunct="0">
+              <a:spcBef>
+                <a:spcPct val="20000"/>
+              </a:spcBef>
+              <a:spcAft>
+                <a:spcPct val="0"/>
+              </a:spcAft>
+              <a:buClr>
+                <a:srgbClr val="0046AD"/>
+              </a:buClr>
+              <a:buFont typeface="Wingdings" panose="05000000000000000000" pitchFamily="2" charset="2"/>
+              <a:defRPr sz="1200">
                 <a:solidFill>
                   <a:srgbClr val="0046AD"/>
                 </a:solidFill>
-                <a:latin typeface="Arial" charset="0"/>
-                <a:ea typeface="ヒラギノ角ゴ Pro W3" charset="0"/>
-                <a:cs typeface="ヒラギノ角ゴ Pro W3" charset="0"/>
-              </a:defRPr>
-            </a:lvl2pPr>
-            <a:lvl3pPr algn="l" rtl="0" eaLnBrk="0" fontAlgn="base" hangingPunct="0">
-              <a:spcBef>
-                <a:spcPct val="0"/>
-              </a:spcBef>
-              <a:spcAft>
-                <a:spcPct val="0"/>
-              </a:spcAft>
-              <a:defRPr sz="2500" b="1">
-                <a:solidFill>
-                  <a:srgbClr val="0046AD"/>
-                </a:solidFill>
-                <a:latin typeface="Arial" charset="0"/>
-                <a:ea typeface="ヒラギノ角ゴ Pro W3" charset="0"/>
-                <a:cs typeface="ヒラギノ角ゴ Pro W3" charset="0"/>
-              </a:defRPr>
-            </a:lvl3pPr>
-            <a:lvl4pPr algn="l" rtl="0" eaLnBrk="0" fontAlgn="base" hangingPunct="0">
-              <a:spcBef>
-                <a:spcPct val="0"/>
-              </a:spcBef>
-              <a:spcAft>
-                <a:spcPct val="0"/>
-              </a:spcAft>
-              <a:defRPr sz="2500" b="1">
-                <a:solidFill>
-                  <a:srgbClr val="0046AD"/>
-                </a:solidFill>
-                <a:latin typeface="Arial" charset="0"/>
-                <a:ea typeface="ヒラギノ角ゴ Pro W3" charset="0"/>
-                <a:cs typeface="ヒラギノ角ゴ Pro W3" charset="0"/>
+                <a:latin typeface="+mn-lt"/>
+                <a:ea typeface="+mn-ea"/>
               </a:defRPr>
             </a:lvl4pPr>
-            <a:lvl5pPr algn="l" rtl="0" eaLnBrk="0" fontAlgn="base" hangingPunct="0">
-              <a:spcBef>
-                <a:spcPct val="0"/>
-              </a:spcBef>
-              <a:spcAft>
-                <a:spcPct val="0"/>
-              </a:spcAft>
-              <a:defRPr sz="2500" b="1">
-                <a:solidFill>
-                  <a:srgbClr val="0046AD"/>
-                </a:solidFill>
-                <a:latin typeface="Arial" charset="0"/>
-                <a:ea typeface="ヒラギノ角ゴ Pro W3" charset="0"/>
-                <a:cs typeface="ヒラギノ角ゴ Pro W3" charset="0"/>
+            <a:lvl5pPr marL="2057400" indent="-228600" algn="l" rtl="0" eaLnBrk="0" fontAlgn="base" hangingPunct="0">
+              <a:spcBef>
+                <a:spcPct val="20000"/>
+              </a:spcBef>
+              <a:spcAft>
+                <a:spcPct val="0"/>
+              </a:spcAft>
+              <a:buClr>
+                <a:srgbClr val="0046AD"/>
+              </a:buClr>
+              <a:buFont typeface="Wingdings" panose="05000000000000000000" pitchFamily="2" charset="2"/>
+              <a:defRPr sz="1200">
+                <a:solidFill>
+                  <a:srgbClr val="000000"/>
+                </a:solidFill>
+                <a:latin typeface="+mn-lt"/>
+                <a:ea typeface="+mn-ea"/>
               </a:defRPr>
             </a:lvl5pPr>
-            <a:lvl6pPr marL="457200" algn="l" rtl="0" fontAlgn="base">
-              <a:spcBef>
-                <a:spcPct val="0"/>
-              </a:spcBef>
-              <a:spcAft>
-                <a:spcPct val="0"/>
-              </a:spcAft>
-              <a:defRPr sz="2500" b="1">
-                <a:solidFill>
-                  <a:srgbClr val="0046AD"/>
-                </a:solidFill>
-                <a:latin typeface="Arial" charset="0"/>
-                <a:ea typeface="ヒラギノ角ゴ Pro W3" charset="0"/>
+            <a:lvl6pPr marL="2514600" indent="-228600" algn="l" rtl="0" fontAlgn="base">
+              <a:spcBef>
+                <a:spcPct val="20000"/>
+              </a:spcBef>
+              <a:spcAft>
+                <a:spcPct val="0"/>
+              </a:spcAft>
+              <a:buClr>
+                <a:srgbClr val="0046AD"/>
+              </a:buClr>
+              <a:buFont typeface="Wingdings" charset="0"/>
+              <a:defRPr sz="1200">
+                <a:solidFill>
+                  <a:srgbClr val="000000"/>
+                </a:solidFill>
+                <a:latin typeface="+mn-lt"/>
+                <a:ea typeface="+mn-ea"/>
               </a:defRPr>
             </a:lvl6pPr>
-            <a:lvl7pPr marL="914400" algn="l" rtl="0" fontAlgn="base">
-              <a:spcBef>
-                <a:spcPct val="0"/>
-              </a:spcBef>
-              <a:spcAft>
-                <a:spcPct val="0"/>
-              </a:spcAft>
-              <a:defRPr sz="2500" b="1">
-                <a:solidFill>
-                  <a:srgbClr val="0046AD"/>
-                </a:solidFill>
-                <a:latin typeface="Arial" charset="0"/>
-                <a:ea typeface="ヒラギノ角ゴ Pro W3" charset="0"/>
+            <a:lvl7pPr marL="2971800" indent="-228600" algn="l" rtl="0" fontAlgn="base">
+              <a:spcBef>
+                <a:spcPct val="20000"/>
+              </a:spcBef>
+              <a:spcAft>
+                <a:spcPct val="0"/>
+              </a:spcAft>
+              <a:buClr>
+                <a:srgbClr val="0046AD"/>
+              </a:buClr>
+              <a:buFont typeface="Wingdings" charset="0"/>
+              <a:defRPr sz="1200">
+                <a:solidFill>
+                  <a:srgbClr val="000000"/>
+                </a:solidFill>
+                <a:latin typeface="+mn-lt"/>
+                <a:ea typeface="+mn-ea"/>
               </a:defRPr>
             </a:lvl7pPr>
-            <a:lvl8pPr marL="1371600" algn="l" rtl="0" fontAlgn="base">
-              <a:spcBef>
-                <a:spcPct val="0"/>
-              </a:spcBef>
-              <a:spcAft>
-                <a:spcPct val="0"/>
-              </a:spcAft>
-              <a:defRPr sz="2500" b="1">
-                <a:solidFill>
-                  <a:srgbClr val="0046AD"/>
-                </a:solidFill>
-                <a:latin typeface="Arial" charset="0"/>
-                <a:ea typeface="ヒラギノ角ゴ Pro W3" charset="0"/>
+            <a:lvl8pPr marL="3429000" indent="-228600" algn="l" rtl="0" fontAlgn="base">
+              <a:spcBef>
+                <a:spcPct val="20000"/>
+              </a:spcBef>
+              <a:spcAft>
+                <a:spcPct val="0"/>
+              </a:spcAft>
+              <a:buClr>
+                <a:srgbClr val="0046AD"/>
+              </a:buClr>
+              <a:buFont typeface="Wingdings" charset="0"/>
+              <a:defRPr sz="1200">
+                <a:solidFill>
+                  <a:srgbClr val="000000"/>
+                </a:solidFill>
+                <a:latin typeface="+mn-lt"/>
+                <a:ea typeface="+mn-ea"/>
               </a:defRPr>
             </a:lvl8pPr>
-            <a:lvl9pPr marL="1828800" algn="l" rtl="0" fontAlgn="base">
-              <a:spcBef>
-                <a:spcPct val="0"/>
-              </a:spcBef>
-              <a:spcAft>
-                <a:spcPct val="0"/>
-              </a:spcAft>
-              <a:defRPr sz="2500" b="1">
-                <a:solidFill>
-                  <a:srgbClr val="0046AD"/>
-                </a:solidFill>
-                <a:latin typeface="Arial" charset="0"/>
-                <a:ea typeface="ヒラギノ角ゴ Pro W3" charset="0"/>
+            <a:lvl9pPr marL="3886200" indent="-228600" algn="l" rtl="0" fontAlgn="base">
+              <a:spcBef>
+                <a:spcPct val="20000"/>
+              </a:spcBef>
+              <a:spcAft>
+                <a:spcPct val="0"/>
+              </a:spcAft>
+              <a:buClr>
+                <a:srgbClr val="0046AD"/>
+              </a:buClr>
+              <a:buFont typeface="Wingdings" charset="0"/>
+              <a:defRPr sz="1200">
+                <a:solidFill>
+                  <a:srgbClr val="000000"/>
+                </a:solidFill>
+                <a:latin typeface="+mn-lt"/>
+                <a:ea typeface="+mn-ea"/>
               </a:defRPr>
             </a:lvl9pPr>
           </a:lstStyle>
+          <a:p>
+            <a:pPr>
+              <a:buClr>
+                <a:srgbClr val="002060"/>
+              </a:buClr>
+              <a:buFont typeface="Arial" panose="020B0604020202020204" pitchFamily="34" charset="0"/>
+              <a:buChar char="•"/>
+              <a:defRPr/>
+            </a:pPr>
+            <a:endParaRPr lang="en-US" sz="2400" kern="0" dirty="0">
+              <a:solidFill>
+                <a:srgbClr val="002060"/>
+              </a:solidFill>
+            </a:endParaRPr>
+          </a:p>
           <a:p>
             <a:pPr>
               <a:defRPr/>
             </a:pPr>
-            <a:r>
-              <a:rPr lang="en-US" kern="0" dirty="0"/>
-              <a:t>GLM: Goodness of Fit Code </a:t>
-            </a:r>
             <a:endParaRPr lang="en-CA" kern="0" dirty="0"/>
           </a:p>
         </p:txBody>
       </p:sp>
       <p:sp>
         <p:nvSpPr>
-          <p:cNvPr id="27651" name="TextBox 1">
+          <p:cNvPr id="7" name="Rectangle 6">
             <a:extLst>
               <a:ext uri="{FF2B5EF4-FFF2-40B4-BE49-F238E27FC236}">
-                <a16:creationId xmlns:a16="http://schemas.microsoft.com/office/drawing/2014/main" id="{CEE5A1BA-9218-DFDF-0642-6C048192ABD5}"/>
-              </a:ext>
-            </a:extLst>
-          </p:cNvPr>
-          <p:cNvSpPr txBox="1">
-            <a:spLocks noChangeArrowheads="1"/>
-          </p:cNvSpPr>
-          <p:nvPr/>
-        </p:nvSpPr>
-        <p:spPr bwMode="auto">
-          <a:xfrm>
-            <a:off x="381000" y="3975100"/>
-            <a:ext cx="8001000" cy="1631950"/>
-          </a:xfrm>
-          <a:prstGeom prst="rect">
-            <a:avLst/>
-          </a:prstGeom>
-          <a:noFill/>
-          <a:ln w="9525">
-            <a:solidFill>
-              <a:schemeClr val="tx1"/>
-            </a:solidFill>
-            <a:miter lim="800000"/>
-            <a:headEnd/>
-            <a:tailEnd/>
-          </a:ln>
-          <a:extLst>
-            <a:ext uri="{909E8E84-426E-40DD-AFC4-6F175D3DCCD1}">
-              <a14:hiddenFill xmlns:a14="http://schemas.microsoft.com/office/drawing/2010/main">
-                <a:solidFill>
-                  <a:srgbClr val="FFFFFF"/>
-                </a:solidFill>
-              </a14:hiddenFill>
-            </a:ext>
-          </a:extLst>
-        </p:spPr>
-        <p:txBody>
-          <a:bodyPr>
-            <a:spAutoFit/>
-          </a:bodyPr>
-          <a:lstStyle>
-            <a:lvl1pPr>
-              <a:lnSpc>
-                <a:spcPct val="120000"/>
-              </a:lnSpc>
-              <a:buClr>
-                <a:schemeClr val="hlink"/>
-              </a:buClr>
-              <a:buFont typeface="Wingdings" panose="05000000000000000000" pitchFamily="2" charset="2"/>
-              <a:defRPr sz="1400">
-                <a:solidFill>
-                  <a:srgbClr val="000000"/>
-                </a:solidFill>
-                <a:latin typeface="Arial" panose="020B0604020202020204" pitchFamily="34" charset="0"/>
-                <a:ea typeface="ヒラギノ角ゴ Pro W3"/>
-                <a:cs typeface="ヒラギノ角ゴ Pro W3"/>
-              </a:defRPr>
-            </a:lvl1pPr>
-            <a:lvl2pPr marL="742950" indent="-285750">
-              <a:spcBef>
-                <a:spcPct val="20000"/>
-              </a:spcBef>
-              <a:buClr>
-                <a:srgbClr val="0046AD"/>
-              </a:buClr>
-              <a:buFont typeface="Wingdings" panose="05000000000000000000" pitchFamily="2" charset="2"/>
-              <a:defRPr sz="1200">
-                <a:solidFill>
-                  <a:srgbClr val="0046AD"/>
-                </a:solidFill>
-                <a:latin typeface="Arial" panose="020B0604020202020204" pitchFamily="34" charset="0"/>
-                <a:ea typeface="ヒラギノ角ゴ Pro W3"/>
-                <a:cs typeface="ヒラギノ角ゴ Pro W3"/>
-              </a:defRPr>
-            </a:lvl2pPr>
-            <a:lvl3pPr marL="1143000" indent="-228600">
-              <a:spcBef>
-                <a:spcPct val="20000"/>
-              </a:spcBef>
-              <a:buClr>
-                <a:srgbClr val="0046AD"/>
-              </a:buClr>
-              <a:buFont typeface="Wingdings" panose="05000000000000000000" pitchFamily="2" charset="2"/>
-              <a:defRPr sz="1200">
-                <a:solidFill>
-                  <a:srgbClr val="000000"/>
-                </a:solidFill>
-                <a:latin typeface="Arial" panose="020B0604020202020204" pitchFamily="34" charset="0"/>
-                <a:ea typeface="ヒラギノ角ゴ Pro W3"/>
-                <a:cs typeface="ヒラギノ角ゴ Pro W3"/>
-              </a:defRPr>
-            </a:lvl3pPr>
-            <a:lvl4pPr marL="1600200" indent="-228600">
-              <a:spcBef>
-                <a:spcPct val="20000"/>
-              </a:spcBef>
-              <a:buClr>
-                <a:srgbClr val="0046AD"/>
-              </a:buClr>
-              <a:buFont typeface="Wingdings" panose="05000000000000000000" pitchFamily="2" charset="2"/>
-              <a:defRPr sz="1200">
-                <a:solidFill>
-                  <a:srgbClr val="0046AD"/>
-                </a:solidFill>
-                <a:latin typeface="Arial" panose="020B0604020202020204" pitchFamily="34" charset="0"/>
-                <a:ea typeface="ヒラギノ角ゴ Pro W3"/>
-                <a:cs typeface="ヒラギノ角ゴ Pro W3"/>
-              </a:defRPr>
-            </a:lvl4pPr>
-            <a:lvl5pPr marL="2057400" indent="-228600">
-              <a:spcBef>
-                <a:spcPct val="20000"/>
-              </a:spcBef>
-              <a:buClr>
-                <a:srgbClr val="0046AD"/>
-              </a:buClr>
-              <a:buFont typeface="Wingdings" panose="05000000000000000000" pitchFamily="2" charset="2"/>
-              <a:defRPr sz="1200">
-                <a:solidFill>
-                  <a:srgbClr val="000000"/>
-                </a:solidFill>
-                <a:latin typeface="Arial" panose="020B0604020202020204" pitchFamily="34" charset="0"/>
-                <a:ea typeface="ヒラギノ角ゴ Pro W3"/>
-                <a:cs typeface="ヒラギノ角ゴ Pro W3"/>
-              </a:defRPr>
-            </a:lvl5pPr>
-            <a:lvl6pPr marL="2514600" indent="-228600" eaLnBrk="0" fontAlgn="base" hangingPunct="0">
-              <a:spcBef>
-                <a:spcPct val="20000"/>
-              </a:spcBef>
-              <a:spcAft>
-                <a:spcPct val="0"/>
-              </a:spcAft>
-              <a:buClr>
-                <a:srgbClr val="0046AD"/>
-              </a:buClr>
-              <a:buFont typeface="Wingdings" panose="05000000000000000000" pitchFamily="2" charset="2"/>
-              <a:defRPr sz="1200">
-                <a:solidFill>
-                  <a:srgbClr val="000000"/>
-                </a:solidFill>
-                <a:latin typeface="Arial" panose="020B0604020202020204" pitchFamily="34" charset="0"/>
-                <a:ea typeface="ヒラギノ角ゴ Pro W3"/>
-                <a:cs typeface="ヒラギノ角ゴ Pro W3"/>
-              </a:defRPr>
-            </a:lvl6pPr>
-            <a:lvl7pPr marL="2971800" indent="-228600" eaLnBrk="0" fontAlgn="base" hangingPunct="0">
-              <a:spcBef>
-                <a:spcPct val="20000"/>
-              </a:spcBef>
-              <a:spcAft>
-                <a:spcPct val="0"/>
-              </a:spcAft>
-              <a:buClr>
-                <a:srgbClr val="0046AD"/>
-              </a:buClr>
-              <a:buFont typeface="Wingdings" panose="05000000000000000000" pitchFamily="2" charset="2"/>
-              <a:defRPr sz="1200">
-                <a:solidFill>
-                  <a:srgbClr val="000000"/>
-                </a:solidFill>
-                <a:latin typeface="Arial" panose="020B0604020202020204" pitchFamily="34" charset="0"/>
-                <a:ea typeface="ヒラギノ角ゴ Pro W3"/>
-                <a:cs typeface="ヒラギノ角ゴ Pro W3"/>
-              </a:defRPr>
-            </a:lvl7pPr>
-            <a:lvl8pPr marL="3429000" indent="-228600" eaLnBrk="0" fontAlgn="base" hangingPunct="0">
-              <a:spcBef>
-                <a:spcPct val="20000"/>
-              </a:spcBef>
-              <a:spcAft>
-                <a:spcPct val="0"/>
-              </a:spcAft>
-              <a:buClr>
-                <a:srgbClr val="0046AD"/>
-              </a:buClr>
-              <a:buFont typeface="Wingdings" panose="05000000000000000000" pitchFamily="2" charset="2"/>
-              <a:defRPr sz="1200">
-                <a:solidFill>
-                  <a:srgbClr val="000000"/>
-                </a:solidFill>
-                <a:latin typeface="Arial" panose="020B0604020202020204" pitchFamily="34" charset="0"/>
-                <a:ea typeface="ヒラギノ角ゴ Pro W3"/>
-                <a:cs typeface="ヒラギノ角ゴ Pro W3"/>
-              </a:defRPr>
-            </a:lvl8pPr>
-            <a:lvl9pPr marL="3886200" indent="-228600" eaLnBrk="0" fontAlgn="base" hangingPunct="0">
-              <a:spcBef>
-                <a:spcPct val="20000"/>
-              </a:spcBef>
-              <a:spcAft>
-                <a:spcPct val="0"/>
-              </a:spcAft>
-              <a:buClr>
-                <a:srgbClr val="0046AD"/>
-              </a:buClr>
-              <a:buFont typeface="Wingdings" panose="05000000000000000000" pitchFamily="2" charset="2"/>
-              <a:defRPr sz="1200">
-                <a:solidFill>
-                  <a:srgbClr val="000000"/>
-                </a:solidFill>
-                <a:latin typeface="Arial" panose="020B0604020202020204" pitchFamily="34" charset="0"/>
-                <a:ea typeface="ヒラギノ角ゴ Pro W3"/>
-                <a:cs typeface="ヒラギノ角ゴ Pro W3"/>
-              </a:defRPr>
-            </a:lvl9pPr>
-          </a:lstStyle>
-          <a:p>
-            <a:pPr>
-              <a:lnSpc>
-                <a:spcPct val="100000"/>
-              </a:lnSpc>
-              <a:buClrTx/>
-              <a:buFontTx/>
-              <a:buNone/>
-            </a:pPr>
-            <a:r>
-              <a:rPr lang="en-US" altLang="en-US" sz="2000">
-                <a:solidFill>
-                  <a:schemeClr val="bg1"/>
-                </a:solidFill>
-              </a:rPr>
-              <a:t>hoslem.test(data$PREVMI, fitted(model_log), g = 10)</a:t>
-            </a:r>
-          </a:p>
-          <a:p>
-            <a:pPr>
-              <a:lnSpc>
-                <a:spcPct val="100000"/>
-              </a:lnSpc>
-              <a:buClrTx/>
-              <a:buFontTx/>
-              <a:buNone/>
-            </a:pPr>
-            <a:r>
-              <a:rPr lang="en-US" altLang="en-US" sz="2000">
-                <a:solidFill>
-                  <a:schemeClr val="bg1"/>
-                </a:solidFill>
-              </a:rPr>
-              <a:t>roc1 &lt;-</a:t>
-            </a:r>
-            <a:r>
-              <a:rPr lang="en-US" altLang="en-US" sz="2000">
-                <a:solidFill>
-                  <a:schemeClr val="bg1"/>
-                </a:solidFill>
-                <a:sym typeface="Wingdings" panose="05000000000000000000" pitchFamily="2" charset="2"/>
-              </a:rPr>
-              <a:t> </a:t>
-            </a:r>
-            <a:r>
-              <a:rPr lang="en-US" altLang="en-US" sz="2000">
-                <a:solidFill>
-                  <a:schemeClr val="bg1"/>
-                </a:solidFill>
-              </a:rPr>
-              <a:t>roc(data$PREVMI, fitted(model_log))</a:t>
-            </a:r>
-          </a:p>
-          <a:p>
-            <a:pPr>
-              <a:lnSpc>
-                <a:spcPct val="100000"/>
-              </a:lnSpc>
-              <a:buClrTx/>
-              <a:buFontTx/>
-              <a:buNone/>
-            </a:pPr>
-            <a:r>
-              <a:rPr lang="en-US" altLang="en-US" sz="2000">
-                <a:solidFill>
-                  <a:schemeClr val="bg1"/>
-                </a:solidFill>
-              </a:rPr>
-              <a:t>plot(roc1, col = 'red', legacy.axes = TRUE)</a:t>
-            </a:r>
-          </a:p>
-          <a:p>
-            <a:pPr>
-              <a:lnSpc>
-                <a:spcPct val="100000"/>
-              </a:lnSpc>
-              <a:buClrTx/>
-              <a:buFontTx/>
-              <a:buNone/>
-            </a:pPr>
-            <a:r>
-              <a:rPr lang="en-US" altLang="en-US" sz="2000">
-                <a:solidFill>
-                  <a:schemeClr val="bg1"/>
-                </a:solidFill>
-              </a:rPr>
-              <a:t>auc(roc1) </a:t>
-            </a:r>
-          </a:p>
-          <a:p>
-            <a:pPr>
-              <a:lnSpc>
-                <a:spcPct val="100000"/>
-              </a:lnSpc>
-              <a:buClrTx/>
-              <a:buFontTx/>
-              <a:buNone/>
-            </a:pPr>
-            <a:endParaRPr lang="en-US" altLang="en-US" sz="2000">
-              <a:solidFill>
-                <a:schemeClr val="bg1"/>
-              </a:solidFill>
-            </a:endParaRPr>
-          </a:p>
-        </p:txBody>
-      </p:sp>
-      <p:sp>
-        <p:nvSpPr>
-          <p:cNvPr id="3" name="Rectangle 2">
-            <a:extLst>
-              <a:ext uri="{FF2B5EF4-FFF2-40B4-BE49-F238E27FC236}">
-                <a16:creationId xmlns:a16="http://schemas.microsoft.com/office/drawing/2014/main" id="{E09C738F-499F-4035-8C56-2FCF1E6FA51B}"/>
+                <a16:creationId xmlns:a16="http://schemas.microsoft.com/office/drawing/2014/main" id="{A7C59D27-DE27-4DDB-8BF7-DB2F53774B83}"/>
               </a:ext>
             </a:extLst>
           </p:cNvPr>
@@ -14855,13 +12668,15 @@
         </p:nvSpPr>
         <p:spPr bwMode="auto">
           <a:xfrm>
-            <a:off x="381000" y="1657350"/>
-            <a:ext cx="8001000" cy="1854200"/>
+            <a:off x="542925" y="2249488"/>
+            <a:ext cx="8296275" cy="4532312"/>
           </a:xfrm>
           <a:prstGeom prst="rect">
             <a:avLst/>
           </a:prstGeom>
-          <a:noFill/>
+          <a:solidFill>
+            <a:schemeClr val="tx1"/>
+          </a:solidFill>
           <a:ln w="9525">
             <a:headEnd type="none" w="med" len="med"/>
             <a:tailEnd type="none" w="med" len="med"/>
@@ -14901,10 +12716,741 @@
       </p:sp>
       <p:sp>
         <p:nvSpPr>
-          <p:cNvPr id="10" name="TextBox 9">
+          <p:cNvPr id="5" name="Content Placeholder 2">
             <a:extLst>
               <a:ext uri="{FF2B5EF4-FFF2-40B4-BE49-F238E27FC236}">
-                <a16:creationId xmlns:a16="http://schemas.microsoft.com/office/drawing/2014/main" id="{FA361191-1264-409D-8F55-324D39C6A2FD}"/>
+                <a16:creationId xmlns:a16="http://schemas.microsoft.com/office/drawing/2014/main" id="{95EA56D7-3F9C-4BC3-A083-2E5062E55F93}"/>
+              </a:ext>
+            </a:extLst>
+          </p:cNvPr>
+          <p:cNvSpPr txBox="1">
+            <a:spLocks/>
+          </p:cNvSpPr>
+          <p:nvPr/>
+        </p:nvSpPr>
+        <p:spPr>
+          <a:xfrm>
+            <a:off x="381000" y="1752600"/>
+            <a:ext cx="7991475" cy="1066800"/>
+          </a:xfrm>
+          <a:prstGeom prst="rect">
+            <a:avLst/>
+          </a:prstGeom>
+        </p:spPr>
+        <p:txBody>
+          <a:bodyPr/>
+          <a:lstStyle>
+            <a:lvl1pPr marL="342900" indent="-342900" algn="l" rtl="0" eaLnBrk="0" fontAlgn="base" hangingPunct="0">
+              <a:lnSpc>
+                <a:spcPct val="120000"/>
+              </a:lnSpc>
+              <a:spcBef>
+                <a:spcPct val="0"/>
+              </a:spcBef>
+              <a:spcAft>
+                <a:spcPct val="0"/>
+              </a:spcAft>
+              <a:buClr>
+                <a:schemeClr val="hlink"/>
+              </a:buClr>
+              <a:buFont typeface="Wingdings" panose="05000000000000000000" pitchFamily="2" charset="2"/>
+              <a:defRPr sz="1400">
+                <a:solidFill>
+                  <a:srgbClr val="000000"/>
+                </a:solidFill>
+                <a:latin typeface="+mn-lt"/>
+                <a:ea typeface="+mn-ea"/>
+                <a:cs typeface="ヒラギノ角ゴ Pro W3" charset="0"/>
+              </a:defRPr>
+            </a:lvl1pPr>
+            <a:lvl2pPr marL="742950" indent="-285750" algn="l" rtl="0" eaLnBrk="0" fontAlgn="base" hangingPunct="0">
+              <a:spcBef>
+                <a:spcPct val="20000"/>
+              </a:spcBef>
+              <a:spcAft>
+                <a:spcPct val="0"/>
+              </a:spcAft>
+              <a:buClr>
+                <a:srgbClr val="0046AD"/>
+              </a:buClr>
+              <a:buFont typeface="Wingdings" panose="05000000000000000000" pitchFamily="2" charset="2"/>
+              <a:defRPr sz="1200">
+                <a:solidFill>
+                  <a:srgbClr val="0046AD"/>
+                </a:solidFill>
+                <a:latin typeface="+mn-lt"/>
+                <a:ea typeface="+mn-ea"/>
+              </a:defRPr>
+            </a:lvl2pPr>
+            <a:lvl3pPr marL="1143000" indent="-228600" algn="l" rtl="0" eaLnBrk="0" fontAlgn="base" hangingPunct="0">
+              <a:spcBef>
+                <a:spcPct val="20000"/>
+              </a:spcBef>
+              <a:spcAft>
+                <a:spcPct val="0"/>
+              </a:spcAft>
+              <a:buClr>
+                <a:srgbClr val="0046AD"/>
+              </a:buClr>
+              <a:buFont typeface="Wingdings" panose="05000000000000000000" pitchFamily="2" charset="2"/>
+              <a:defRPr sz="1200">
+                <a:solidFill>
+                  <a:srgbClr val="000000"/>
+                </a:solidFill>
+                <a:latin typeface="+mn-lt"/>
+                <a:ea typeface="+mn-ea"/>
+              </a:defRPr>
+            </a:lvl3pPr>
+            <a:lvl4pPr marL="1600200" indent="-228600" algn="l" rtl="0" eaLnBrk="0" fontAlgn="base" hangingPunct="0">
+              <a:spcBef>
+                <a:spcPct val="20000"/>
+              </a:spcBef>
+              <a:spcAft>
+                <a:spcPct val="0"/>
+              </a:spcAft>
+              <a:buClr>
+                <a:srgbClr val="0046AD"/>
+              </a:buClr>
+              <a:buFont typeface="Wingdings" panose="05000000000000000000" pitchFamily="2" charset="2"/>
+              <a:defRPr sz="1200">
+                <a:solidFill>
+                  <a:srgbClr val="0046AD"/>
+                </a:solidFill>
+                <a:latin typeface="+mn-lt"/>
+                <a:ea typeface="+mn-ea"/>
+              </a:defRPr>
+            </a:lvl4pPr>
+            <a:lvl5pPr marL="2057400" indent="-228600" algn="l" rtl="0" eaLnBrk="0" fontAlgn="base" hangingPunct="0">
+              <a:spcBef>
+                <a:spcPct val="20000"/>
+              </a:spcBef>
+              <a:spcAft>
+                <a:spcPct val="0"/>
+              </a:spcAft>
+              <a:buClr>
+                <a:srgbClr val="0046AD"/>
+              </a:buClr>
+              <a:buFont typeface="Wingdings" panose="05000000000000000000" pitchFamily="2" charset="2"/>
+              <a:defRPr sz="1200">
+                <a:solidFill>
+                  <a:srgbClr val="000000"/>
+                </a:solidFill>
+                <a:latin typeface="+mn-lt"/>
+                <a:ea typeface="+mn-ea"/>
+              </a:defRPr>
+            </a:lvl5pPr>
+            <a:lvl6pPr marL="2514600" indent="-228600" algn="l" rtl="0" fontAlgn="base">
+              <a:spcBef>
+                <a:spcPct val="20000"/>
+              </a:spcBef>
+              <a:spcAft>
+                <a:spcPct val="0"/>
+              </a:spcAft>
+              <a:buClr>
+                <a:srgbClr val="0046AD"/>
+              </a:buClr>
+              <a:buFont typeface="Wingdings" charset="0"/>
+              <a:defRPr sz="1200">
+                <a:solidFill>
+                  <a:srgbClr val="000000"/>
+                </a:solidFill>
+                <a:latin typeface="+mn-lt"/>
+                <a:ea typeface="+mn-ea"/>
+              </a:defRPr>
+            </a:lvl6pPr>
+            <a:lvl7pPr marL="2971800" indent="-228600" algn="l" rtl="0" fontAlgn="base">
+              <a:spcBef>
+                <a:spcPct val="20000"/>
+              </a:spcBef>
+              <a:spcAft>
+                <a:spcPct val="0"/>
+              </a:spcAft>
+              <a:buClr>
+                <a:srgbClr val="0046AD"/>
+              </a:buClr>
+              <a:buFont typeface="Wingdings" charset="0"/>
+              <a:defRPr sz="1200">
+                <a:solidFill>
+                  <a:srgbClr val="000000"/>
+                </a:solidFill>
+                <a:latin typeface="+mn-lt"/>
+                <a:ea typeface="+mn-ea"/>
+              </a:defRPr>
+            </a:lvl7pPr>
+            <a:lvl8pPr marL="3429000" indent="-228600" algn="l" rtl="0" fontAlgn="base">
+              <a:spcBef>
+                <a:spcPct val="20000"/>
+              </a:spcBef>
+              <a:spcAft>
+                <a:spcPct val="0"/>
+              </a:spcAft>
+              <a:buClr>
+                <a:srgbClr val="0046AD"/>
+              </a:buClr>
+              <a:buFont typeface="Wingdings" charset="0"/>
+              <a:defRPr sz="1200">
+                <a:solidFill>
+                  <a:srgbClr val="000000"/>
+                </a:solidFill>
+                <a:latin typeface="+mn-lt"/>
+                <a:ea typeface="+mn-ea"/>
+              </a:defRPr>
+            </a:lvl8pPr>
+            <a:lvl9pPr marL="3886200" indent="-228600" algn="l" rtl="0" fontAlgn="base">
+              <a:spcBef>
+                <a:spcPct val="20000"/>
+              </a:spcBef>
+              <a:spcAft>
+                <a:spcPct val="0"/>
+              </a:spcAft>
+              <a:buClr>
+                <a:srgbClr val="0046AD"/>
+              </a:buClr>
+              <a:buFont typeface="Wingdings" charset="0"/>
+              <a:defRPr sz="1200">
+                <a:solidFill>
+                  <a:srgbClr val="000000"/>
+                </a:solidFill>
+                <a:latin typeface="+mn-lt"/>
+                <a:ea typeface="+mn-ea"/>
+              </a:defRPr>
+            </a:lvl9pPr>
+          </a:lstStyle>
+          <a:p>
+            <a:pPr>
+              <a:buClr>
+                <a:srgbClr val="002060"/>
+              </a:buClr>
+              <a:buFont typeface="Arial" panose="020B0604020202020204" pitchFamily="34" charset="0"/>
+              <a:buChar char="•"/>
+              <a:defRPr/>
+            </a:pPr>
+            <a:r>
+              <a:rPr lang="en-US" sz="2000" kern="0" dirty="0">
+                <a:solidFill>
+                  <a:srgbClr val="002060"/>
+                </a:solidFill>
+              </a:rPr>
+              <a:t>Used when you have an outcome that has &gt;2 levels or categories</a:t>
+            </a:r>
+          </a:p>
+          <a:p>
+            <a:pPr>
+              <a:defRPr/>
+            </a:pPr>
+            <a:endParaRPr lang="en-CA" kern="0" dirty="0"/>
+          </a:p>
+        </p:txBody>
+      </p:sp>
+      <p:sp>
+        <p:nvSpPr>
+          <p:cNvPr id="31750" name="TextBox 1">
+            <a:extLst>
+              <a:ext uri="{FF2B5EF4-FFF2-40B4-BE49-F238E27FC236}">
+                <a16:creationId xmlns:a16="http://schemas.microsoft.com/office/drawing/2014/main" id="{7048B10D-2DB1-C8DF-BEAE-571466B8DABA}"/>
+              </a:ext>
+            </a:extLst>
+          </p:cNvPr>
+          <p:cNvSpPr txBox="1">
+            <a:spLocks noChangeArrowheads="1"/>
+          </p:cNvSpPr>
+          <p:nvPr/>
+        </p:nvSpPr>
+        <p:spPr bwMode="auto">
+          <a:xfrm>
+            <a:off x="542925" y="2708275"/>
+            <a:ext cx="8001000" cy="3786188"/>
+          </a:xfrm>
+          <a:prstGeom prst="rect">
+            <a:avLst/>
+          </a:prstGeom>
+          <a:noFill/>
+          <a:ln>
+            <a:noFill/>
+          </a:ln>
+          <a:extLst>
+            <a:ext uri="{909E8E84-426E-40DD-AFC4-6F175D3DCCD1}">
+              <a14:hiddenFill xmlns:a14="http://schemas.microsoft.com/office/drawing/2010/main">
+                <a:solidFill>
+                  <a:srgbClr val="FFFFFF"/>
+                </a:solidFill>
+              </a14:hiddenFill>
+            </a:ext>
+            <a:ext uri="{91240B29-F687-4F45-9708-019B960494DF}">
+              <a14:hiddenLine xmlns:a14="http://schemas.microsoft.com/office/drawing/2010/main" w="9525">
+                <a:solidFill>
+                  <a:srgbClr val="000000"/>
+                </a:solidFill>
+                <a:miter lim="800000"/>
+                <a:headEnd/>
+                <a:tailEnd/>
+              </a14:hiddenLine>
+            </a:ext>
+          </a:extLst>
+        </p:spPr>
+        <p:txBody>
+          <a:bodyPr>
+            <a:spAutoFit/>
+          </a:bodyPr>
+          <a:lstStyle>
+            <a:lvl1pPr>
+              <a:lnSpc>
+                <a:spcPct val="120000"/>
+              </a:lnSpc>
+              <a:buClr>
+                <a:schemeClr val="hlink"/>
+              </a:buClr>
+              <a:buFont typeface="Wingdings" panose="05000000000000000000" pitchFamily="2" charset="2"/>
+              <a:defRPr sz="1400">
+                <a:solidFill>
+                  <a:srgbClr val="000000"/>
+                </a:solidFill>
+                <a:latin typeface="Arial" panose="020B0604020202020204" pitchFamily="34" charset="0"/>
+                <a:ea typeface="ヒラギノ角ゴ Pro W3"/>
+                <a:cs typeface="ヒラギノ角ゴ Pro W3"/>
+              </a:defRPr>
+            </a:lvl1pPr>
+            <a:lvl2pPr marL="742950" indent="-285750">
+              <a:spcBef>
+                <a:spcPct val="20000"/>
+              </a:spcBef>
+              <a:buClr>
+                <a:srgbClr val="0046AD"/>
+              </a:buClr>
+              <a:buFont typeface="Wingdings" panose="05000000000000000000" pitchFamily="2" charset="2"/>
+              <a:defRPr sz="1200">
+                <a:solidFill>
+                  <a:srgbClr val="0046AD"/>
+                </a:solidFill>
+                <a:latin typeface="Arial" panose="020B0604020202020204" pitchFamily="34" charset="0"/>
+                <a:ea typeface="ヒラギノ角ゴ Pro W3"/>
+                <a:cs typeface="ヒラギノ角ゴ Pro W3"/>
+              </a:defRPr>
+            </a:lvl2pPr>
+            <a:lvl3pPr marL="1143000" indent="-228600">
+              <a:spcBef>
+                <a:spcPct val="20000"/>
+              </a:spcBef>
+              <a:buClr>
+                <a:srgbClr val="0046AD"/>
+              </a:buClr>
+              <a:buFont typeface="Wingdings" panose="05000000000000000000" pitchFamily="2" charset="2"/>
+              <a:defRPr sz="1200">
+                <a:solidFill>
+                  <a:srgbClr val="000000"/>
+                </a:solidFill>
+                <a:latin typeface="Arial" panose="020B0604020202020204" pitchFamily="34" charset="0"/>
+                <a:ea typeface="ヒラギノ角ゴ Pro W3"/>
+                <a:cs typeface="ヒラギノ角ゴ Pro W3"/>
+              </a:defRPr>
+            </a:lvl3pPr>
+            <a:lvl4pPr marL="1600200" indent="-228600">
+              <a:spcBef>
+                <a:spcPct val="20000"/>
+              </a:spcBef>
+              <a:buClr>
+                <a:srgbClr val="0046AD"/>
+              </a:buClr>
+              <a:buFont typeface="Wingdings" panose="05000000000000000000" pitchFamily="2" charset="2"/>
+              <a:defRPr sz="1200">
+                <a:solidFill>
+                  <a:srgbClr val="0046AD"/>
+                </a:solidFill>
+                <a:latin typeface="Arial" panose="020B0604020202020204" pitchFamily="34" charset="0"/>
+                <a:ea typeface="ヒラギノ角ゴ Pro W3"/>
+                <a:cs typeface="ヒラギノ角ゴ Pro W3"/>
+              </a:defRPr>
+            </a:lvl4pPr>
+            <a:lvl5pPr marL="2057400" indent="-228600">
+              <a:spcBef>
+                <a:spcPct val="20000"/>
+              </a:spcBef>
+              <a:buClr>
+                <a:srgbClr val="0046AD"/>
+              </a:buClr>
+              <a:buFont typeface="Wingdings" panose="05000000000000000000" pitchFamily="2" charset="2"/>
+              <a:defRPr sz="1200">
+                <a:solidFill>
+                  <a:srgbClr val="000000"/>
+                </a:solidFill>
+                <a:latin typeface="Arial" panose="020B0604020202020204" pitchFamily="34" charset="0"/>
+                <a:ea typeface="ヒラギノ角ゴ Pro W3"/>
+                <a:cs typeface="ヒラギノ角ゴ Pro W3"/>
+              </a:defRPr>
+            </a:lvl5pPr>
+            <a:lvl6pPr marL="2514600" indent="-228600" eaLnBrk="0" fontAlgn="base" hangingPunct="0">
+              <a:spcBef>
+                <a:spcPct val="20000"/>
+              </a:spcBef>
+              <a:spcAft>
+                <a:spcPct val="0"/>
+              </a:spcAft>
+              <a:buClr>
+                <a:srgbClr val="0046AD"/>
+              </a:buClr>
+              <a:buFont typeface="Wingdings" panose="05000000000000000000" pitchFamily="2" charset="2"/>
+              <a:defRPr sz="1200">
+                <a:solidFill>
+                  <a:srgbClr val="000000"/>
+                </a:solidFill>
+                <a:latin typeface="Arial" panose="020B0604020202020204" pitchFamily="34" charset="0"/>
+                <a:ea typeface="ヒラギノ角ゴ Pro W3"/>
+                <a:cs typeface="ヒラギノ角ゴ Pro W3"/>
+              </a:defRPr>
+            </a:lvl6pPr>
+            <a:lvl7pPr marL="2971800" indent="-228600" eaLnBrk="0" fontAlgn="base" hangingPunct="0">
+              <a:spcBef>
+                <a:spcPct val="20000"/>
+              </a:spcBef>
+              <a:spcAft>
+                <a:spcPct val="0"/>
+              </a:spcAft>
+              <a:buClr>
+                <a:srgbClr val="0046AD"/>
+              </a:buClr>
+              <a:buFont typeface="Wingdings" panose="05000000000000000000" pitchFamily="2" charset="2"/>
+              <a:defRPr sz="1200">
+                <a:solidFill>
+                  <a:srgbClr val="000000"/>
+                </a:solidFill>
+                <a:latin typeface="Arial" panose="020B0604020202020204" pitchFamily="34" charset="0"/>
+                <a:ea typeface="ヒラギノ角ゴ Pro W3"/>
+                <a:cs typeface="ヒラギノ角ゴ Pro W3"/>
+              </a:defRPr>
+            </a:lvl7pPr>
+            <a:lvl8pPr marL="3429000" indent="-228600" eaLnBrk="0" fontAlgn="base" hangingPunct="0">
+              <a:spcBef>
+                <a:spcPct val="20000"/>
+              </a:spcBef>
+              <a:spcAft>
+                <a:spcPct val="0"/>
+              </a:spcAft>
+              <a:buClr>
+                <a:srgbClr val="0046AD"/>
+              </a:buClr>
+              <a:buFont typeface="Wingdings" panose="05000000000000000000" pitchFamily="2" charset="2"/>
+              <a:defRPr sz="1200">
+                <a:solidFill>
+                  <a:srgbClr val="000000"/>
+                </a:solidFill>
+                <a:latin typeface="Arial" panose="020B0604020202020204" pitchFamily="34" charset="0"/>
+                <a:ea typeface="ヒラギノ角ゴ Pro W3"/>
+                <a:cs typeface="ヒラギノ角ゴ Pro W3"/>
+              </a:defRPr>
+            </a:lvl8pPr>
+            <a:lvl9pPr marL="3886200" indent="-228600" eaLnBrk="0" fontAlgn="base" hangingPunct="0">
+              <a:spcBef>
+                <a:spcPct val="20000"/>
+              </a:spcBef>
+              <a:spcAft>
+                <a:spcPct val="0"/>
+              </a:spcAft>
+              <a:buClr>
+                <a:srgbClr val="0046AD"/>
+              </a:buClr>
+              <a:buFont typeface="Wingdings" panose="05000000000000000000" pitchFamily="2" charset="2"/>
+              <a:defRPr sz="1200">
+                <a:solidFill>
+                  <a:srgbClr val="000000"/>
+                </a:solidFill>
+                <a:latin typeface="Arial" panose="020B0604020202020204" pitchFamily="34" charset="0"/>
+                <a:ea typeface="ヒラギノ角ゴ Pro W3"/>
+                <a:cs typeface="ヒラギノ角ゴ Pro W3"/>
+              </a:defRPr>
+            </a:lvl9pPr>
+          </a:lstStyle>
+          <a:p>
+            <a:pPr>
+              <a:lnSpc>
+                <a:spcPct val="100000"/>
+              </a:lnSpc>
+              <a:buClrTx/>
+              <a:buFontTx/>
+              <a:buNone/>
+            </a:pPr>
+            <a:r>
+              <a:rPr lang="en-US" altLang="en-US" sz="1600">
+                <a:solidFill>
+                  <a:srgbClr val="002060"/>
+                </a:solidFill>
+              </a:rPr>
+              <a:t>Make a categorical variable (TOTCHOL_CAT)</a:t>
+            </a:r>
+          </a:p>
+          <a:p>
+            <a:pPr>
+              <a:lnSpc>
+                <a:spcPct val="100000"/>
+              </a:lnSpc>
+              <a:buClrTx/>
+              <a:buFontTx/>
+              <a:buNone/>
+            </a:pPr>
+            <a:r>
+              <a:rPr lang="en-US" altLang="en-US" sz="1600">
+                <a:solidFill>
+                  <a:schemeClr val="bg1"/>
+                </a:solidFill>
+              </a:rPr>
+              <a:t>data_tc &lt;- subset(data1, !is.na(TOTCHOL))</a:t>
+            </a:r>
+          </a:p>
+          <a:p>
+            <a:pPr>
+              <a:lnSpc>
+                <a:spcPct val="100000"/>
+              </a:lnSpc>
+              <a:buClrTx/>
+              <a:buFontTx/>
+              <a:buNone/>
+            </a:pPr>
+            <a:r>
+              <a:rPr lang="en-US" altLang="en-US" sz="1600">
+                <a:solidFill>
+                  <a:schemeClr val="bg1"/>
+                </a:solidFill>
+              </a:rPr>
+              <a:t>data_tc$TOTCHOL_CAT </a:t>
+            </a:r>
+            <a:r>
+              <a:rPr lang="en-US" altLang="en-US" sz="1600">
+                <a:solidFill>
+                  <a:schemeClr val="bg1"/>
+                </a:solidFill>
+                <a:sym typeface="Wingdings" panose="05000000000000000000" pitchFamily="2" charset="2"/>
+              </a:rPr>
+              <a:t>&lt;-</a:t>
+            </a:r>
+          </a:p>
+          <a:p>
+            <a:pPr>
+              <a:lnSpc>
+                <a:spcPct val="100000"/>
+              </a:lnSpc>
+              <a:buClrTx/>
+              <a:buFontTx/>
+              <a:buNone/>
+            </a:pPr>
+            <a:r>
+              <a:rPr lang="en-US" altLang="en-US" sz="1600">
+                <a:solidFill>
+                  <a:schemeClr val="bg1"/>
+                </a:solidFill>
+                <a:sym typeface="Wingdings" panose="05000000000000000000" pitchFamily="2" charset="2"/>
+              </a:rPr>
+              <a:t>	       </a:t>
+            </a:r>
+            <a:r>
+              <a:rPr lang="en-US" altLang="en-US" sz="1600">
+                <a:solidFill>
+                  <a:schemeClr val="bg1"/>
+                </a:solidFill>
+              </a:rPr>
+              <a:t>ifelse(data_tc$TOTCHOL &gt;= 240, "High", </a:t>
+            </a:r>
+          </a:p>
+          <a:p>
+            <a:pPr>
+              <a:lnSpc>
+                <a:spcPct val="100000"/>
+              </a:lnSpc>
+              <a:buClrTx/>
+              <a:buFontTx/>
+              <a:buNone/>
+            </a:pPr>
+            <a:r>
+              <a:rPr lang="en-US" altLang="en-US" sz="1600">
+                <a:solidFill>
+                  <a:schemeClr val="bg1"/>
+                </a:solidFill>
+              </a:rPr>
+              <a:t>                       ifelse(data_tc$TOTCHOL &gt;= 200 &amp; data_tc$TOTCHOL &lt; 240, </a:t>
+            </a:r>
+          </a:p>
+          <a:p>
+            <a:pPr>
+              <a:lnSpc>
+                <a:spcPct val="100000"/>
+              </a:lnSpc>
+              <a:buClrTx/>
+              <a:buFontTx/>
+              <a:buNone/>
+            </a:pPr>
+            <a:r>
+              <a:rPr lang="en-US" altLang="en-US" sz="1600">
+                <a:solidFill>
+                  <a:schemeClr val="bg1"/>
+                </a:solidFill>
+              </a:rPr>
+              <a:t>                                "Bord High", "Desirable"))</a:t>
+            </a:r>
+          </a:p>
+          <a:p>
+            <a:pPr>
+              <a:lnSpc>
+                <a:spcPct val="100000"/>
+              </a:lnSpc>
+              <a:buClrTx/>
+              <a:buFontTx/>
+              <a:buNone/>
+            </a:pPr>
+            <a:endParaRPr lang="en-US" altLang="en-US" sz="1600">
+              <a:solidFill>
+                <a:srgbClr val="002060"/>
+              </a:solidFill>
+            </a:endParaRPr>
+          </a:p>
+          <a:p>
+            <a:pPr>
+              <a:lnSpc>
+                <a:spcPct val="100000"/>
+              </a:lnSpc>
+              <a:buClrTx/>
+              <a:buFontTx/>
+              <a:buNone/>
+            </a:pPr>
+            <a:r>
+              <a:rPr lang="en-US" altLang="en-US" sz="1600">
+                <a:solidFill>
+                  <a:srgbClr val="002060"/>
+                </a:solidFill>
+              </a:rPr>
+              <a:t>Make the TOTCHOL_CAT a factor</a:t>
+            </a:r>
+          </a:p>
+          <a:p>
+            <a:pPr>
+              <a:lnSpc>
+                <a:spcPct val="100000"/>
+              </a:lnSpc>
+              <a:buClrTx/>
+              <a:buFontTx/>
+              <a:buNone/>
+            </a:pPr>
+            <a:r>
+              <a:rPr lang="en-US" altLang="en-US" sz="1600">
+                <a:solidFill>
+                  <a:schemeClr val="bg1"/>
+                </a:solidFill>
+              </a:rPr>
+              <a:t>data_tc$TOTCHOL_CAT &lt;- as.factor(data_tc$TOTCHOL_CAT)</a:t>
+            </a:r>
+          </a:p>
+          <a:p>
+            <a:pPr>
+              <a:lnSpc>
+                <a:spcPct val="100000"/>
+              </a:lnSpc>
+              <a:buClrTx/>
+              <a:buFontTx/>
+              <a:buNone/>
+            </a:pPr>
+            <a:endParaRPr lang="en-US" altLang="en-US" sz="1600">
+              <a:solidFill>
+                <a:srgbClr val="002060"/>
+              </a:solidFill>
+            </a:endParaRPr>
+          </a:p>
+          <a:p>
+            <a:pPr>
+              <a:lnSpc>
+                <a:spcPct val="100000"/>
+              </a:lnSpc>
+              <a:buClrTx/>
+              <a:buFontTx/>
+              <a:buNone/>
+            </a:pPr>
+            <a:r>
+              <a:rPr lang="en-US" altLang="en-US" sz="1600">
+                <a:solidFill>
+                  <a:srgbClr val="002060"/>
+                </a:solidFill>
+              </a:rPr>
+              <a:t>Make “Desirable” the reference category </a:t>
+            </a:r>
+          </a:p>
+          <a:p>
+            <a:pPr>
+              <a:lnSpc>
+                <a:spcPct val="100000"/>
+              </a:lnSpc>
+              <a:buClrTx/>
+              <a:buFontTx/>
+              <a:buNone/>
+            </a:pPr>
+            <a:r>
+              <a:rPr lang="en-US" altLang="en-US" sz="1600">
+                <a:solidFill>
+                  <a:schemeClr val="bg1"/>
+                </a:solidFill>
+              </a:rPr>
+              <a:t>data_tc$TOTCHOL_CAT&lt;- relevel(data_tc$TOTCHOL_CAT, ref = "Desirable")</a:t>
+            </a:r>
+          </a:p>
+          <a:p>
+            <a:pPr>
+              <a:lnSpc>
+                <a:spcPct val="100000"/>
+              </a:lnSpc>
+              <a:buClrTx/>
+              <a:buFontTx/>
+              <a:buNone/>
+            </a:pPr>
+            <a:endParaRPr lang="en-US" altLang="en-US" sz="1600">
+              <a:solidFill>
+                <a:srgbClr val="002060"/>
+              </a:solidFill>
+            </a:endParaRPr>
+          </a:p>
+          <a:p>
+            <a:pPr>
+              <a:lnSpc>
+                <a:spcPct val="100000"/>
+              </a:lnSpc>
+              <a:buClrTx/>
+              <a:buFontTx/>
+              <a:buNone/>
+            </a:pPr>
+            <a:r>
+              <a:rPr lang="en-US" altLang="en-US" sz="1600">
+                <a:solidFill>
+                  <a:srgbClr val="002060"/>
+                </a:solidFill>
+              </a:rPr>
+              <a:t>Run the Regression</a:t>
+            </a:r>
+            <a:endParaRPr lang="en-US" altLang="en-US" sz="1600">
+              <a:solidFill>
+                <a:srgbClr val="0046AD"/>
+              </a:solidFill>
+            </a:endParaRPr>
+          </a:p>
+          <a:p>
+            <a:pPr>
+              <a:lnSpc>
+                <a:spcPct val="100000"/>
+              </a:lnSpc>
+              <a:buClrTx/>
+              <a:buFontTx/>
+              <a:buNone/>
+            </a:pPr>
+            <a:r>
+              <a:rPr lang="en-US" altLang="en-US" sz="1600">
+                <a:solidFill>
+                  <a:schemeClr val="bg1"/>
+                </a:solidFill>
+              </a:rPr>
+              <a:t>multinom(TOTCHOL_CAT ~ AGE + SEX + PREVMI, data = data_tc)</a:t>
+            </a:r>
+          </a:p>
+        </p:txBody>
+      </p:sp>
+      <p:sp>
+        <p:nvSpPr>
+          <p:cNvPr id="8" name="TextBox 7">
+            <a:extLst>
+              <a:ext uri="{FF2B5EF4-FFF2-40B4-BE49-F238E27FC236}">
+                <a16:creationId xmlns:a16="http://schemas.microsoft.com/office/drawing/2014/main" id="{51CE93C2-FEF2-4449-A5C3-63E835BCE3E5}"/>
               </a:ext>
             </a:extLst>
           </p:cNvPr>
@@ -14913,114 +13459,7 @@
         </p:nvSpPr>
         <p:spPr>
           <a:xfrm>
-            <a:off x="381000" y="1657350"/>
-            <a:ext cx="2590800" cy="461963"/>
-          </a:xfrm>
-          <a:prstGeom prst="rect">
-            <a:avLst/>
-          </a:prstGeom>
-          <a:noFill/>
-          <a:ln w="9525">
-            <a:solidFill>
-              <a:schemeClr val="accent4"/>
-            </a:solidFill>
-          </a:ln>
-        </p:spPr>
-        <p:txBody>
-          <a:bodyPr>
-            <a:spAutoFit/>
-          </a:bodyPr>
-          <a:lstStyle/>
-          <a:p>
-            <a:pPr>
-              <a:defRPr/>
-            </a:pPr>
-            <a:r>
-              <a:rPr lang="en-US" dirty="0">
-                <a:solidFill>
-                  <a:srgbClr val="002060"/>
-                </a:solidFill>
-                <a:ea typeface="ヒラギノ角ゴ Pro W3" pitchFamily="122" charset="-128"/>
-                <a:cs typeface="+mn-cs"/>
-              </a:rPr>
-              <a:t>General Structure </a:t>
-            </a:r>
-          </a:p>
-        </p:txBody>
-      </p:sp>
-      <p:sp>
-        <p:nvSpPr>
-          <p:cNvPr id="11" name="Rectangle 10">
-            <a:extLst>
-              <a:ext uri="{FF2B5EF4-FFF2-40B4-BE49-F238E27FC236}">
-                <a16:creationId xmlns:a16="http://schemas.microsoft.com/office/drawing/2014/main" id="{361618E4-5EC1-48C1-9C6B-4E4FBBDCE9AB}"/>
-              </a:ext>
-            </a:extLst>
-          </p:cNvPr>
-          <p:cNvSpPr/>
-          <p:nvPr/>
-        </p:nvSpPr>
-        <p:spPr bwMode="auto">
-          <a:xfrm>
-            <a:off x="381000" y="3505200"/>
-            <a:ext cx="8001000" cy="1828800"/>
-          </a:xfrm>
-          <a:prstGeom prst="rect">
-            <a:avLst/>
-          </a:prstGeom>
-          <a:noFill/>
-          <a:ln w="9525">
-            <a:headEnd type="none" w="med" len="med"/>
-            <a:tailEnd type="none" w="med" len="med"/>
-          </a:ln>
-          <a:extLst>
-            <a:ext uri="{AF507438-7753-43e0-B8FC-AC1667EBCBE1}"/>
-          </a:extLst>
-        </p:spPr>
-        <p:style>
-          <a:lnRef idx="2">
-            <a:schemeClr val="accent4"/>
-          </a:lnRef>
-          <a:fillRef idx="1">
-            <a:schemeClr val="lt1"/>
-          </a:fillRef>
-          <a:effectRef idx="0">
-            <a:schemeClr val="accent4"/>
-          </a:effectRef>
-          <a:fontRef idx="minor">
-            <a:schemeClr val="dk1"/>
-          </a:fontRef>
-        </p:style>
-        <p:txBody>
-          <a:bodyPr/>
-          <a:lstStyle/>
-          <a:p>
-            <a:pPr>
-              <a:defRPr/>
-            </a:pPr>
-            <a:endParaRPr lang="en-US">
-              <a:solidFill>
-                <a:srgbClr val="000000"/>
-              </a:solidFill>
-            </a:endParaRPr>
-          </a:p>
-        </p:txBody>
-      </p:sp>
-      <p:sp>
-        <p:nvSpPr>
-          <p:cNvPr id="12" name="TextBox 11">
-            <a:extLst>
-              <a:ext uri="{FF2B5EF4-FFF2-40B4-BE49-F238E27FC236}">
-                <a16:creationId xmlns:a16="http://schemas.microsoft.com/office/drawing/2014/main" id="{1EEB42D9-1027-48ED-BA8E-4F814C871A1E}"/>
-              </a:ext>
-            </a:extLst>
-          </p:cNvPr>
-          <p:cNvSpPr txBox="1"/>
-          <p:nvPr/>
-        </p:nvSpPr>
-        <p:spPr>
-          <a:xfrm>
-            <a:off x="381000" y="3505200"/>
+            <a:off x="542925" y="2249488"/>
             <a:ext cx="1371600" cy="460375"/>
           </a:xfrm>
           <a:prstGeom prst="rect">
@@ -15057,10 +13496,10 @@
       </p:sp>
       <p:sp>
         <p:nvSpPr>
-          <p:cNvPr id="27656" name="TextBox 12">
+          <p:cNvPr id="9" name="TextBox 1">
             <a:extLst>
               <a:ext uri="{FF2B5EF4-FFF2-40B4-BE49-F238E27FC236}">
-                <a16:creationId xmlns:a16="http://schemas.microsoft.com/office/drawing/2014/main" id="{00326DDE-D4ED-F321-F501-0E8522BD5076}"/>
+                <a16:creationId xmlns:a16="http://schemas.microsoft.com/office/drawing/2014/main" id="{03D05CC5-C4C5-407F-B182-97BE870A6480}"/>
               </a:ext>
             </a:extLst>
           </p:cNvPr>
@@ -15071,35 +13510,21 @@
         </p:nvSpPr>
         <p:spPr bwMode="auto">
           <a:xfrm>
-            <a:off x="381000" y="2093913"/>
-            <a:ext cx="8001000" cy="1323975"/>
+            <a:off x="6570663" y="2311400"/>
+            <a:ext cx="1905000" cy="1077913"/>
           </a:xfrm>
           <a:prstGeom prst="rect">
             <a:avLst/>
           </a:prstGeom>
           <a:noFill/>
-          <a:ln>
-            <a:noFill/>
+          <a:ln w="9525">
+            <a:solidFill>
+              <a:schemeClr val="accent4"/>
+            </a:solidFill>
+            <a:miter lim="800000"/>
+            <a:headEnd/>
+            <a:tailEnd/>
           </a:ln>
-          <a:extLst>
-            <a:ext uri="{909E8E84-426E-40DD-AFC4-6F175D3DCCD1}">
-              <a14:hiddenFill xmlns:a14="http://schemas.microsoft.com/office/drawing/2010/main">
-                <a:solidFill>
-                  <a:srgbClr val="FFFFFF"/>
-                </a:solidFill>
-              </a14:hiddenFill>
-            </a:ext>
-            <a:ext uri="{91240B29-F687-4F45-9708-019B960494DF}">
-              <a14:hiddenLine xmlns:a14="http://schemas.microsoft.com/office/drawing/2010/main" w="9525">
-                <a:solidFill>
-                  <a:srgbClr val="000000"/>
-                </a:solidFill>
-                <a:miter lim="800000"/>
-                <a:headEnd/>
-                <a:tailEnd/>
-              </a14:hiddenLine>
-            </a:ext>
-          </a:extLst>
         </p:spPr>
         <p:txBody>
           <a:bodyPr>
@@ -15107,317 +13532,187 @@
           </a:bodyPr>
           <a:lstStyle>
             <a:lvl1pPr>
-              <a:lnSpc>
-                <a:spcPct val="120000"/>
-              </a:lnSpc>
-              <a:buClr>
-                <a:schemeClr val="hlink"/>
-              </a:buClr>
-              <a:buFont typeface="Wingdings" panose="05000000000000000000" pitchFamily="2" charset="2"/>
-              <a:defRPr sz="1400">
-                <a:solidFill>
-                  <a:srgbClr val="000000"/>
-                </a:solidFill>
-                <a:latin typeface="Arial" panose="020B0604020202020204" pitchFamily="34" charset="0"/>
-                <a:ea typeface="ヒラギノ角ゴ Pro W3"/>
-                <a:cs typeface="ヒラギノ角ゴ Pro W3"/>
+              <a:defRPr sz="2400">
+                <a:solidFill>
+                  <a:schemeClr val="tx1"/>
+                </a:solidFill>
+                <a:latin typeface="Arial" panose="020B0604020202020204" pitchFamily="34" charset="0"/>
+                <a:ea typeface="ヒラギノ角ゴ Pro W3" pitchFamily="122" charset="-128"/>
               </a:defRPr>
             </a:lvl1pPr>
             <a:lvl2pPr marL="742950" indent="-285750">
-              <a:spcBef>
-                <a:spcPct val="20000"/>
-              </a:spcBef>
-              <a:buClr>
-                <a:srgbClr val="0046AD"/>
-              </a:buClr>
-              <a:buFont typeface="Wingdings" panose="05000000000000000000" pitchFamily="2" charset="2"/>
-              <a:defRPr sz="1200">
-                <a:solidFill>
-                  <a:srgbClr val="0046AD"/>
-                </a:solidFill>
-                <a:latin typeface="Arial" panose="020B0604020202020204" pitchFamily="34" charset="0"/>
-                <a:ea typeface="ヒラギノ角ゴ Pro W3"/>
-                <a:cs typeface="ヒラギノ角ゴ Pro W3"/>
+              <a:defRPr sz="2400">
+                <a:solidFill>
+                  <a:schemeClr val="tx1"/>
+                </a:solidFill>
+                <a:latin typeface="Arial" panose="020B0604020202020204" pitchFamily="34" charset="0"/>
+                <a:ea typeface="ヒラギノ角ゴ Pro W3" pitchFamily="122" charset="-128"/>
               </a:defRPr>
             </a:lvl2pPr>
             <a:lvl3pPr marL="1143000" indent="-228600">
-              <a:spcBef>
-                <a:spcPct val="20000"/>
-              </a:spcBef>
-              <a:buClr>
-                <a:srgbClr val="0046AD"/>
-              </a:buClr>
-              <a:buFont typeface="Wingdings" panose="05000000000000000000" pitchFamily="2" charset="2"/>
-              <a:defRPr sz="1200">
-                <a:solidFill>
-                  <a:srgbClr val="000000"/>
-                </a:solidFill>
-                <a:latin typeface="Arial" panose="020B0604020202020204" pitchFamily="34" charset="0"/>
-                <a:ea typeface="ヒラギノ角ゴ Pro W3"/>
-                <a:cs typeface="ヒラギノ角ゴ Pro W3"/>
+              <a:defRPr sz="2400">
+                <a:solidFill>
+                  <a:schemeClr val="tx1"/>
+                </a:solidFill>
+                <a:latin typeface="Arial" panose="020B0604020202020204" pitchFamily="34" charset="0"/>
+                <a:ea typeface="ヒラギノ角ゴ Pro W3" pitchFamily="122" charset="-128"/>
               </a:defRPr>
             </a:lvl3pPr>
             <a:lvl4pPr marL="1600200" indent="-228600">
-              <a:spcBef>
-                <a:spcPct val="20000"/>
-              </a:spcBef>
-              <a:buClr>
-                <a:srgbClr val="0046AD"/>
-              </a:buClr>
-              <a:buFont typeface="Wingdings" panose="05000000000000000000" pitchFamily="2" charset="2"/>
-              <a:defRPr sz="1200">
-                <a:solidFill>
-                  <a:srgbClr val="0046AD"/>
-                </a:solidFill>
-                <a:latin typeface="Arial" panose="020B0604020202020204" pitchFamily="34" charset="0"/>
-                <a:ea typeface="ヒラギノ角ゴ Pro W3"/>
-                <a:cs typeface="ヒラギノ角ゴ Pro W3"/>
+              <a:defRPr sz="2400">
+                <a:solidFill>
+                  <a:schemeClr val="tx1"/>
+                </a:solidFill>
+                <a:latin typeface="Arial" panose="020B0604020202020204" pitchFamily="34" charset="0"/>
+                <a:ea typeface="ヒラギノ角ゴ Pro W3" pitchFamily="122" charset="-128"/>
               </a:defRPr>
             </a:lvl4pPr>
             <a:lvl5pPr marL="2057400" indent="-228600">
-              <a:spcBef>
-                <a:spcPct val="20000"/>
-              </a:spcBef>
-              <a:buClr>
-                <a:srgbClr val="0046AD"/>
-              </a:buClr>
-              <a:buFont typeface="Wingdings" panose="05000000000000000000" pitchFamily="2" charset="2"/>
-              <a:defRPr sz="1200">
-                <a:solidFill>
-                  <a:srgbClr val="000000"/>
-                </a:solidFill>
-                <a:latin typeface="Arial" panose="020B0604020202020204" pitchFamily="34" charset="0"/>
-                <a:ea typeface="ヒラギノ角ゴ Pro W3"/>
-                <a:cs typeface="ヒラギノ角ゴ Pro W3"/>
+              <a:defRPr sz="2400">
+                <a:solidFill>
+                  <a:schemeClr val="tx1"/>
+                </a:solidFill>
+                <a:latin typeface="Arial" panose="020B0604020202020204" pitchFamily="34" charset="0"/>
+                <a:ea typeface="ヒラギノ角ゴ Pro W3" pitchFamily="122" charset="-128"/>
               </a:defRPr>
             </a:lvl5pPr>
             <a:lvl6pPr marL="2514600" indent="-228600" eaLnBrk="0" fontAlgn="base" hangingPunct="0">
               <a:spcBef>
-                <a:spcPct val="20000"/>
-              </a:spcBef>
-              <a:spcAft>
-                <a:spcPct val="0"/>
-              </a:spcAft>
-              <a:buClr>
-                <a:srgbClr val="0046AD"/>
-              </a:buClr>
-              <a:buFont typeface="Wingdings" panose="05000000000000000000" pitchFamily="2" charset="2"/>
-              <a:defRPr sz="1200">
-                <a:solidFill>
-                  <a:srgbClr val="000000"/>
-                </a:solidFill>
-                <a:latin typeface="Arial" panose="020B0604020202020204" pitchFamily="34" charset="0"/>
-                <a:ea typeface="ヒラギノ角ゴ Pro W3"/>
-                <a:cs typeface="ヒラギノ角ゴ Pro W3"/>
+                <a:spcPct val="0"/>
+              </a:spcBef>
+              <a:spcAft>
+                <a:spcPct val="0"/>
+              </a:spcAft>
+              <a:defRPr sz="2400">
+                <a:solidFill>
+                  <a:schemeClr val="tx1"/>
+                </a:solidFill>
+                <a:latin typeface="Arial" panose="020B0604020202020204" pitchFamily="34" charset="0"/>
+                <a:ea typeface="ヒラギノ角ゴ Pro W3" pitchFamily="122" charset="-128"/>
               </a:defRPr>
             </a:lvl6pPr>
             <a:lvl7pPr marL="2971800" indent="-228600" eaLnBrk="0" fontAlgn="base" hangingPunct="0">
               <a:spcBef>
-                <a:spcPct val="20000"/>
-              </a:spcBef>
-              <a:spcAft>
-                <a:spcPct val="0"/>
-              </a:spcAft>
-              <a:buClr>
-                <a:srgbClr val="0046AD"/>
-              </a:buClr>
-              <a:buFont typeface="Wingdings" panose="05000000000000000000" pitchFamily="2" charset="2"/>
-              <a:defRPr sz="1200">
-                <a:solidFill>
-                  <a:srgbClr val="000000"/>
-                </a:solidFill>
-                <a:latin typeface="Arial" panose="020B0604020202020204" pitchFamily="34" charset="0"/>
-                <a:ea typeface="ヒラギノ角ゴ Pro W3"/>
-                <a:cs typeface="ヒラギノ角ゴ Pro W3"/>
+                <a:spcPct val="0"/>
+              </a:spcBef>
+              <a:spcAft>
+                <a:spcPct val="0"/>
+              </a:spcAft>
+              <a:defRPr sz="2400">
+                <a:solidFill>
+                  <a:schemeClr val="tx1"/>
+                </a:solidFill>
+                <a:latin typeface="Arial" panose="020B0604020202020204" pitchFamily="34" charset="0"/>
+                <a:ea typeface="ヒラギノ角ゴ Pro W3" pitchFamily="122" charset="-128"/>
               </a:defRPr>
             </a:lvl7pPr>
             <a:lvl8pPr marL="3429000" indent="-228600" eaLnBrk="0" fontAlgn="base" hangingPunct="0">
               <a:spcBef>
-                <a:spcPct val="20000"/>
-              </a:spcBef>
-              <a:spcAft>
-                <a:spcPct val="0"/>
-              </a:spcAft>
-              <a:buClr>
-                <a:srgbClr val="0046AD"/>
-              </a:buClr>
-              <a:buFont typeface="Wingdings" panose="05000000000000000000" pitchFamily="2" charset="2"/>
-              <a:defRPr sz="1200">
-                <a:solidFill>
-                  <a:srgbClr val="000000"/>
-                </a:solidFill>
-                <a:latin typeface="Arial" panose="020B0604020202020204" pitchFamily="34" charset="0"/>
-                <a:ea typeface="ヒラギノ角ゴ Pro W3"/>
-                <a:cs typeface="ヒラギノ角ゴ Pro W3"/>
+                <a:spcPct val="0"/>
+              </a:spcBef>
+              <a:spcAft>
+                <a:spcPct val="0"/>
+              </a:spcAft>
+              <a:defRPr sz="2400">
+                <a:solidFill>
+                  <a:schemeClr val="tx1"/>
+                </a:solidFill>
+                <a:latin typeface="Arial" panose="020B0604020202020204" pitchFamily="34" charset="0"/>
+                <a:ea typeface="ヒラギノ角ゴ Pro W3" pitchFamily="122" charset="-128"/>
               </a:defRPr>
             </a:lvl8pPr>
             <a:lvl9pPr marL="3886200" indent="-228600" eaLnBrk="0" fontAlgn="base" hangingPunct="0">
               <a:spcBef>
-                <a:spcPct val="20000"/>
-              </a:spcBef>
-              <a:spcAft>
-                <a:spcPct val="0"/>
-              </a:spcAft>
-              <a:buClr>
-                <a:srgbClr val="0046AD"/>
-              </a:buClr>
-              <a:buFont typeface="Wingdings" panose="05000000000000000000" pitchFamily="2" charset="2"/>
-              <a:defRPr sz="1200">
-                <a:solidFill>
-                  <a:srgbClr val="000000"/>
-                </a:solidFill>
-                <a:latin typeface="Arial" panose="020B0604020202020204" pitchFamily="34" charset="0"/>
-                <a:ea typeface="ヒラギノ角ゴ Pro W3"/>
-                <a:cs typeface="ヒラギノ角ゴ Pro W3"/>
+                <a:spcPct val="0"/>
+              </a:spcBef>
+              <a:spcAft>
+                <a:spcPct val="0"/>
+              </a:spcAft>
+              <a:defRPr sz="2400">
+                <a:solidFill>
+                  <a:schemeClr val="tx1"/>
+                </a:solidFill>
+                <a:latin typeface="Arial" panose="020B0604020202020204" pitchFamily="34" charset="0"/>
+                <a:ea typeface="ヒラギノ角ゴ Pro W3" pitchFamily="122" charset="-128"/>
               </a:defRPr>
             </a:lvl9pPr>
           </a:lstStyle>
           <a:p>
             <a:pPr>
-              <a:lnSpc>
-                <a:spcPct val="100000"/>
-              </a:lnSpc>
-              <a:buClrTx/>
-              <a:buFontTx/>
-              <a:buNone/>
+              <a:defRPr/>
             </a:pPr>
             <a:r>
-              <a:rPr lang="en-US" altLang="en-US" sz="2000">
-                <a:solidFill>
-                  <a:schemeClr val="bg1"/>
-                </a:solidFill>
+              <a:rPr lang="en-US" altLang="en-US" sz="1600" dirty="0">
+                <a:solidFill>
+                  <a:srgbClr val="002060"/>
+                </a:solidFill>
+                <a:cs typeface="+mn-cs"/>
               </a:rPr>
-              <a:t>hoslem.test(observed_outcomes, expected_outcomes, g = 10)</a:t>
+              <a:t>TOTCHOL_CAT</a:t>
             </a:r>
           </a:p>
           <a:p>
             <a:pPr>
-              <a:lnSpc>
-                <a:spcPct val="100000"/>
-              </a:lnSpc>
-              <a:buClrTx/>
-              <a:buFontTx/>
-              <a:buNone/>
+              <a:defRPr/>
             </a:pPr>
             <a:r>
-              <a:rPr lang="en-US" altLang="en-US" sz="2000">
-                <a:solidFill>
-                  <a:schemeClr val="bg1"/>
-                </a:solidFill>
+              <a:rPr lang="en-US" altLang="en-US" sz="1600" dirty="0">
+                <a:solidFill>
+                  <a:srgbClr val="002060"/>
+                </a:solidFill>
+                <a:cs typeface="+mn-cs"/>
               </a:rPr>
-              <a:t>Roc1&lt;-</a:t>
-            </a:r>
-            <a:r>
-              <a:rPr lang="en-US" altLang="en-US" sz="2000">
-                <a:solidFill>
-                  <a:schemeClr val="bg1"/>
-                </a:solidFill>
-                <a:sym typeface="Wingdings" panose="05000000000000000000" pitchFamily="2" charset="2"/>
+              <a:t>&lt; 200     Desirable</a:t>
+            </a:r>
+          </a:p>
+          <a:p>
+            <a:pPr>
+              <a:defRPr/>
+            </a:pPr>
+            <a:r>
+              <a:rPr lang="en-US" altLang="en-US" sz="1600" dirty="0">
+                <a:solidFill>
+                  <a:srgbClr val="002060"/>
+                </a:solidFill>
+                <a:cs typeface="+mn-cs"/>
               </a:rPr>
-              <a:t> </a:t>
-            </a:r>
-            <a:r>
-              <a:rPr lang="en-US" altLang="en-US" sz="2000">
-                <a:solidFill>
-                  <a:schemeClr val="bg1"/>
-                </a:solidFill>
+              <a:t>200-239 </a:t>
+            </a:r>
+            <a:r>
+              <a:rPr lang="en-US" altLang="en-US" sz="1600" dirty="0" err="1">
+                <a:solidFill>
+                  <a:srgbClr val="002060"/>
+                </a:solidFill>
+                <a:cs typeface="+mn-cs"/>
               </a:rPr>
-              <a:t>roc(observed_outcomes, expected_outcomes)</a:t>
+              <a:t>Bord</a:t>
+            </a:r>
+            <a:r>
+              <a:rPr lang="en-US" altLang="en-US" sz="1600" dirty="0">
+                <a:solidFill>
+                  <a:srgbClr val="002060"/>
+                </a:solidFill>
+                <a:cs typeface="+mn-cs"/>
+              </a:rPr>
+              <a:t> High</a:t>
             </a:r>
           </a:p>
           <a:p>
             <a:pPr>
-              <a:lnSpc>
-                <a:spcPct val="100000"/>
-              </a:lnSpc>
-              <a:buClrTx/>
-              <a:buFontTx/>
-              <a:buNone/>
+              <a:defRPr/>
             </a:pPr>
             <a:r>
-              <a:rPr lang="en-US" altLang="en-US" sz="2000">
-                <a:solidFill>
-                  <a:schemeClr val="bg1"/>
-                </a:solidFill>
+              <a:rPr lang="en-US" altLang="en-US" sz="1600" dirty="0">
+                <a:solidFill>
+                  <a:srgbClr val="002060"/>
+                </a:solidFill>
+                <a:cs typeface="+mn-cs"/>
               </a:rPr>
-              <a:t>plot(roc1, col = 'red', legacy.axes = TRUE)</a:t>
-            </a:r>
-          </a:p>
-          <a:p>
-            <a:pPr>
-              <a:lnSpc>
-                <a:spcPct val="100000"/>
-              </a:lnSpc>
-              <a:buClrTx/>
-              <a:buFontTx/>
-              <a:buNone/>
-            </a:pPr>
-            <a:r>
-              <a:rPr lang="en-US" altLang="en-US" sz="2000">
-                <a:solidFill>
-                  <a:schemeClr val="bg1"/>
-                </a:solidFill>
-              </a:rPr>
-              <a:t>auc(roc1) </a:t>
+              <a:t>≥ 240     High</a:t>
             </a:r>
           </a:p>
         </p:txBody>
       </p:sp>
-      <p:pic>
-        <p:nvPicPr>
-          <p:cNvPr id="27657" name="Picture 5">
-            <a:extLst>
-              <a:ext uri="{FF2B5EF4-FFF2-40B4-BE49-F238E27FC236}">
-                <a16:creationId xmlns:a16="http://schemas.microsoft.com/office/drawing/2014/main" id="{95EFE05A-0392-12B2-3381-D271D350B899}"/>
-              </a:ext>
-            </a:extLst>
-          </p:cNvPr>
-          <p:cNvPicPr>
-            <a:picLocks noChangeAspect="1"/>
-          </p:cNvPicPr>
-          <p:nvPr/>
-        </p:nvPicPr>
-        <p:blipFill>
-          <a:blip r:embed="rId3">
-            <a:extLst>
-              <a:ext uri="{28A0092B-C50C-407E-A947-70E740481C1C}">
-                <a14:useLocalDpi xmlns:a14="http://schemas.microsoft.com/office/drawing/2010/main" val="0"/>
-              </a:ext>
-            </a:extLst>
-          </a:blip>
-          <a:srcRect/>
-          <a:stretch>
-            <a:fillRect/>
-          </a:stretch>
-        </p:blipFill>
-        <p:spPr bwMode="auto">
-          <a:xfrm>
-            <a:off x="6583363" y="4070350"/>
-            <a:ext cx="2522537" cy="2701925"/>
-          </a:xfrm>
-          <a:prstGeom prst="rect">
-            <a:avLst/>
-          </a:prstGeom>
-          <a:noFill/>
-          <a:ln w="9525">
-            <a:solidFill>
-              <a:srgbClr val="D5E7CF"/>
-            </a:solidFill>
-            <a:miter lim="800000"/>
-            <a:headEnd/>
-            <a:tailEnd/>
-          </a:ln>
-          <a:extLst>
-            <a:ext uri="{909E8E84-426E-40DD-AFC4-6F175D3DCCD1}">
-              <a14:hiddenFill xmlns:a14="http://schemas.microsoft.com/office/drawing/2010/main">
-                <a:solidFill>
-                  <a:srgbClr val="FFFFFF"/>
-                </a:solidFill>
-              </a14:hiddenFill>
-            </a:ext>
-          </a:extLst>
-        </p:spPr>
-      </p:pic>
     </p:spTree>
   </p:cSld>
   <p:clrMapOvr>
@@ -16011,5376 +14306,6 @@
             <a:endParaRPr lang="en-US" sz="2600" kern="0" dirty="0">
               <a:cs typeface="+mn-cs"/>
             </a:endParaRPr>
-          </a:p>
-        </p:txBody>
-      </p:sp>
-    </p:spTree>
-  </p:cSld>
-  <p:clrMapOvr>
-    <a:masterClrMapping/>
-  </p:clrMapOvr>
-</p:sld>
-</file>
-
-<file path=ppt/slides/slide20.xml><?xml version="1.0" encoding="utf-8"?>
-<p:sld xmlns:a="http://schemas.openxmlformats.org/drawingml/2006/main" xmlns:r="http://schemas.openxmlformats.org/officeDocument/2006/relationships" xmlns:p="http://schemas.openxmlformats.org/presentationml/2006/main">
-  <p:cSld>
-    <p:spTree>
-      <p:nvGrpSpPr>
-        <p:cNvPr id="1" name=""/>
-        <p:cNvGrpSpPr/>
-        <p:nvPr/>
-      </p:nvGrpSpPr>
-      <p:grpSpPr>
-        <a:xfrm>
-          <a:off x="0" y="0"/>
-          <a:ext cx="0" cy="0"/>
-          <a:chOff x="0" y="0"/>
-          <a:chExt cx="0" cy="0"/>
-        </a:xfrm>
-      </p:grpSpPr>
-      <p:sp>
-        <p:nvSpPr>
-          <p:cNvPr id="2" name="Content Placeholder 2">
-            <a:extLst>
-              <a:ext uri="{FF2B5EF4-FFF2-40B4-BE49-F238E27FC236}">
-                <a16:creationId xmlns:a16="http://schemas.microsoft.com/office/drawing/2014/main" id="{F4BC2904-7894-412E-939E-683961211F1A}"/>
-              </a:ext>
-            </a:extLst>
-          </p:cNvPr>
-          <p:cNvSpPr txBox="1">
-            <a:spLocks/>
-          </p:cNvSpPr>
-          <p:nvPr/>
-        </p:nvSpPr>
-        <p:spPr>
-          <a:xfrm>
-            <a:off x="304800" y="1752600"/>
-            <a:ext cx="8458200" cy="4351338"/>
-          </a:xfrm>
-          <a:prstGeom prst="rect">
-            <a:avLst/>
-          </a:prstGeom>
-        </p:spPr>
-        <p:txBody>
-          <a:bodyPr>
-            <a:normAutofit/>
-          </a:bodyPr>
-          <a:lstStyle>
-            <a:lvl1pPr marL="342900" indent="-342900" algn="l" rtl="0" eaLnBrk="0" fontAlgn="base" hangingPunct="0">
-              <a:lnSpc>
-                <a:spcPct val="120000"/>
-              </a:lnSpc>
-              <a:spcBef>
-                <a:spcPct val="0"/>
-              </a:spcBef>
-              <a:spcAft>
-                <a:spcPct val="0"/>
-              </a:spcAft>
-              <a:buClr>
-                <a:schemeClr val="hlink"/>
-              </a:buClr>
-              <a:buFont typeface="Wingdings" panose="05000000000000000000" pitchFamily="2" charset="2"/>
-              <a:defRPr sz="1400">
-                <a:solidFill>
-                  <a:srgbClr val="000000"/>
-                </a:solidFill>
-                <a:latin typeface="+mn-lt"/>
-                <a:ea typeface="+mn-ea"/>
-                <a:cs typeface="ヒラギノ角ゴ Pro W3" charset="0"/>
-              </a:defRPr>
-            </a:lvl1pPr>
-            <a:lvl2pPr marL="742950" indent="-285750" algn="l" rtl="0" eaLnBrk="0" fontAlgn="base" hangingPunct="0">
-              <a:spcBef>
-                <a:spcPct val="20000"/>
-              </a:spcBef>
-              <a:spcAft>
-                <a:spcPct val="0"/>
-              </a:spcAft>
-              <a:buClr>
-                <a:srgbClr val="0046AD"/>
-              </a:buClr>
-              <a:buFont typeface="Wingdings" panose="05000000000000000000" pitchFamily="2" charset="2"/>
-              <a:defRPr sz="1200">
-                <a:solidFill>
-                  <a:srgbClr val="0046AD"/>
-                </a:solidFill>
-                <a:latin typeface="+mn-lt"/>
-                <a:ea typeface="+mn-ea"/>
-              </a:defRPr>
-            </a:lvl2pPr>
-            <a:lvl3pPr marL="1143000" indent="-228600" algn="l" rtl="0" eaLnBrk="0" fontAlgn="base" hangingPunct="0">
-              <a:spcBef>
-                <a:spcPct val="20000"/>
-              </a:spcBef>
-              <a:spcAft>
-                <a:spcPct val="0"/>
-              </a:spcAft>
-              <a:buClr>
-                <a:srgbClr val="0046AD"/>
-              </a:buClr>
-              <a:buFont typeface="Wingdings" panose="05000000000000000000" pitchFamily="2" charset="2"/>
-              <a:defRPr sz="1200">
-                <a:solidFill>
-                  <a:srgbClr val="000000"/>
-                </a:solidFill>
-                <a:latin typeface="+mn-lt"/>
-                <a:ea typeface="+mn-ea"/>
-              </a:defRPr>
-            </a:lvl3pPr>
-            <a:lvl4pPr marL="1600200" indent="-228600" algn="l" rtl="0" eaLnBrk="0" fontAlgn="base" hangingPunct="0">
-              <a:spcBef>
-                <a:spcPct val="20000"/>
-              </a:spcBef>
-              <a:spcAft>
-                <a:spcPct val="0"/>
-              </a:spcAft>
-              <a:buClr>
-                <a:srgbClr val="0046AD"/>
-              </a:buClr>
-              <a:buFont typeface="Wingdings" panose="05000000000000000000" pitchFamily="2" charset="2"/>
-              <a:defRPr sz="1200">
-                <a:solidFill>
-                  <a:srgbClr val="0046AD"/>
-                </a:solidFill>
-                <a:latin typeface="+mn-lt"/>
-                <a:ea typeface="+mn-ea"/>
-              </a:defRPr>
-            </a:lvl4pPr>
-            <a:lvl5pPr marL="2057400" indent="-228600" algn="l" rtl="0" eaLnBrk="0" fontAlgn="base" hangingPunct="0">
-              <a:spcBef>
-                <a:spcPct val="20000"/>
-              </a:spcBef>
-              <a:spcAft>
-                <a:spcPct val="0"/>
-              </a:spcAft>
-              <a:buClr>
-                <a:srgbClr val="0046AD"/>
-              </a:buClr>
-              <a:buFont typeface="Wingdings" panose="05000000000000000000" pitchFamily="2" charset="2"/>
-              <a:defRPr sz="1200">
-                <a:solidFill>
-                  <a:srgbClr val="000000"/>
-                </a:solidFill>
-                <a:latin typeface="+mn-lt"/>
-                <a:ea typeface="+mn-ea"/>
-              </a:defRPr>
-            </a:lvl5pPr>
-            <a:lvl6pPr marL="2514600" indent="-228600" algn="l" rtl="0" fontAlgn="base">
-              <a:spcBef>
-                <a:spcPct val="20000"/>
-              </a:spcBef>
-              <a:spcAft>
-                <a:spcPct val="0"/>
-              </a:spcAft>
-              <a:buClr>
-                <a:srgbClr val="0046AD"/>
-              </a:buClr>
-              <a:buFont typeface="Wingdings" charset="0"/>
-              <a:defRPr sz="1200">
-                <a:solidFill>
-                  <a:srgbClr val="000000"/>
-                </a:solidFill>
-                <a:latin typeface="+mn-lt"/>
-                <a:ea typeface="+mn-ea"/>
-              </a:defRPr>
-            </a:lvl6pPr>
-            <a:lvl7pPr marL="2971800" indent="-228600" algn="l" rtl="0" fontAlgn="base">
-              <a:spcBef>
-                <a:spcPct val="20000"/>
-              </a:spcBef>
-              <a:spcAft>
-                <a:spcPct val="0"/>
-              </a:spcAft>
-              <a:buClr>
-                <a:srgbClr val="0046AD"/>
-              </a:buClr>
-              <a:buFont typeface="Wingdings" charset="0"/>
-              <a:defRPr sz="1200">
-                <a:solidFill>
-                  <a:srgbClr val="000000"/>
-                </a:solidFill>
-                <a:latin typeface="+mn-lt"/>
-                <a:ea typeface="+mn-ea"/>
-              </a:defRPr>
-            </a:lvl7pPr>
-            <a:lvl8pPr marL="3429000" indent="-228600" algn="l" rtl="0" fontAlgn="base">
-              <a:spcBef>
-                <a:spcPct val="20000"/>
-              </a:spcBef>
-              <a:spcAft>
-                <a:spcPct val="0"/>
-              </a:spcAft>
-              <a:buClr>
-                <a:srgbClr val="0046AD"/>
-              </a:buClr>
-              <a:buFont typeface="Wingdings" charset="0"/>
-              <a:defRPr sz="1200">
-                <a:solidFill>
-                  <a:srgbClr val="000000"/>
-                </a:solidFill>
-                <a:latin typeface="+mn-lt"/>
-                <a:ea typeface="+mn-ea"/>
-              </a:defRPr>
-            </a:lvl8pPr>
-            <a:lvl9pPr marL="3886200" indent="-228600" algn="l" rtl="0" fontAlgn="base">
-              <a:spcBef>
-                <a:spcPct val="20000"/>
-              </a:spcBef>
-              <a:spcAft>
-                <a:spcPct val="0"/>
-              </a:spcAft>
-              <a:buClr>
-                <a:srgbClr val="0046AD"/>
-              </a:buClr>
-              <a:buFont typeface="Wingdings" charset="0"/>
-              <a:defRPr sz="1200">
-                <a:solidFill>
-                  <a:srgbClr val="000000"/>
-                </a:solidFill>
-                <a:latin typeface="+mn-lt"/>
-                <a:ea typeface="+mn-ea"/>
-              </a:defRPr>
-            </a:lvl9pPr>
-          </a:lstStyle>
-          <a:p>
-            <a:pPr>
-              <a:buClr>
-                <a:srgbClr val="002060"/>
-              </a:buClr>
-              <a:buFont typeface="Arial" panose="020B0604020202020204" pitchFamily="34" charset="0"/>
-              <a:buChar char="•"/>
-              <a:defRPr/>
-            </a:pPr>
-            <a:r>
-              <a:rPr lang="en-US" sz="2000" b="1" kern="0" dirty="0">
-                <a:solidFill>
-                  <a:srgbClr val="002060"/>
-                </a:solidFill>
-              </a:rPr>
-              <a:t>Stepwise forward regression:</a:t>
-            </a:r>
-          </a:p>
-          <a:p>
-            <a:pPr lvl="1">
-              <a:buClr>
-                <a:srgbClr val="002060"/>
-              </a:buClr>
-              <a:buFont typeface="Arial" panose="020B0604020202020204" pitchFamily="34" charset="0"/>
-              <a:buChar char="•"/>
-              <a:defRPr/>
-            </a:pPr>
-            <a:r>
-              <a:rPr lang="en-US" sz="1800" kern="0" dirty="0">
-                <a:solidFill>
-                  <a:srgbClr val="002060"/>
-                </a:solidFill>
-                <a:cs typeface="+mn-cs"/>
-              </a:rPr>
-              <a:t>Create a set of potential predictors</a:t>
-            </a:r>
-          </a:p>
-          <a:p>
-            <a:pPr lvl="1">
-              <a:buClr>
-                <a:srgbClr val="002060"/>
-              </a:buClr>
-              <a:buFont typeface="Arial" panose="020B0604020202020204" pitchFamily="34" charset="0"/>
-              <a:buChar char="•"/>
-              <a:defRPr/>
-            </a:pPr>
-            <a:r>
-              <a:rPr lang="en-US" sz="1800" kern="0" dirty="0">
-                <a:solidFill>
-                  <a:srgbClr val="002060"/>
-                </a:solidFill>
-                <a:cs typeface="+mn-cs"/>
-              </a:rPr>
-              <a:t>One by one create a model with the “best” predictors</a:t>
-            </a:r>
-          </a:p>
-          <a:p>
-            <a:pPr lvl="1">
-              <a:buClr>
-                <a:srgbClr val="002060"/>
-              </a:buClr>
-              <a:buFont typeface="Arial" panose="020B0604020202020204" pitchFamily="34" charset="0"/>
-              <a:buChar char="•"/>
-              <a:defRPr/>
-            </a:pPr>
-            <a:r>
-              <a:rPr lang="en-US" sz="1800" kern="0" dirty="0">
-                <a:solidFill>
-                  <a:srgbClr val="002060"/>
-                </a:solidFill>
-                <a:cs typeface="+mn-cs"/>
-              </a:rPr>
-              <a:t>“Best” predictors are based on statistical criteria (ANOVA or AIC)</a:t>
-            </a:r>
-          </a:p>
-          <a:p>
-            <a:pPr lvl="1">
-              <a:buClr>
-                <a:srgbClr val="002060"/>
-              </a:buClr>
-              <a:buFont typeface="Arial" panose="020B0604020202020204" pitchFamily="34" charset="0"/>
-              <a:buChar char="•"/>
-              <a:defRPr/>
-            </a:pPr>
-            <a:r>
-              <a:rPr lang="en-US" sz="1800" kern="0" dirty="0">
-                <a:solidFill>
-                  <a:srgbClr val="002060"/>
-                </a:solidFill>
-                <a:cs typeface="+mn-cs"/>
-              </a:rPr>
-              <a:t>Progress until the model cannot be improving by adding another predictor</a:t>
-            </a:r>
-          </a:p>
-          <a:p>
-            <a:pPr>
-              <a:buClr>
-                <a:srgbClr val="002060"/>
-              </a:buClr>
-              <a:buFont typeface="Arial" panose="020B0604020202020204" pitchFamily="34" charset="0"/>
-              <a:buChar char="•"/>
-              <a:defRPr/>
-            </a:pPr>
-            <a:r>
-              <a:rPr lang="en-US" sz="2000" b="1" kern="0" dirty="0">
-                <a:solidFill>
-                  <a:srgbClr val="002060"/>
-                </a:solidFill>
-              </a:rPr>
-              <a:t>Stepwise backward regression:</a:t>
-            </a:r>
-          </a:p>
-          <a:p>
-            <a:pPr lvl="1">
-              <a:buClr>
-                <a:srgbClr val="002060"/>
-              </a:buClr>
-              <a:buFont typeface="Arial" panose="020B0604020202020204" pitchFamily="34" charset="0"/>
-              <a:buChar char="•"/>
-              <a:defRPr/>
-            </a:pPr>
-            <a:r>
-              <a:rPr lang="en-US" sz="1800" kern="0" dirty="0">
-                <a:solidFill>
-                  <a:srgbClr val="002060"/>
-                </a:solidFill>
-                <a:cs typeface="+mn-cs"/>
-              </a:rPr>
-              <a:t>Create a full model with all potential predictors</a:t>
-            </a:r>
-          </a:p>
-          <a:p>
-            <a:pPr lvl="1">
-              <a:buClr>
-                <a:srgbClr val="002060"/>
-              </a:buClr>
-              <a:buFont typeface="Arial" panose="020B0604020202020204" pitchFamily="34" charset="0"/>
-              <a:buChar char="•"/>
-              <a:defRPr/>
-            </a:pPr>
-            <a:r>
-              <a:rPr lang="en-US" sz="1800" kern="0" dirty="0">
-                <a:solidFill>
-                  <a:srgbClr val="002060"/>
-                </a:solidFill>
-                <a:cs typeface="+mn-cs"/>
-              </a:rPr>
-              <a:t>One by one remove predictors with “no predictive effect”</a:t>
-            </a:r>
-          </a:p>
-          <a:p>
-            <a:pPr lvl="1">
-              <a:buClr>
-                <a:srgbClr val="002060"/>
-              </a:buClr>
-              <a:buFont typeface="Arial" panose="020B0604020202020204" pitchFamily="34" charset="0"/>
-              <a:buChar char="•"/>
-              <a:defRPr/>
-            </a:pPr>
-            <a:r>
-              <a:rPr lang="en-US" sz="1800" kern="0" dirty="0">
-                <a:solidFill>
-                  <a:srgbClr val="002060"/>
-                </a:solidFill>
-                <a:cs typeface="+mn-cs"/>
-              </a:rPr>
-              <a:t>“No predictive effect” is assessed statistically. </a:t>
-            </a:r>
-          </a:p>
-          <a:p>
-            <a:pPr lvl="1">
-              <a:buClr>
-                <a:srgbClr val="002060"/>
-              </a:buClr>
-              <a:buFont typeface="Arial" panose="020B0604020202020204" pitchFamily="34" charset="0"/>
-              <a:buChar char="•"/>
-              <a:defRPr/>
-            </a:pPr>
-            <a:r>
-              <a:rPr lang="en-US" sz="1800" kern="0" dirty="0">
-                <a:solidFill>
-                  <a:srgbClr val="002060"/>
-                </a:solidFill>
-                <a:cs typeface="+mn-cs"/>
-              </a:rPr>
-              <a:t>Progress until all predictors have a predictive effect.</a:t>
-            </a:r>
-          </a:p>
-          <a:p>
-            <a:pPr>
-              <a:buClr>
-                <a:srgbClr val="002060"/>
-              </a:buClr>
-              <a:buFont typeface="Arial" panose="020B0604020202020204" pitchFamily="34" charset="0"/>
-              <a:buChar char="•"/>
-              <a:defRPr/>
-            </a:pPr>
-            <a:r>
-              <a:rPr lang="en-US" sz="2000" b="1" kern="0" dirty="0">
-                <a:solidFill>
-                  <a:srgbClr val="002060"/>
-                </a:solidFill>
-              </a:rPr>
-              <a:t>Stepwise regression</a:t>
-            </a:r>
-          </a:p>
-          <a:p>
-            <a:pPr lvl="1">
-              <a:buClr>
-                <a:srgbClr val="002060"/>
-              </a:buClr>
-              <a:buFont typeface="Arial" panose="020B0604020202020204" pitchFamily="34" charset="0"/>
-              <a:buChar char="•"/>
-              <a:defRPr/>
-            </a:pPr>
-            <a:r>
-              <a:rPr lang="en-US" sz="1800" kern="0" dirty="0">
-                <a:solidFill>
-                  <a:srgbClr val="002060"/>
-                </a:solidFill>
-                <a:cs typeface="+mn-cs"/>
-              </a:rPr>
-              <a:t>Combination of stepwise forward and backward regression</a:t>
-            </a:r>
-            <a:endParaRPr lang="en-CA" sz="1800" kern="0" dirty="0">
-              <a:solidFill>
-                <a:srgbClr val="002060"/>
-              </a:solidFill>
-              <a:cs typeface="+mn-cs"/>
-            </a:endParaRPr>
-          </a:p>
-        </p:txBody>
-      </p:sp>
-      <p:sp>
-        <p:nvSpPr>
-          <p:cNvPr id="3" name="Title 1">
-            <a:extLst>
-              <a:ext uri="{FF2B5EF4-FFF2-40B4-BE49-F238E27FC236}">
-                <a16:creationId xmlns:a16="http://schemas.microsoft.com/office/drawing/2014/main" id="{39215624-9FF5-460F-803B-8FB6BCB8FB87}"/>
-              </a:ext>
-            </a:extLst>
-          </p:cNvPr>
-          <p:cNvSpPr txBox="1">
-            <a:spLocks/>
-          </p:cNvSpPr>
-          <p:nvPr/>
-        </p:nvSpPr>
-        <p:spPr>
-          <a:xfrm>
-            <a:off x="457200" y="762000"/>
-            <a:ext cx="7543800" cy="533400"/>
-          </a:xfrm>
-          <a:prstGeom prst="rect">
-            <a:avLst/>
-          </a:prstGeom>
-        </p:spPr>
-        <p:txBody>
-          <a:bodyPr/>
-          <a:lstStyle>
-            <a:lvl1pPr algn="l" rtl="0" eaLnBrk="0" fontAlgn="base" hangingPunct="0">
-              <a:spcBef>
-                <a:spcPct val="0"/>
-              </a:spcBef>
-              <a:spcAft>
-                <a:spcPct val="0"/>
-              </a:spcAft>
-              <a:defRPr sz="2500" b="1">
-                <a:solidFill>
-                  <a:srgbClr val="0046AD"/>
-                </a:solidFill>
-                <a:latin typeface="+mj-lt"/>
-                <a:ea typeface="+mj-ea"/>
-                <a:cs typeface="ヒラギノ角ゴ Pro W3" charset="0"/>
-              </a:defRPr>
-            </a:lvl1pPr>
-            <a:lvl2pPr algn="l" rtl="0" eaLnBrk="0" fontAlgn="base" hangingPunct="0">
-              <a:spcBef>
-                <a:spcPct val="0"/>
-              </a:spcBef>
-              <a:spcAft>
-                <a:spcPct val="0"/>
-              </a:spcAft>
-              <a:defRPr sz="2500" b="1">
-                <a:solidFill>
-                  <a:srgbClr val="0046AD"/>
-                </a:solidFill>
-                <a:latin typeface="Arial" charset="0"/>
-                <a:ea typeface="ヒラギノ角ゴ Pro W3" charset="0"/>
-                <a:cs typeface="ヒラギノ角ゴ Pro W3" charset="0"/>
-              </a:defRPr>
-            </a:lvl2pPr>
-            <a:lvl3pPr algn="l" rtl="0" eaLnBrk="0" fontAlgn="base" hangingPunct="0">
-              <a:spcBef>
-                <a:spcPct val="0"/>
-              </a:spcBef>
-              <a:spcAft>
-                <a:spcPct val="0"/>
-              </a:spcAft>
-              <a:defRPr sz="2500" b="1">
-                <a:solidFill>
-                  <a:srgbClr val="0046AD"/>
-                </a:solidFill>
-                <a:latin typeface="Arial" charset="0"/>
-                <a:ea typeface="ヒラギノ角ゴ Pro W3" charset="0"/>
-                <a:cs typeface="ヒラギノ角ゴ Pro W3" charset="0"/>
-              </a:defRPr>
-            </a:lvl3pPr>
-            <a:lvl4pPr algn="l" rtl="0" eaLnBrk="0" fontAlgn="base" hangingPunct="0">
-              <a:spcBef>
-                <a:spcPct val="0"/>
-              </a:spcBef>
-              <a:spcAft>
-                <a:spcPct val="0"/>
-              </a:spcAft>
-              <a:defRPr sz="2500" b="1">
-                <a:solidFill>
-                  <a:srgbClr val="0046AD"/>
-                </a:solidFill>
-                <a:latin typeface="Arial" charset="0"/>
-                <a:ea typeface="ヒラギノ角ゴ Pro W3" charset="0"/>
-                <a:cs typeface="ヒラギノ角ゴ Pro W3" charset="0"/>
-              </a:defRPr>
-            </a:lvl4pPr>
-            <a:lvl5pPr algn="l" rtl="0" eaLnBrk="0" fontAlgn="base" hangingPunct="0">
-              <a:spcBef>
-                <a:spcPct val="0"/>
-              </a:spcBef>
-              <a:spcAft>
-                <a:spcPct val="0"/>
-              </a:spcAft>
-              <a:defRPr sz="2500" b="1">
-                <a:solidFill>
-                  <a:srgbClr val="0046AD"/>
-                </a:solidFill>
-                <a:latin typeface="Arial" charset="0"/>
-                <a:ea typeface="ヒラギノ角ゴ Pro W3" charset="0"/>
-                <a:cs typeface="ヒラギノ角ゴ Pro W3" charset="0"/>
-              </a:defRPr>
-            </a:lvl5pPr>
-            <a:lvl6pPr marL="457200" algn="l" rtl="0" fontAlgn="base">
-              <a:spcBef>
-                <a:spcPct val="0"/>
-              </a:spcBef>
-              <a:spcAft>
-                <a:spcPct val="0"/>
-              </a:spcAft>
-              <a:defRPr sz="2500" b="1">
-                <a:solidFill>
-                  <a:srgbClr val="0046AD"/>
-                </a:solidFill>
-                <a:latin typeface="Arial" charset="0"/>
-                <a:ea typeface="ヒラギノ角ゴ Pro W3" charset="0"/>
-              </a:defRPr>
-            </a:lvl6pPr>
-            <a:lvl7pPr marL="914400" algn="l" rtl="0" fontAlgn="base">
-              <a:spcBef>
-                <a:spcPct val="0"/>
-              </a:spcBef>
-              <a:spcAft>
-                <a:spcPct val="0"/>
-              </a:spcAft>
-              <a:defRPr sz="2500" b="1">
-                <a:solidFill>
-                  <a:srgbClr val="0046AD"/>
-                </a:solidFill>
-                <a:latin typeface="Arial" charset="0"/>
-                <a:ea typeface="ヒラギノ角ゴ Pro W3" charset="0"/>
-              </a:defRPr>
-            </a:lvl7pPr>
-            <a:lvl8pPr marL="1371600" algn="l" rtl="0" fontAlgn="base">
-              <a:spcBef>
-                <a:spcPct val="0"/>
-              </a:spcBef>
-              <a:spcAft>
-                <a:spcPct val="0"/>
-              </a:spcAft>
-              <a:defRPr sz="2500" b="1">
-                <a:solidFill>
-                  <a:srgbClr val="0046AD"/>
-                </a:solidFill>
-                <a:latin typeface="Arial" charset="0"/>
-                <a:ea typeface="ヒラギノ角ゴ Pro W3" charset="0"/>
-              </a:defRPr>
-            </a:lvl8pPr>
-            <a:lvl9pPr marL="1828800" algn="l" rtl="0" fontAlgn="base">
-              <a:spcBef>
-                <a:spcPct val="0"/>
-              </a:spcBef>
-              <a:spcAft>
-                <a:spcPct val="0"/>
-              </a:spcAft>
-              <a:defRPr sz="2500" b="1">
-                <a:solidFill>
-                  <a:srgbClr val="0046AD"/>
-                </a:solidFill>
-                <a:latin typeface="Arial" charset="0"/>
-                <a:ea typeface="ヒラギノ角ゴ Pro W3" charset="0"/>
-              </a:defRPr>
-            </a:lvl9pPr>
-          </a:lstStyle>
-          <a:p>
-            <a:pPr>
-              <a:defRPr/>
-            </a:pPr>
-            <a:r>
-              <a:rPr lang="en-US" kern="0" dirty="0"/>
-              <a:t>Variable Selection: Stepwise Methods</a:t>
-            </a:r>
-            <a:endParaRPr lang="en-CA" kern="0" dirty="0"/>
-          </a:p>
-        </p:txBody>
-      </p:sp>
-    </p:spTree>
-  </p:cSld>
-  <p:clrMapOvr>
-    <a:masterClrMapping/>
-  </p:clrMapOvr>
-</p:sld>
-</file>
-
-<file path=ppt/slides/slide21.xml><?xml version="1.0" encoding="utf-8"?>
-<p:sld xmlns:a="http://schemas.openxmlformats.org/drawingml/2006/main" xmlns:r="http://schemas.openxmlformats.org/officeDocument/2006/relationships" xmlns:p="http://schemas.openxmlformats.org/presentationml/2006/main">
-  <p:cSld>
-    <p:spTree>
-      <p:nvGrpSpPr>
-        <p:cNvPr id="1" name=""/>
-        <p:cNvGrpSpPr/>
-        <p:nvPr/>
-      </p:nvGrpSpPr>
-      <p:grpSpPr>
-        <a:xfrm>
-          <a:off x="0" y="0"/>
-          <a:ext cx="0" cy="0"/>
-          <a:chOff x="0" y="0"/>
-          <a:chExt cx="0" cy="0"/>
-        </a:xfrm>
-      </p:grpSpPr>
-      <p:sp>
-        <p:nvSpPr>
-          <p:cNvPr id="3" name="Title 1">
-            <a:extLst>
-              <a:ext uri="{FF2B5EF4-FFF2-40B4-BE49-F238E27FC236}">
-                <a16:creationId xmlns:a16="http://schemas.microsoft.com/office/drawing/2014/main" id="{39215624-9FF5-460F-803B-8FB6BCB8FB87}"/>
-              </a:ext>
-            </a:extLst>
-          </p:cNvPr>
-          <p:cNvSpPr txBox="1">
-            <a:spLocks/>
-          </p:cNvSpPr>
-          <p:nvPr/>
-        </p:nvSpPr>
-        <p:spPr>
-          <a:xfrm>
-            <a:off x="457200" y="762000"/>
-            <a:ext cx="7543800" cy="533400"/>
-          </a:xfrm>
-          <a:prstGeom prst="rect">
-            <a:avLst/>
-          </a:prstGeom>
-        </p:spPr>
-        <p:txBody>
-          <a:bodyPr/>
-          <a:lstStyle>
-            <a:lvl1pPr algn="l" rtl="0" eaLnBrk="0" fontAlgn="base" hangingPunct="0">
-              <a:spcBef>
-                <a:spcPct val="0"/>
-              </a:spcBef>
-              <a:spcAft>
-                <a:spcPct val="0"/>
-              </a:spcAft>
-              <a:defRPr sz="2500" b="1">
-                <a:solidFill>
-                  <a:srgbClr val="0046AD"/>
-                </a:solidFill>
-                <a:latin typeface="+mj-lt"/>
-                <a:ea typeface="+mj-ea"/>
-                <a:cs typeface="ヒラギノ角ゴ Pro W3" charset="0"/>
-              </a:defRPr>
-            </a:lvl1pPr>
-            <a:lvl2pPr algn="l" rtl="0" eaLnBrk="0" fontAlgn="base" hangingPunct="0">
-              <a:spcBef>
-                <a:spcPct val="0"/>
-              </a:spcBef>
-              <a:spcAft>
-                <a:spcPct val="0"/>
-              </a:spcAft>
-              <a:defRPr sz="2500" b="1">
-                <a:solidFill>
-                  <a:srgbClr val="0046AD"/>
-                </a:solidFill>
-                <a:latin typeface="Arial" charset="0"/>
-                <a:ea typeface="ヒラギノ角ゴ Pro W3" charset="0"/>
-                <a:cs typeface="ヒラギノ角ゴ Pro W3" charset="0"/>
-              </a:defRPr>
-            </a:lvl2pPr>
-            <a:lvl3pPr algn="l" rtl="0" eaLnBrk="0" fontAlgn="base" hangingPunct="0">
-              <a:spcBef>
-                <a:spcPct val="0"/>
-              </a:spcBef>
-              <a:spcAft>
-                <a:spcPct val="0"/>
-              </a:spcAft>
-              <a:defRPr sz="2500" b="1">
-                <a:solidFill>
-                  <a:srgbClr val="0046AD"/>
-                </a:solidFill>
-                <a:latin typeface="Arial" charset="0"/>
-                <a:ea typeface="ヒラギノ角ゴ Pro W3" charset="0"/>
-                <a:cs typeface="ヒラギノ角ゴ Pro W3" charset="0"/>
-              </a:defRPr>
-            </a:lvl3pPr>
-            <a:lvl4pPr algn="l" rtl="0" eaLnBrk="0" fontAlgn="base" hangingPunct="0">
-              <a:spcBef>
-                <a:spcPct val="0"/>
-              </a:spcBef>
-              <a:spcAft>
-                <a:spcPct val="0"/>
-              </a:spcAft>
-              <a:defRPr sz="2500" b="1">
-                <a:solidFill>
-                  <a:srgbClr val="0046AD"/>
-                </a:solidFill>
-                <a:latin typeface="Arial" charset="0"/>
-                <a:ea typeface="ヒラギノ角ゴ Pro W3" charset="0"/>
-                <a:cs typeface="ヒラギノ角ゴ Pro W3" charset="0"/>
-              </a:defRPr>
-            </a:lvl4pPr>
-            <a:lvl5pPr algn="l" rtl="0" eaLnBrk="0" fontAlgn="base" hangingPunct="0">
-              <a:spcBef>
-                <a:spcPct val="0"/>
-              </a:spcBef>
-              <a:spcAft>
-                <a:spcPct val="0"/>
-              </a:spcAft>
-              <a:defRPr sz="2500" b="1">
-                <a:solidFill>
-                  <a:srgbClr val="0046AD"/>
-                </a:solidFill>
-                <a:latin typeface="Arial" charset="0"/>
-                <a:ea typeface="ヒラギノ角ゴ Pro W3" charset="0"/>
-                <a:cs typeface="ヒラギノ角ゴ Pro W3" charset="0"/>
-              </a:defRPr>
-            </a:lvl5pPr>
-            <a:lvl6pPr marL="457200" algn="l" rtl="0" fontAlgn="base">
-              <a:spcBef>
-                <a:spcPct val="0"/>
-              </a:spcBef>
-              <a:spcAft>
-                <a:spcPct val="0"/>
-              </a:spcAft>
-              <a:defRPr sz="2500" b="1">
-                <a:solidFill>
-                  <a:srgbClr val="0046AD"/>
-                </a:solidFill>
-                <a:latin typeface="Arial" charset="0"/>
-                <a:ea typeface="ヒラギノ角ゴ Pro W3" charset="0"/>
-              </a:defRPr>
-            </a:lvl6pPr>
-            <a:lvl7pPr marL="914400" algn="l" rtl="0" fontAlgn="base">
-              <a:spcBef>
-                <a:spcPct val="0"/>
-              </a:spcBef>
-              <a:spcAft>
-                <a:spcPct val="0"/>
-              </a:spcAft>
-              <a:defRPr sz="2500" b="1">
-                <a:solidFill>
-                  <a:srgbClr val="0046AD"/>
-                </a:solidFill>
-                <a:latin typeface="Arial" charset="0"/>
-                <a:ea typeface="ヒラギノ角ゴ Pro W3" charset="0"/>
-              </a:defRPr>
-            </a:lvl7pPr>
-            <a:lvl8pPr marL="1371600" algn="l" rtl="0" fontAlgn="base">
-              <a:spcBef>
-                <a:spcPct val="0"/>
-              </a:spcBef>
-              <a:spcAft>
-                <a:spcPct val="0"/>
-              </a:spcAft>
-              <a:defRPr sz="2500" b="1">
-                <a:solidFill>
-                  <a:srgbClr val="0046AD"/>
-                </a:solidFill>
-                <a:latin typeface="Arial" charset="0"/>
-                <a:ea typeface="ヒラギノ角ゴ Pro W3" charset="0"/>
-              </a:defRPr>
-            </a:lvl8pPr>
-            <a:lvl9pPr marL="1828800" algn="l" rtl="0" fontAlgn="base">
-              <a:spcBef>
-                <a:spcPct val="0"/>
-              </a:spcBef>
-              <a:spcAft>
-                <a:spcPct val="0"/>
-              </a:spcAft>
-              <a:defRPr sz="2500" b="1">
-                <a:solidFill>
-                  <a:srgbClr val="0046AD"/>
-                </a:solidFill>
-                <a:latin typeface="Arial" charset="0"/>
-                <a:ea typeface="ヒラギノ角ゴ Pro W3" charset="0"/>
-              </a:defRPr>
-            </a:lvl9pPr>
-          </a:lstStyle>
-          <a:p>
-            <a:pPr>
-              <a:defRPr/>
-            </a:pPr>
-            <a:r>
-              <a:rPr lang="en-US" kern="0" dirty="0"/>
-              <a:t>Variable Selection: Suggestions</a:t>
-            </a:r>
-            <a:endParaRPr lang="en-CA" kern="0" dirty="0"/>
-          </a:p>
-        </p:txBody>
-      </p:sp>
-      <p:sp>
-        <p:nvSpPr>
-          <p:cNvPr id="4" name="Content Placeholder 2">
-            <a:extLst>
-              <a:ext uri="{FF2B5EF4-FFF2-40B4-BE49-F238E27FC236}">
-                <a16:creationId xmlns:a16="http://schemas.microsoft.com/office/drawing/2014/main" id="{95EA56D7-3F9C-4BC3-A083-2E5062E55F93}"/>
-              </a:ext>
-            </a:extLst>
-          </p:cNvPr>
-          <p:cNvSpPr txBox="1">
-            <a:spLocks/>
-          </p:cNvSpPr>
-          <p:nvPr/>
-        </p:nvSpPr>
-        <p:spPr>
-          <a:xfrm>
-            <a:off x="466725" y="1905000"/>
-            <a:ext cx="7991475" cy="3736975"/>
-          </a:xfrm>
-          <a:prstGeom prst="rect">
-            <a:avLst/>
-          </a:prstGeom>
-        </p:spPr>
-        <p:txBody>
-          <a:bodyPr/>
-          <a:lstStyle>
-            <a:lvl1pPr marL="342900" indent="-342900" algn="l" rtl="0" eaLnBrk="0" fontAlgn="base" hangingPunct="0">
-              <a:lnSpc>
-                <a:spcPct val="120000"/>
-              </a:lnSpc>
-              <a:spcBef>
-                <a:spcPct val="0"/>
-              </a:spcBef>
-              <a:spcAft>
-                <a:spcPct val="0"/>
-              </a:spcAft>
-              <a:buClr>
-                <a:schemeClr val="hlink"/>
-              </a:buClr>
-              <a:buFont typeface="Wingdings" panose="05000000000000000000" pitchFamily="2" charset="2"/>
-              <a:defRPr sz="1400">
-                <a:solidFill>
-                  <a:srgbClr val="000000"/>
-                </a:solidFill>
-                <a:latin typeface="+mn-lt"/>
-                <a:ea typeface="+mn-ea"/>
-                <a:cs typeface="ヒラギノ角ゴ Pro W3" charset="0"/>
-              </a:defRPr>
-            </a:lvl1pPr>
-            <a:lvl2pPr marL="742950" indent="-285750" algn="l" rtl="0" eaLnBrk="0" fontAlgn="base" hangingPunct="0">
-              <a:spcBef>
-                <a:spcPct val="20000"/>
-              </a:spcBef>
-              <a:spcAft>
-                <a:spcPct val="0"/>
-              </a:spcAft>
-              <a:buClr>
-                <a:srgbClr val="0046AD"/>
-              </a:buClr>
-              <a:buFont typeface="Wingdings" panose="05000000000000000000" pitchFamily="2" charset="2"/>
-              <a:defRPr sz="1200">
-                <a:solidFill>
-                  <a:srgbClr val="0046AD"/>
-                </a:solidFill>
-                <a:latin typeface="+mn-lt"/>
-                <a:ea typeface="+mn-ea"/>
-              </a:defRPr>
-            </a:lvl2pPr>
-            <a:lvl3pPr marL="1143000" indent="-228600" algn="l" rtl="0" eaLnBrk="0" fontAlgn="base" hangingPunct="0">
-              <a:spcBef>
-                <a:spcPct val="20000"/>
-              </a:spcBef>
-              <a:spcAft>
-                <a:spcPct val="0"/>
-              </a:spcAft>
-              <a:buClr>
-                <a:srgbClr val="0046AD"/>
-              </a:buClr>
-              <a:buFont typeface="Wingdings" panose="05000000000000000000" pitchFamily="2" charset="2"/>
-              <a:defRPr sz="1200">
-                <a:solidFill>
-                  <a:srgbClr val="000000"/>
-                </a:solidFill>
-                <a:latin typeface="+mn-lt"/>
-                <a:ea typeface="+mn-ea"/>
-              </a:defRPr>
-            </a:lvl3pPr>
-            <a:lvl4pPr marL="1600200" indent="-228600" algn="l" rtl="0" eaLnBrk="0" fontAlgn="base" hangingPunct="0">
-              <a:spcBef>
-                <a:spcPct val="20000"/>
-              </a:spcBef>
-              <a:spcAft>
-                <a:spcPct val="0"/>
-              </a:spcAft>
-              <a:buClr>
-                <a:srgbClr val="0046AD"/>
-              </a:buClr>
-              <a:buFont typeface="Wingdings" panose="05000000000000000000" pitchFamily="2" charset="2"/>
-              <a:defRPr sz="1200">
-                <a:solidFill>
-                  <a:srgbClr val="0046AD"/>
-                </a:solidFill>
-                <a:latin typeface="+mn-lt"/>
-                <a:ea typeface="+mn-ea"/>
-              </a:defRPr>
-            </a:lvl4pPr>
-            <a:lvl5pPr marL="2057400" indent="-228600" algn="l" rtl="0" eaLnBrk="0" fontAlgn="base" hangingPunct="0">
-              <a:spcBef>
-                <a:spcPct val="20000"/>
-              </a:spcBef>
-              <a:spcAft>
-                <a:spcPct val="0"/>
-              </a:spcAft>
-              <a:buClr>
-                <a:srgbClr val="0046AD"/>
-              </a:buClr>
-              <a:buFont typeface="Wingdings" panose="05000000000000000000" pitchFamily="2" charset="2"/>
-              <a:defRPr sz="1200">
-                <a:solidFill>
-                  <a:srgbClr val="000000"/>
-                </a:solidFill>
-                <a:latin typeface="+mn-lt"/>
-                <a:ea typeface="+mn-ea"/>
-              </a:defRPr>
-            </a:lvl5pPr>
-            <a:lvl6pPr marL="2514600" indent="-228600" algn="l" rtl="0" fontAlgn="base">
-              <a:spcBef>
-                <a:spcPct val="20000"/>
-              </a:spcBef>
-              <a:spcAft>
-                <a:spcPct val="0"/>
-              </a:spcAft>
-              <a:buClr>
-                <a:srgbClr val="0046AD"/>
-              </a:buClr>
-              <a:buFont typeface="Wingdings" charset="0"/>
-              <a:defRPr sz="1200">
-                <a:solidFill>
-                  <a:srgbClr val="000000"/>
-                </a:solidFill>
-                <a:latin typeface="+mn-lt"/>
-                <a:ea typeface="+mn-ea"/>
-              </a:defRPr>
-            </a:lvl6pPr>
-            <a:lvl7pPr marL="2971800" indent="-228600" algn="l" rtl="0" fontAlgn="base">
-              <a:spcBef>
-                <a:spcPct val="20000"/>
-              </a:spcBef>
-              <a:spcAft>
-                <a:spcPct val="0"/>
-              </a:spcAft>
-              <a:buClr>
-                <a:srgbClr val="0046AD"/>
-              </a:buClr>
-              <a:buFont typeface="Wingdings" charset="0"/>
-              <a:defRPr sz="1200">
-                <a:solidFill>
-                  <a:srgbClr val="000000"/>
-                </a:solidFill>
-                <a:latin typeface="+mn-lt"/>
-                <a:ea typeface="+mn-ea"/>
-              </a:defRPr>
-            </a:lvl7pPr>
-            <a:lvl8pPr marL="3429000" indent="-228600" algn="l" rtl="0" fontAlgn="base">
-              <a:spcBef>
-                <a:spcPct val="20000"/>
-              </a:spcBef>
-              <a:spcAft>
-                <a:spcPct val="0"/>
-              </a:spcAft>
-              <a:buClr>
-                <a:srgbClr val="0046AD"/>
-              </a:buClr>
-              <a:buFont typeface="Wingdings" charset="0"/>
-              <a:defRPr sz="1200">
-                <a:solidFill>
-                  <a:srgbClr val="000000"/>
-                </a:solidFill>
-                <a:latin typeface="+mn-lt"/>
-                <a:ea typeface="+mn-ea"/>
-              </a:defRPr>
-            </a:lvl8pPr>
-            <a:lvl9pPr marL="3886200" indent="-228600" algn="l" rtl="0" fontAlgn="base">
-              <a:spcBef>
-                <a:spcPct val="20000"/>
-              </a:spcBef>
-              <a:spcAft>
-                <a:spcPct val="0"/>
-              </a:spcAft>
-              <a:buClr>
-                <a:srgbClr val="0046AD"/>
-              </a:buClr>
-              <a:buFont typeface="Wingdings" charset="0"/>
-              <a:defRPr sz="1200">
-                <a:solidFill>
-                  <a:srgbClr val="000000"/>
-                </a:solidFill>
-                <a:latin typeface="+mn-lt"/>
-                <a:ea typeface="+mn-ea"/>
-              </a:defRPr>
-            </a:lvl9pPr>
-          </a:lstStyle>
-          <a:p>
-            <a:pPr>
-              <a:buClr>
-                <a:srgbClr val="002060"/>
-              </a:buClr>
-              <a:buFont typeface="Arial" panose="020B0604020202020204" pitchFamily="34" charset="0"/>
-              <a:buChar char="•"/>
-              <a:defRPr/>
-            </a:pPr>
-            <a:r>
-              <a:rPr lang="en-US" sz="2400" kern="0" dirty="0">
-                <a:solidFill>
-                  <a:srgbClr val="002060"/>
-                </a:solidFill>
-              </a:rPr>
-              <a:t>Stepwise regression has been criticized. </a:t>
-            </a:r>
-          </a:p>
-          <a:p>
-            <a:pPr>
-              <a:buClr>
-                <a:srgbClr val="002060"/>
-              </a:buClr>
-              <a:buFont typeface="Arial" panose="020B0604020202020204" pitchFamily="34" charset="0"/>
-              <a:buChar char="•"/>
-              <a:defRPr/>
-            </a:pPr>
-            <a:r>
-              <a:rPr lang="en-US" sz="2400" kern="0" dirty="0">
-                <a:solidFill>
-                  <a:srgbClr val="002060"/>
-                </a:solidFill>
-              </a:rPr>
-              <a:t>Variable selection methods should take into account:</a:t>
-            </a:r>
-          </a:p>
-          <a:p>
-            <a:pPr lvl="1">
-              <a:buClr>
-                <a:srgbClr val="002060"/>
-              </a:buClr>
-              <a:buFont typeface="Arial" panose="020B0604020202020204" pitchFamily="34" charset="0"/>
-              <a:buChar char="•"/>
-              <a:defRPr/>
-            </a:pPr>
-            <a:r>
-              <a:rPr lang="en-US" sz="2000" kern="0" dirty="0">
-                <a:solidFill>
-                  <a:srgbClr val="002060"/>
-                </a:solidFill>
-                <a:cs typeface="+mn-cs"/>
-              </a:rPr>
-              <a:t>Your research question</a:t>
-            </a:r>
-          </a:p>
-          <a:p>
-            <a:pPr lvl="1">
-              <a:buClr>
-                <a:srgbClr val="002060"/>
-              </a:buClr>
-              <a:buFont typeface="Arial" panose="020B0604020202020204" pitchFamily="34" charset="0"/>
-              <a:buChar char="•"/>
-              <a:defRPr/>
-            </a:pPr>
-            <a:r>
-              <a:rPr lang="en-US" sz="2000" kern="0" dirty="0">
-                <a:solidFill>
-                  <a:srgbClr val="002060"/>
-                </a:solidFill>
-                <a:cs typeface="+mn-cs"/>
-              </a:rPr>
-              <a:t>The background of your study</a:t>
-            </a:r>
-          </a:p>
-          <a:p>
-            <a:pPr lvl="1">
-              <a:buClr>
-                <a:srgbClr val="002060"/>
-              </a:buClr>
-              <a:buFont typeface="Arial" panose="020B0604020202020204" pitchFamily="34" charset="0"/>
-              <a:buChar char="•"/>
-              <a:defRPr/>
-            </a:pPr>
-            <a:r>
-              <a:rPr lang="en-US" sz="2000" kern="0" dirty="0">
-                <a:solidFill>
-                  <a:srgbClr val="002060"/>
-                </a:solidFill>
-                <a:cs typeface="+mn-cs"/>
-              </a:rPr>
-              <a:t>Your study design</a:t>
-            </a:r>
-          </a:p>
-          <a:p>
-            <a:pPr lvl="1">
-              <a:buClr>
-                <a:srgbClr val="002060"/>
-              </a:buClr>
-              <a:buFont typeface="Arial" panose="020B0604020202020204" pitchFamily="34" charset="0"/>
-              <a:buChar char="•"/>
-              <a:defRPr/>
-            </a:pPr>
-            <a:r>
-              <a:rPr lang="en-US" sz="2000" kern="0" dirty="0">
-                <a:solidFill>
-                  <a:srgbClr val="002060"/>
-                </a:solidFill>
-                <a:cs typeface="+mn-cs"/>
-              </a:rPr>
-              <a:t>The structure of your dataset</a:t>
-            </a:r>
-          </a:p>
-          <a:p>
-            <a:pPr lvl="1">
-              <a:buClr>
-                <a:srgbClr val="002060"/>
-              </a:buClr>
-              <a:buFont typeface="Arial" panose="020B0604020202020204" pitchFamily="34" charset="0"/>
-              <a:buChar char="•"/>
-              <a:defRPr/>
-            </a:pPr>
-            <a:r>
-              <a:rPr lang="en-US" sz="2000" kern="0" dirty="0">
-                <a:solidFill>
-                  <a:srgbClr val="002060"/>
-                </a:solidFill>
-                <a:cs typeface="+mn-cs"/>
-              </a:rPr>
-              <a:t>The variables in your dataset</a:t>
-            </a:r>
-          </a:p>
-          <a:p>
-            <a:pPr lvl="1">
-              <a:buClr>
-                <a:srgbClr val="002060"/>
-              </a:buClr>
-              <a:buFont typeface="Arial" panose="020B0604020202020204" pitchFamily="34" charset="0"/>
-              <a:buChar char="•"/>
-              <a:defRPr/>
-            </a:pPr>
-            <a:r>
-              <a:rPr lang="en-US" sz="2000" kern="0" dirty="0">
-                <a:solidFill>
-                  <a:srgbClr val="002060"/>
-                </a:solidFill>
-                <a:cs typeface="+mn-cs"/>
-              </a:rPr>
-              <a:t>The (clinical) literature</a:t>
-            </a:r>
-          </a:p>
-          <a:p>
-            <a:pPr>
-              <a:defRPr/>
-            </a:pPr>
-            <a:endParaRPr lang="en-CA" kern="0" dirty="0"/>
-          </a:p>
-        </p:txBody>
-      </p:sp>
-    </p:spTree>
-  </p:cSld>
-  <p:clrMapOvr>
-    <a:masterClrMapping/>
-  </p:clrMapOvr>
-</p:sld>
-</file>
-
-<file path=ppt/slides/slide22.xml><?xml version="1.0" encoding="utf-8"?>
-<p:sld xmlns:a="http://schemas.openxmlformats.org/drawingml/2006/main" xmlns:r="http://schemas.openxmlformats.org/officeDocument/2006/relationships" xmlns:p="http://schemas.openxmlformats.org/presentationml/2006/main">
-  <p:cSld>
-    <p:spTree>
-      <p:nvGrpSpPr>
-        <p:cNvPr id="1" name=""/>
-        <p:cNvGrpSpPr/>
-        <p:nvPr/>
-      </p:nvGrpSpPr>
-      <p:grpSpPr>
-        <a:xfrm>
-          <a:off x="0" y="0"/>
-          <a:ext cx="0" cy="0"/>
-          <a:chOff x="0" y="0"/>
-          <a:chExt cx="0" cy="0"/>
-        </a:xfrm>
-      </p:grpSpPr>
-      <p:sp>
-        <p:nvSpPr>
-          <p:cNvPr id="3" name="Title 1">
-            <a:extLst>
-              <a:ext uri="{FF2B5EF4-FFF2-40B4-BE49-F238E27FC236}">
-                <a16:creationId xmlns:a16="http://schemas.microsoft.com/office/drawing/2014/main" id="{39215624-9FF5-460F-803B-8FB6BCB8FB87}"/>
-              </a:ext>
-            </a:extLst>
-          </p:cNvPr>
-          <p:cNvSpPr txBox="1">
-            <a:spLocks/>
-          </p:cNvSpPr>
-          <p:nvPr/>
-        </p:nvSpPr>
-        <p:spPr>
-          <a:xfrm>
-            <a:off x="457200" y="762000"/>
-            <a:ext cx="7543800" cy="533400"/>
-          </a:xfrm>
-          <a:prstGeom prst="rect">
-            <a:avLst/>
-          </a:prstGeom>
-        </p:spPr>
-        <p:txBody>
-          <a:bodyPr/>
-          <a:lstStyle>
-            <a:lvl1pPr algn="l" rtl="0" eaLnBrk="0" fontAlgn="base" hangingPunct="0">
-              <a:spcBef>
-                <a:spcPct val="0"/>
-              </a:spcBef>
-              <a:spcAft>
-                <a:spcPct val="0"/>
-              </a:spcAft>
-              <a:defRPr sz="2500" b="1">
-                <a:solidFill>
-                  <a:srgbClr val="0046AD"/>
-                </a:solidFill>
-                <a:latin typeface="+mj-lt"/>
-                <a:ea typeface="+mj-ea"/>
-                <a:cs typeface="ヒラギノ角ゴ Pro W3" charset="0"/>
-              </a:defRPr>
-            </a:lvl1pPr>
-            <a:lvl2pPr algn="l" rtl="0" eaLnBrk="0" fontAlgn="base" hangingPunct="0">
-              <a:spcBef>
-                <a:spcPct val="0"/>
-              </a:spcBef>
-              <a:spcAft>
-                <a:spcPct val="0"/>
-              </a:spcAft>
-              <a:defRPr sz="2500" b="1">
-                <a:solidFill>
-                  <a:srgbClr val="0046AD"/>
-                </a:solidFill>
-                <a:latin typeface="Arial" charset="0"/>
-                <a:ea typeface="ヒラギノ角ゴ Pro W3" charset="0"/>
-                <a:cs typeface="ヒラギノ角ゴ Pro W3" charset="0"/>
-              </a:defRPr>
-            </a:lvl2pPr>
-            <a:lvl3pPr algn="l" rtl="0" eaLnBrk="0" fontAlgn="base" hangingPunct="0">
-              <a:spcBef>
-                <a:spcPct val="0"/>
-              </a:spcBef>
-              <a:spcAft>
-                <a:spcPct val="0"/>
-              </a:spcAft>
-              <a:defRPr sz="2500" b="1">
-                <a:solidFill>
-                  <a:srgbClr val="0046AD"/>
-                </a:solidFill>
-                <a:latin typeface="Arial" charset="0"/>
-                <a:ea typeface="ヒラギノ角ゴ Pro W3" charset="0"/>
-                <a:cs typeface="ヒラギノ角ゴ Pro W3" charset="0"/>
-              </a:defRPr>
-            </a:lvl3pPr>
-            <a:lvl4pPr algn="l" rtl="0" eaLnBrk="0" fontAlgn="base" hangingPunct="0">
-              <a:spcBef>
-                <a:spcPct val="0"/>
-              </a:spcBef>
-              <a:spcAft>
-                <a:spcPct val="0"/>
-              </a:spcAft>
-              <a:defRPr sz="2500" b="1">
-                <a:solidFill>
-                  <a:srgbClr val="0046AD"/>
-                </a:solidFill>
-                <a:latin typeface="Arial" charset="0"/>
-                <a:ea typeface="ヒラギノ角ゴ Pro W3" charset="0"/>
-                <a:cs typeface="ヒラギノ角ゴ Pro W3" charset="0"/>
-              </a:defRPr>
-            </a:lvl4pPr>
-            <a:lvl5pPr algn="l" rtl="0" eaLnBrk="0" fontAlgn="base" hangingPunct="0">
-              <a:spcBef>
-                <a:spcPct val="0"/>
-              </a:spcBef>
-              <a:spcAft>
-                <a:spcPct val="0"/>
-              </a:spcAft>
-              <a:defRPr sz="2500" b="1">
-                <a:solidFill>
-                  <a:srgbClr val="0046AD"/>
-                </a:solidFill>
-                <a:latin typeface="Arial" charset="0"/>
-                <a:ea typeface="ヒラギノ角ゴ Pro W3" charset="0"/>
-                <a:cs typeface="ヒラギノ角ゴ Pro W3" charset="0"/>
-              </a:defRPr>
-            </a:lvl5pPr>
-            <a:lvl6pPr marL="457200" algn="l" rtl="0" fontAlgn="base">
-              <a:spcBef>
-                <a:spcPct val="0"/>
-              </a:spcBef>
-              <a:spcAft>
-                <a:spcPct val="0"/>
-              </a:spcAft>
-              <a:defRPr sz="2500" b="1">
-                <a:solidFill>
-                  <a:srgbClr val="0046AD"/>
-                </a:solidFill>
-                <a:latin typeface="Arial" charset="0"/>
-                <a:ea typeface="ヒラギノ角ゴ Pro W3" charset="0"/>
-              </a:defRPr>
-            </a:lvl6pPr>
-            <a:lvl7pPr marL="914400" algn="l" rtl="0" fontAlgn="base">
-              <a:spcBef>
-                <a:spcPct val="0"/>
-              </a:spcBef>
-              <a:spcAft>
-                <a:spcPct val="0"/>
-              </a:spcAft>
-              <a:defRPr sz="2500" b="1">
-                <a:solidFill>
-                  <a:srgbClr val="0046AD"/>
-                </a:solidFill>
-                <a:latin typeface="Arial" charset="0"/>
-                <a:ea typeface="ヒラギノ角ゴ Pro W3" charset="0"/>
-              </a:defRPr>
-            </a:lvl7pPr>
-            <a:lvl8pPr marL="1371600" algn="l" rtl="0" fontAlgn="base">
-              <a:spcBef>
-                <a:spcPct val="0"/>
-              </a:spcBef>
-              <a:spcAft>
-                <a:spcPct val="0"/>
-              </a:spcAft>
-              <a:defRPr sz="2500" b="1">
-                <a:solidFill>
-                  <a:srgbClr val="0046AD"/>
-                </a:solidFill>
-                <a:latin typeface="Arial" charset="0"/>
-                <a:ea typeface="ヒラギノ角ゴ Pro W3" charset="0"/>
-              </a:defRPr>
-            </a:lvl8pPr>
-            <a:lvl9pPr marL="1828800" algn="l" rtl="0" fontAlgn="base">
-              <a:spcBef>
-                <a:spcPct val="0"/>
-              </a:spcBef>
-              <a:spcAft>
-                <a:spcPct val="0"/>
-              </a:spcAft>
-              <a:defRPr sz="2500" b="1">
-                <a:solidFill>
-                  <a:srgbClr val="0046AD"/>
-                </a:solidFill>
-                <a:latin typeface="Arial" charset="0"/>
-                <a:ea typeface="ヒラギノ角ゴ Pro W3" charset="0"/>
-              </a:defRPr>
-            </a:lvl9pPr>
-          </a:lstStyle>
-          <a:p>
-            <a:pPr>
-              <a:defRPr/>
-            </a:pPr>
-            <a:r>
-              <a:rPr lang="en-US" kern="0" dirty="0"/>
-              <a:t>Multinomial Logistic Regression</a:t>
-            </a:r>
-            <a:endParaRPr lang="en-CA" kern="0" dirty="0"/>
-          </a:p>
-        </p:txBody>
-      </p:sp>
-      <p:sp>
-        <p:nvSpPr>
-          <p:cNvPr id="4" name="Content Placeholder 2">
-            <a:extLst>
-              <a:ext uri="{FF2B5EF4-FFF2-40B4-BE49-F238E27FC236}">
-                <a16:creationId xmlns:a16="http://schemas.microsoft.com/office/drawing/2014/main" id="{95EA56D7-3F9C-4BC3-A083-2E5062E55F93}"/>
-              </a:ext>
-            </a:extLst>
-          </p:cNvPr>
-          <p:cNvSpPr txBox="1">
-            <a:spLocks/>
-          </p:cNvSpPr>
-          <p:nvPr/>
-        </p:nvSpPr>
-        <p:spPr>
-          <a:xfrm>
-            <a:off x="466725" y="1905000"/>
-            <a:ext cx="7991475" cy="3736975"/>
-          </a:xfrm>
-          <a:prstGeom prst="rect">
-            <a:avLst/>
-          </a:prstGeom>
-        </p:spPr>
-        <p:txBody>
-          <a:bodyPr/>
-          <a:lstStyle>
-            <a:lvl1pPr marL="342900" indent="-342900" algn="l" rtl="0" eaLnBrk="0" fontAlgn="base" hangingPunct="0">
-              <a:lnSpc>
-                <a:spcPct val="120000"/>
-              </a:lnSpc>
-              <a:spcBef>
-                <a:spcPct val="0"/>
-              </a:spcBef>
-              <a:spcAft>
-                <a:spcPct val="0"/>
-              </a:spcAft>
-              <a:buClr>
-                <a:schemeClr val="hlink"/>
-              </a:buClr>
-              <a:buFont typeface="Wingdings" panose="05000000000000000000" pitchFamily="2" charset="2"/>
-              <a:defRPr sz="1400">
-                <a:solidFill>
-                  <a:srgbClr val="000000"/>
-                </a:solidFill>
-                <a:latin typeface="+mn-lt"/>
-                <a:ea typeface="+mn-ea"/>
-                <a:cs typeface="ヒラギノ角ゴ Pro W3" charset="0"/>
-              </a:defRPr>
-            </a:lvl1pPr>
-            <a:lvl2pPr marL="742950" indent="-285750" algn="l" rtl="0" eaLnBrk="0" fontAlgn="base" hangingPunct="0">
-              <a:spcBef>
-                <a:spcPct val="20000"/>
-              </a:spcBef>
-              <a:spcAft>
-                <a:spcPct val="0"/>
-              </a:spcAft>
-              <a:buClr>
-                <a:srgbClr val="0046AD"/>
-              </a:buClr>
-              <a:buFont typeface="Wingdings" panose="05000000000000000000" pitchFamily="2" charset="2"/>
-              <a:defRPr sz="1200">
-                <a:solidFill>
-                  <a:srgbClr val="0046AD"/>
-                </a:solidFill>
-                <a:latin typeface="+mn-lt"/>
-                <a:ea typeface="+mn-ea"/>
-              </a:defRPr>
-            </a:lvl2pPr>
-            <a:lvl3pPr marL="1143000" indent="-228600" algn="l" rtl="0" eaLnBrk="0" fontAlgn="base" hangingPunct="0">
-              <a:spcBef>
-                <a:spcPct val="20000"/>
-              </a:spcBef>
-              <a:spcAft>
-                <a:spcPct val="0"/>
-              </a:spcAft>
-              <a:buClr>
-                <a:srgbClr val="0046AD"/>
-              </a:buClr>
-              <a:buFont typeface="Wingdings" panose="05000000000000000000" pitchFamily="2" charset="2"/>
-              <a:defRPr sz="1200">
-                <a:solidFill>
-                  <a:srgbClr val="000000"/>
-                </a:solidFill>
-                <a:latin typeface="+mn-lt"/>
-                <a:ea typeface="+mn-ea"/>
-              </a:defRPr>
-            </a:lvl3pPr>
-            <a:lvl4pPr marL="1600200" indent="-228600" algn="l" rtl="0" eaLnBrk="0" fontAlgn="base" hangingPunct="0">
-              <a:spcBef>
-                <a:spcPct val="20000"/>
-              </a:spcBef>
-              <a:spcAft>
-                <a:spcPct val="0"/>
-              </a:spcAft>
-              <a:buClr>
-                <a:srgbClr val="0046AD"/>
-              </a:buClr>
-              <a:buFont typeface="Wingdings" panose="05000000000000000000" pitchFamily="2" charset="2"/>
-              <a:defRPr sz="1200">
-                <a:solidFill>
-                  <a:srgbClr val="0046AD"/>
-                </a:solidFill>
-                <a:latin typeface="+mn-lt"/>
-                <a:ea typeface="+mn-ea"/>
-              </a:defRPr>
-            </a:lvl4pPr>
-            <a:lvl5pPr marL="2057400" indent="-228600" algn="l" rtl="0" eaLnBrk="0" fontAlgn="base" hangingPunct="0">
-              <a:spcBef>
-                <a:spcPct val="20000"/>
-              </a:spcBef>
-              <a:spcAft>
-                <a:spcPct val="0"/>
-              </a:spcAft>
-              <a:buClr>
-                <a:srgbClr val="0046AD"/>
-              </a:buClr>
-              <a:buFont typeface="Wingdings" panose="05000000000000000000" pitchFamily="2" charset="2"/>
-              <a:defRPr sz="1200">
-                <a:solidFill>
-                  <a:srgbClr val="000000"/>
-                </a:solidFill>
-                <a:latin typeface="+mn-lt"/>
-                <a:ea typeface="+mn-ea"/>
-              </a:defRPr>
-            </a:lvl5pPr>
-            <a:lvl6pPr marL="2514600" indent="-228600" algn="l" rtl="0" fontAlgn="base">
-              <a:spcBef>
-                <a:spcPct val="20000"/>
-              </a:spcBef>
-              <a:spcAft>
-                <a:spcPct val="0"/>
-              </a:spcAft>
-              <a:buClr>
-                <a:srgbClr val="0046AD"/>
-              </a:buClr>
-              <a:buFont typeface="Wingdings" charset="0"/>
-              <a:defRPr sz="1200">
-                <a:solidFill>
-                  <a:srgbClr val="000000"/>
-                </a:solidFill>
-                <a:latin typeface="+mn-lt"/>
-                <a:ea typeface="+mn-ea"/>
-              </a:defRPr>
-            </a:lvl6pPr>
-            <a:lvl7pPr marL="2971800" indent="-228600" algn="l" rtl="0" fontAlgn="base">
-              <a:spcBef>
-                <a:spcPct val="20000"/>
-              </a:spcBef>
-              <a:spcAft>
-                <a:spcPct val="0"/>
-              </a:spcAft>
-              <a:buClr>
-                <a:srgbClr val="0046AD"/>
-              </a:buClr>
-              <a:buFont typeface="Wingdings" charset="0"/>
-              <a:defRPr sz="1200">
-                <a:solidFill>
-                  <a:srgbClr val="000000"/>
-                </a:solidFill>
-                <a:latin typeface="+mn-lt"/>
-                <a:ea typeface="+mn-ea"/>
-              </a:defRPr>
-            </a:lvl7pPr>
-            <a:lvl8pPr marL="3429000" indent="-228600" algn="l" rtl="0" fontAlgn="base">
-              <a:spcBef>
-                <a:spcPct val="20000"/>
-              </a:spcBef>
-              <a:spcAft>
-                <a:spcPct val="0"/>
-              </a:spcAft>
-              <a:buClr>
-                <a:srgbClr val="0046AD"/>
-              </a:buClr>
-              <a:buFont typeface="Wingdings" charset="0"/>
-              <a:defRPr sz="1200">
-                <a:solidFill>
-                  <a:srgbClr val="000000"/>
-                </a:solidFill>
-                <a:latin typeface="+mn-lt"/>
-                <a:ea typeface="+mn-ea"/>
-              </a:defRPr>
-            </a:lvl8pPr>
-            <a:lvl9pPr marL="3886200" indent="-228600" algn="l" rtl="0" fontAlgn="base">
-              <a:spcBef>
-                <a:spcPct val="20000"/>
-              </a:spcBef>
-              <a:spcAft>
-                <a:spcPct val="0"/>
-              </a:spcAft>
-              <a:buClr>
-                <a:srgbClr val="0046AD"/>
-              </a:buClr>
-              <a:buFont typeface="Wingdings" charset="0"/>
-              <a:defRPr sz="1200">
-                <a:solidFill>
-                  <a:srgbClr val="000000"/>
-                </a:solidFill>
-                <a:latin typeface="+mn-lt"/>
-                <a:ea typeface="+mn-ea"/>
-              </a:defRPr>
-            </a:lvl9pPr>
-          </a:lstStyle>
-          <a:p>
-            <a:pPr>
-              <a:buClr>
-                <a:srgbClr val="002060"/>
-              </a:buClr>
-              <a:buFont typeface="Arial" panose="020B0604020202020204" pitchFamily="34" charset="0"/>
-              <a:buChar char="•"/>
-              <a:defRPr/>
-            </a:pPr>
-            <a:endParaRPr lang="en-US" sz="2400" kern="0" dirty="0">
-              <a:solidFill>
-                <a:srgbClr val="002060"/>
-              </a:solidFill>
-            </a:endParaRPr>
-          </a:p>
-          <a:p>
-            <a:pPr>
-              <a:defRPr/>
-            </a:pPr>
-            <a:endParaRPr lang="en-CA" kern="0" dirty="0"/>
-          </a:p>
-        </p:txBody>
-      </p:sp>
-      <p:sp>
-        <p:nvSpPr>
-          <p:cNvPr id="7" name="Rectangle 6">
-            <a:extLst>
-              <a:ext uri="{FF2B5EF4-FFF2-40B4-BE49-F238E27FC236}">
-                <a16:creationId xmlns:a16="http://schemas.microsoft.com/office/drawing/2014/main" id="{A7C59D27-DE27-4DDB-8BF7-DB2F53774B83}"/>
-              </a:ext>
-            </a:extLst>
-          </p:cNvPr>
-          <p:cNvSpPr/>
-          <p:nvPr/>
-        </p:nvSpPr>
-        <p:spPr bwMode="auto">
-          <a:xfrm>
-            <a:off x="542925" y="2249488"/>
-            <a:ext cx="8296275" cy="4532312"/>
-          </a:xfrm>
-          <a:prstGeom prst="rect">
-            <a:avLst/>
-          </a:prstGeom>
-          <a:solidFill>
-            <a:schemeClr val="tx1"/>
-          </a:solidFill>
-          <a:ln w="9525">
-            <a:headEnd type="none" w="med" len="med"/>
-            <a:tailEnd type="none" w="med" len="med"/>
-          </a:ln>
-          <a:extLst>
-            <a:ext uri="{AF507438-7753-43e0-B8FC-AC1667EBCBE1}"/>
-          </a:extLst>
-        </p:spPr>
-        <p:style>
-          <a:lnRef idx="2">
-            <a:schemeClr val="accent4"/>
-          </a:lnRef>
-          <a:fillRef idx="1">
-            <a:schemeClr val="lt1"/>
-          </a:fillRef>
-          <a:effectRef idx="0">
-            <a:schemeClr val="accent4"/>
-          </a:effectRef>
-          <a:fontRef idx="minor">
-            <a:schemeClr val="dk1"/>
-          </a:fontRef>
-        </p:style>
-        <p:txBody>
-          <a:bodyPr/>
-          <a:lstStyle/>
-          <a:p>
-            <a:pPr>
-              <a:defRPr/>
-            </a:pPr>
-            <a:endParaRPr lang="en-US">
-              <a:solidFill>
-                <a:srgbClr val="000000"/>
-              </a:solidFill>
-            </a:endParaRPr>
-          </a:p>
-        </p:txBody>
-      </p:sp>
-      <p:sp>
-        <p:nvSpPr>
-          <p:cNvPr id="5" name="Content Placeholder 2">
-            <a:extLst>
-              <a:ext uri="{FF2B5EF4-FFF2-40B4-BE49-F238E27FC236}">
-                <a16:creationId xmlns:a16="http://schemas.microsoft.com/office/drawing/2014/main" id="{95EA56D7-3F9C-4BC3-A083-2E5062E55F93}"/>
-              </a:ext>
-            </a:extLst>
-          </p:cNvPr>
-          <p:cNvSpPr txBox="1">
-            <a:spLocks/>
-          </p:cNvSpPr>
-          <p:nvPr/>
-        </p:nvSpPr>
-        <p:spPr>
-          <a:xfrm>
-            <a:off x="381000" y="1752600"/>
-            <a:ext cx="7991475" cy="1066800"/>
-          </a:xfrm>
-          <a:prstGeom prst="rect">
-            <a:avLst/>
-          </a:prstGeom>
-        </p:spPr>
-        <p:txBody>
-          <a:bodyPr/>
-          <a:lstStyle>
-            <a:lvl1pPr marL="342900" indent="-342900" algn="l" rtl="0" eaLnBrk="0" fontAlgn="base" hangingPunct="0">
-              <a:lnSpc>
-                <a:spcPct val="120000"/>
-              </a:lnSpc>
-              <a:spcBef>
-                <a:spcPct val="0"/>
-              </a:spcBef>
-              <a:spcAft>
-                <a:spcPct val="0"/>
-              </a:spcAft>
-              <a:buClr>
-                <a:schemeClr val="hlink"/>
-              </a:buClr>
-              <a:buFont typeface="Wingdings" panose="05000000000000000000" pitchFamily="2" charset="2"/>
-              <a:defRPr sz="1400">
-                <a:solidFill>
-                  <a:srgbClr val="000000"/>
-                </a:solidFill>
-                <a:latin typeface="+mn-lt"/>
-                <a:ea typeface="+mn-ea"/>
-                <a:cs typeface="ヒラギノ角ゴ Pro W3" charset="0"/>
-              </a:defRPr>
-            </a:lvl1pPr>
-            <a:lvl2pPr marL="742950" indent="-285750" algn="l" rtl="0" eaLnBrk="0" fontAlgn="base" hangingPunct="0">
-              <a:spcBef>
-                <a:spcPct val="20000"/>
-              </a:spcBef>
-              <a:spcAft>
-                <a:spcPct val="0"/>
-              </a:spcAft>
-              <a:buClr>
-                <a:srgbClr val="0046AD"/>
-              </a:buClr>
-              <a:buFont typeface="Wingdings" panose="05000000000000000000" pitchFamily="2" charset="2"/>
-              <a:defRPr sz="1200">
-                <a:solidFill>
-                  <a:srgbClr val="0046AD"/>
-                </a:solidFill>
-                <a:latin typeface="+mn-lt"/>
-                <a:ea typeface="+mn-ea"/>
-              </a:defRPr>
-            </a:lvl2pPr>
-            <a:lvl3pPr marL="1143000" indent="-228600" algn="l" rtl="0" eaLnBrk="0" fontAlgn="base" hangingPunct="0">
-              <a:spcBef>
-                <a:spcPct val="20000"/>
-              </a:spcBef>
-              <a:spcAft>
-                <a:spcPct val="0"/>
-              </a:spcAft>
-              <a:buClr>
-                <a:srgbClr val="0046AD"/>
-              </a:buClr>
-              <a:buFont typeface="Wingdings" panose="05000000000000000000" pitchFamily="2" charset="2"/>
-              <a:defRPr sz="1200">
-                <a:solidFill>
-                  <a:srgbClr val="000000"/>
-                </a:solidFill>
-                <a:latin typeface="+mn-lt"/>
-                <a:ea typeface="+mn-ea"/>
-              </a:defRPr>
-            </a:lvl3pPr>
-            <a:lvl4pPr marL="1600200" indent="-228600" algn="l" rtl="0" eaLnBrk="0" fontAlgn="base" hangingPunct="0">
-              <a:spcBef>
-                <a:spcPct val="20000"/>
-              </a:spcBef>
-              <a:spcAft>
-                <a:spcPct val="0"/>
-              </a:spcAft>
-              <a:buClr>
-                <a:srgbClr val="0046AD"/>
-              </a:buClr>
-              <a:buFont typeface="Wingdings" panose="05000000000000000000" pitchFamily="2" charset="2"/>
-              <a:defRPr sz="1200">
-                <a:solidFill>
-                  <a:srgbClr val="0046AD"/>
-                </a:solidFill>
-                <a:latin typeface="+mn-lt"/>
-                <a:ea typeface="+mn-ea"/>
-              </a:defRPr>
-            </a:lvl4pPr>
-            <a:lvl5pPr marL="2057400" indent="-228600" algn="l" rtl="0" eaLnBrk="0" fontAlgn="base" hangingPunct="0">
-              <a:spcBef>
-                <a:spcPct val="20000"/>
-              </a:spcBef>
-              <a:spcAft>
-                <a:spcPct val="0"/>
-              </a:spcAft>
-              <a:buClr>
-                <a:srgbClr val="0046AD"/>
-              </a:buClr>
-              <a:buFont typeface="Wingdings" panose="05000000000000000000" pitchFamily="2" charset="2"/>
-              <a:defRPr sz="1200">
-                <a:solidFill>
-                  <a:srgbClr val="000000"/>
-                </a:solidFill>
-                <a:latin typeface="+mn-lt"/>
-                <a:ea typeface="+mn-ea"/>
-              </a:defRPr>
-            </a:lvl5pPr>
-            <a:lvl6pPr marL="2514600" indent="-228600" algn="l" rtl="0" fontAlgn="base">
-              <a:spcBef>
-                <a:spcPct val="20000"/>
-              </a:spcBef>
-              <a:spcAft>
-                <a:spcPct val="0"/>
-              </a:spcAft>
-              <a:buClr>
-                <a:srgbClr val="0046AD"/>
-              </a:buClr>
-              <a:buFont typeface="Wingdings" charset="0"/>
-              <a:defRPr sz="1200">
-                <a:solidFill>
-                  <a:srgbClr val="000000"/>
-                </a:solidFill>
-                <a:latin typeface="+mn-lt"/>
-                <a:ea typeface="+mn-ea"/>
-              </a:defRPr>
-            </a:lvl6pPr>
-            <a:lvl7pPr marL="2971800" indent="-228600" algn="l" rtl="0" fontAlgn="base">
-              <a:spcBef>
-                <a:spcPct val="20000"/>
-              </a:spcBef>
-              <a:spcAft>
-                <a:spcPct val="0"/>
-              </a:spcAft>
-              <a:buClr>
-                <a:srgbClr val="0046AD"/>
-              </a:buClr>
-              <a:buFont typeface="Wingdings" charset="0"/>
-              <a:defRPr sz="1200">
-                <a:solidFill>
-                  <a:srgbClr val="000000"/>
-                </a:solidFill>
-                <a:latin typeface="+mn-lt"/>
-                <a:ea typeface="+mn-ea"/>
-              </a:defRPr>
-            </a:lvl7pPr>
-            <a:lvl8pPr marL="3429000" indent="-228600" algn="l" rtl="0" fontAlgn="base">
-              <a:spcBef>
-                <a:spcPct val="20000"/>
-              </a:spcBef>
-              <a:spcAft>
-                <a:spcPct val="0"/>
-              </a:spcAft>
-              <a:buClr>
-                <a:srgbClr val="0046AD"/>
-              </a:buClr>
-              <a:buFont typeface="Wingdings" charset="0"/>
-              <a:defRPr sz="1200">
-                <a:solidFill>
-                  <a:srgbClr val="000000"/>
-                </a:solidFill>
-                <a:latin typeface="+mn-lt"/>
-                <a:ea typeface="+mn-ea"/>
-              </a:defRPr>
-            </a:lvl8pPr>
-            <a:lvl9pPr marL="3886200" indent="-228600" algn="l" rtl="0" fontAlgn="base">
-              <a:spcBef>
-                <a:spcPct val="20000"/>
-              </a:spcBef>
-              <a:spcAft>
-                <a:spcPct val="0"/>
-              </a:spcAft>
-              <a:buClr>
-                <a:srgbClr val="0046AD"/>
-              </a:buClr>
-              <a:buFont typeface="Wingdings" charset="0"/>
-              <a:defRPr sz="1200">
-                <a:solidFill>
-                  <a:srgbClr val="000000"/>
-                </a:solidFill>
-                <a:latin typeface="+mn-lt"/>
-                <a:ea typeface="+mn-ea"/>
-              </a:defRPr>
-            </a:lvl9pPr>
-          </a:lstStyle>
-          <a:p>
-            <a:pPr>
-              <a:buClr>
-                <a:srgbClr val="002060"/>
-              </a:buClr>
-              <a:buFont typeface="Arial" panose="020B0604020202020204" pitchFamily="34" charset="0"/>
-              <a:buChar char="•"/>
-              <a:defRPr/>
-            </a:pPr>
-            <a:r>
-              <a:rPr lang="en-US" sz="2000" kern="0" dirty="0">
-                <a:solidFill>
-                  <a:srgbClr val="002060"/>
-                </a:solidFill>
-              </a:rPr>
-              <a:t>Used when you have an outcome that has &gt;2 levels or categories</a:t>
-            </a:r>
-          </a:p>
-          <a:p>
-            <a:pPr>
-              <a:defRPr/>
-            </a:pPr>
-            <a:endParaRPr lang="en-CA" kern="0" dirty="0"/>
-          </a:p>
-        </p:txBody>
-      </p:sp>
-      <p:sp>
-        <p:nvSpPr>
-          <p:cNvPr id="31750" name="TextBox 1">
-            <a:extLst>
-              <a:ext uri="{FF2B5EF4-FFF2-40B4-BE49-F238E27FC236}">
-                <a16:creationId xmlns:a16="http://schemas.microsoft.com/office/drawing/2014/main" id="{7048B10D-2DB1-C8DF-BEAE-571466B8DABA}"/>
-              </a:ext>
-            </a:extLst>
-          </p:cNvPr>
-          <p:cNvSpPr txBox="1">
-            <a:spLocks noChangeArrowheads="1"/>
-          </p:cNvSpPr>
-          <p:nvPr/>
-        </p:nvSpPr>
-        <p:spPr bwMode="auto">
-          <a:xfrm>
-            <a:off x="542925" y="2708275"/>
-            <a:ext cx="8001000" cy="3786188"/>
-          </a:xfrm>
-          <a:prstGeom prst="rect">
-            <a:avLst/>
-          </a:prstGeom>
-          <a:noFill/>
-          <a:ln>
-            <a:noFill/>
-          </a:ln>
-          <a:extLst>
-            <a:ext uri="{909E8E84-426E-40DD-AFC4-6F175D3DCCD1}">
-              <a14:hiddenFill xmlns:a14="http://schemas.microsoft.com/office/drawing/2010/main">
-                <a:solidFill>
-                  <a:srgbClr val="FFFFFF"/>
-                </a:solidFill>
-              </a14:hiddenFill>
-            </a:ext>
-            <a:ext uri="{91240B29-F687-4F45-9708-019B960494DF}">
-              <a14:hiddenLine xmlns:a14="http://schemas.microsoft.com/office/drawing/2010/main" w="9525">
-                <a:solidFill>
-                  <a:srgbClr val="000000"/>
-                </a:solidFill>
-                <a:miter lim="800000"/>
-                <a:headEnd/>
-                <a:tailEnd/>
-              </a14:hiddenLine>
-            </a:ext>
-          </a:extLst>
-        </p:spPr>
-        <p:txBody>
-          <a:bodyPr>
-            <a:spAutoFit/>
-          </a:bodyPr>
-          <a:lstStyle>
-            <a:lvl1pPr>
-              <a:lnSpc>
-                <a:spcPct val="120000"/>
-              </a:lnSpc>
-              <a:buClr>
-                <a:schemeClr val="hlink"/>
-              </a:buClr>
-              <a:buFont typeface="Wingdings" panose="05000000000000000000" pitchFamily="2" charset="2"/>
-              <a:defRPr sz="1400">
-                <a:solidFill>
-                  <a:srgbClr val="000000"/>
-                </a:solidFill>
-                <a:latin typeface="Arial" panose="020B0604020202020204" pitchFamily="34" charset="0"/>
-                <a:ea typeface="ヒラギノ角ゴ Pro W3"/>
-                <a:cs typeface="ヒラギノ角ゴ Pro W3"/>
-              </a:defRPr>
-            </a:lvl1pPr>
-            <a:lvl2pPr marL="742950" indent="-285750">
-              <a:spcBef>
-                <a:spcPct val="20000"/>
-              </a:spcBef>
-              <a:buClr>
-                <a:srgbClr val="0046AD"/>
-              </a:buClr>
-              <a:buFont typeface="Wingdings" panose="05000000000000000000" pitchFamily="2" charset="2"/>
-              <a:defRPr sz="1200">
-                <a:solidFill>
-                  <a:srgbClr val="0046AD"/>
-                </a:solidFill>
-                <a:latin typeface="Arial" panose="020B0604020202020204" pitchFamily="34" charset="0"/>
-                <a:ea typeface="ヒラギノ角ゴ Pro W3"/>
-                <a:cs typeface="ヒラギノ角ゴ Pro W3"/>
-              </a:defRPr>
-            </a:lvl2pPr>
-            <a:lvl3pPr marL="1143000" indent="-228600">
-              <a:spcBef>
-                <a:spcPct val="20000"/>
-              </a:spcBef>
-              <a:buClr>
-                <a:srgbClr val="0046AD"/>
-              </a:buClr>
-              <a:buFont typeface="Wingdings" panose="05000000000000000000" pitchFamily="2" charset="2"/>
-              <a:defRPr sz="1200">
-                <a:solidFill>
-                  <a:srgbClr val="000000"/>
-                </a:solidFill>
-                <a:latin typeface="Arial" panose="020B0604020202020204" pitchFamily="34" charset="0"/>
-                <a:ea typeface="ヒラギノ角ゴ Pro W3"/>
-                <a:cs typeface="ヒラギノ角ゴ Pro W3"/>
-              </a:defRPr>
-            </a:lvl3pPr>
-            <a:lvl4pPr marL="1600200" indent="-228600">
-              <a:spcBef>
-                <a:spcPct val="20000"/>
-              </a:spcBef>
-              <a:buClr>
-                <a:srgbClr val="0046AD"/>
-              </a:buClr>
-              <a:buFont typeface="Wingdings" panose="05000000000000000000" pitchFamily="2" charset="2"/>
-              <a:defRPr sz="1200">
-                <a:solidFill>
-                  <a:srgbClr val="0046AD"/>
-                </a:solidFill>
-                <a:latin typeface="Arial" panose="020B0604020202020204" pitchFamily="34" charset="0"/>
-                <a:ea typeface="ヒラギノ角ゴ Pro W3"/>
-                <a:cs typeface="ヒラギノ角ゴ Pro W3"/>
-              </a:defRPr>
-            </a:lvl4pPr>
-            <a:lvl5pPr marL="2057400" indent="-228600">
-              <a:spcBef>
-                <a:spcPct val="20000"/>
-              </a:spcBef>
-              <a:buClr>
-                <a:srgbClr val="0046AD"/>
-              </a:buClr>
-              <a:buFont typeface="Wingdings" panose="05000000000000000000" pitchFamily="2" charset="2"/>
-              <a:defRPr sz="1200">
-                <a:solidFill>
-                  <a:srgbClr val="000000"/>
-                </a:solidFill>
-                <a:latin typeface="Arial" panose="020B0604020202020204" pitchFamily="34" charset="0"/>
-                <a:ea typeface="ヒラギノ角ゴ Pro W3"/>
-                <a:cs typeface="ヒラギノ角ゴ Pro W3"/>
-              </a:defRPr>
-            </a:lvl5pPr>
-            <a:lvl6pPr marL="2514600" indent="-228600" eaLnBrk="0" fontAlgn="base" hangingPunct="0">
-              <a:spcBef>
-                <a:spcPct val="20000"/>
-              </a:spcBef>
-              <a:spcAft>
-                <a:spcPct val="0"/>
-              </a:spcAft>
-              <a:buClr>
-                <a:srgbClr val="0046AD"/>
-              </a:buClr>
-              <a:buFont typeface="Wingdings" panose="05000000000000000000" pitchFamily="2" charset="2"/>
-              <a:defRPr sz="1200">
-                <a:solidFill>
-                  <a:srgbClr val="000000"/>
-                </a:solidFill>
-                <a:latin typeface="Arial" panose="020B0604020202020204" pitchFamily="34" charset="0"/>
-                <a:ea typeface="ヒラギノ角ゴ Pro W3"/>
-                <a:cs typeface="ヒラギノ角ゴ Pro W3"/>
-              </a:defRPr>
-            </a:lvl6pPr>
-            <a:lvl7pPr marL="2971800" indent="-228600" eaLnBrk="0" fontAlgn="base" hangingPunct="0">
-              <a:spcBef>
-                <a:spcPct val="20000"/>
-              </a:spcBef>
-              <a:spcAft>
-                <a:spcPct val="0"/>
-              </a:spcAft>
-              <a:buClr>
-                <a:srgbClr val="0046AD"/>
-              </a:buClr>
-              <a:buFont typeface="Wingdings" panose="05000000000000000000" pitchFamily="2" charset="2"/>
-              <a:defRPr sz="1200">
-                <a:solidFill>
-                  <a:srgbClr val="000000"/>
-                </a:solidFill>
-                <a:latin typeface="Arial" panose="020B0604020202020204" pitchFamily="34" charset="0"/>
-                <a:ea typeface="ヒラギノ角ゴ Pro W3"/>
-                <a:cs typeface="ヒラギノ角ゴ Pro W3"/>
-              </a:defRPr>
-            </a:lvl7pPr>
-            <a:lvl8pPr marL="3429000" indent="-228600" eaLnBrk="0" fontAlgn="base" hangingPunct="0">
-              <a:spcBef>
-                <a:spcPct val="20000"/>
-              </a:spcBef>
-              <a:spcAft>
-                <a:spcPct val="0"/>
-              </a:spcAft>
-              <a:buClr>
-                <a:srgbClr val="0046AD"/>
-              </a:buClr>
-              <a:buFont typeface="Wingdings" panose="05000000000000000000" pitchFamily="2" charset="2"/>
-              <a:defRPr sz="1200">
-                <a:solidFill>
-                  <a:srgbClr val="000000"/>
-                </a:solidFill>
-                <a:latin typeface="Arial" panose="020B0604020202020204" pitchFamily="34" charset="0"/>
-                <a:ea typeface="ヒラギノ角ゴ Pro W3"/>
-                <a:cs typeface="ヒラギノ角ゴ Pro W3"/>
-              </a:defRPr>
-            </a:lvl8pPr>
-            <a:lvl9pPr marL="3886200" indent="-228600" eaLnBrk="0" fontAlgn="base" hangingPunct="0">
-              <a:spcBef>
-                <a:spcPct val="20000"/>
-              </a:spcBef>
-              <a:spcAft>
-                <a:spcPct val="0"/>
-              </a:spcAft>
-              <a:buClr>
-                <a:srgbClr val="0046AD"/>
-              </a:buClr>
-              <a:buFont typeface="Wingdings" panose="05000000000000000000" pitchFamily="2" charset="2"/>
-              <a:defRPr sz="1200">
-                <a:solidFill>
-                  <a:srgbClr val="000000"/>
-                </a:solidFill>
-                <a:latin typeface="Arial" panose="020B0604020202020204" pitchFamily="34" charset="0"/>
-                <a:ea typeface="ヒラギノ角ゴ Pro W3"/>
-                <a:cs typeface="ヒラギノ角ゴ Pro W3"/>
-              </a:defRPr>
-            </a:lvl9pPr>
-          </a:lstStyle>
-          <a:p>
-            <a:pPr>
-              <a:lnSpc>
-                <a:spcPct val="100000"/>
-              </a:lnSpc>
-              <a:buClrTx/>
-              <a:buFontTx/>
-              <a:buNone/>
-            </a:pPr>
-            <a:r>
-              <a:rPr lang="en-US" altLang="en-US" sz="1600">
-                <a:solidFill>
-                  <a:srgbClr val="002060"/>
-                </a:solidFill>
-              </a:rPr>
-              <a:t>Make a categorical variable (TOTCHOL_CAT)</a:t>
-            </a:r>
-          </a:p>
-          <a:p>
-            <a:pPr>
-              <a:lnSpc>
-                <a:spcPct val="100000"/>
-              </a:lnSpc>
-              <a:buClrTx/>
-              <a:buFontTx/>
-              <a:buNone/>
-            </a:pPr>
-            <a:r>
-              <a:rPr lang="en-US" altLang="en-US" sz="1600">
-                <a:solidFill>
-                  <a:schemeClr val="bg1"/>
-                </a:solidFill>
-              </a:rPr>
-              <a:t>data_tc &lt;- subset(data1, !is.na(TOTCHOL))</a:t>
-            </a:r>
-          </a:p>
-          <a:p>
-            <a:pPr>
-              <a:lnSpc>
-                <a:spcPct val="100000"/>
-              </a:lnSpc>
-              <a:buClrTx/>
-              <a:buFontTx/>
-              <a:buNone/>
-            </a:pPr>
-            <a:r>
-              <a:rPr lang="en-US" altLang="en-US" sz="1600">
-                <a:solidFill>
-                  <a:schemeClr val="bg1"/>
-                </a:solidFill>
-              </a:rPr>
-              <a:t>data_tc$TOTCHOL_CAT </a:t>
-            </a:r>
-            <a:r>
-              <a:rPr lang="en-US" altLang="en-US" sz="1600">
-                <a:solidFill>
-                  <a:schemeClr val="bg1"/>
-                </a:solidFill>
-                <a:sym typeface="Wingdings" panose="05000000000000000000" pitchFamily="2" charset="2"/>
-              </a:rPr>
-              <a:t>&lt;-</a:t>
-            </a:r>
-          </a:p>
-          <a:p>
-            <a:pPr>
-              <a:lnSpc>
-                <a:spcPct val="100000"/>
-              </a:lnSpc>
-              <a:buClrTx/>
-              <a:buFontTx/>
-              <a:buNone/>
-            </a:pPr>
-            <a:r>
-              <a:rPr lang="en-US" altLang="en-US" sz="1600">
-                <a:solidFill>
-                  <a:schemeClr val="bg1"/>
-                </a:solidFill>
-                <a:sym typeface="Wingdings" panose="05000000000000000000" pitchFamily="2" charset="2"/>
-              </a:rPr>
-              <a:t>	       </a:t>
-            </a:r>
-            <a:r>
-              <a:rPr lang="en-US" altLang="en-US" sz="1600">
-                <a:solidFill>
-                  <a:schemeClr val="bg1"/>
-                </a:solidFill>
-              </a:rPr>
-              <a:t>ifelse(data_tc$TOTCHOL &gt;= 240, "High", </a:t>
-            </a:r>
-          </a:p>
-          <a:p>
-            <a:pPr>
-              <a:lnSpc>
-                <a:spcPct val="100000"/>
-              </a:lnSpc>
-              <a:buClrTx/>
-              <a:buFontTx/>
-              <a:buNone/>
-            </a:pPr>
-            <a:r>
-              <a:rPr lang="en-US" altLang="en-US" sz="1600">
-                <a:solidFill>
-                  <a:schemeClr val="bg1"/>
-                </a:solidFill>
-              </a:rPr>
-              <a:t>                       ifelse(data_tc$TOTCHOL &gt;= 200 &amp; data_tc$TOTCHOL &lt; 240, </a:t>
-            </a:r>
-          </a:p>
-          <a:p>
-            <a:pPr>
-              <a:lnSpc>
-                <a:spcPct val="100000"/>
-              </a:lnSpc>
-              <a:buClrTx/>
-              <a:buFontTx/>
-              <a:buNone/>
-            </a:pPr>
-            <a:r>
-              <a:rPr lang="en-US" altLang="en-US" sz="1600">
-                <a:solidFill>
-                  <a:schemeClr val="bg1"/>
-                </a:solidFill>
-              </a:rPr>
-              <a:t>                                "Bord High", "Desirable"))</a:t>
-            </a:r>
-          </a:p>
-          <a:p>
-            <a:pPr>
-              <a:lnSpc>
-                <a:spcPct val="100000"/>
-              </a:lnSpc>
-              <a:buClrTx/>
-              <a:buFontTx/>
-              <a:buNone/>
-            </a:pPr>
-            <a:endParaRPr lang="en-US" altLang="en-US" sz="1600">
-              <a:solidFill>
-                <a:srgbClr val="002060"/>
-              </a:solidFill>
-            </a:endParaRPr>
-          </a:p>
-          <a:p>
-            <a:pPr>
-              <a:lnSpc>
-                <a:spcPct val="100000"/>
-              </a:lnSpc>
-              <a:buClrTx/>
-              <a:buFontTx/>
-              <a:buNone/>
-            </a:pPr>
-            <a:r>
-              <a:rPr lang="en-US" altLang="en-US" sz="1600">
-                <a:solidFill>
-                  <a:srgbClr val="002060"/>
-                </a:solidFill>
-              </a:rPr>
-              <a:t>Make the TOTCHOL_CAT a factor</a:t>
-            </a:r>
-          </a:p>
-          <a:p>
-            <a:pPr>
-              <a:lnSpc>
-                <a:spcPct val="100000"/>
-              </a:lnSpc>
-              <a:buClrTx/>
-              <a:buFontTx/>
-              <a:buNone/>
-            </a:pPr>
-            <a:r>
-              <a:rPr lang="en-US" altLang="en-US" sz="1600">
-                <a:solidFill>
-                  <a:schemeClr val="bg1"/>
-                </a:solidFill>
-              </a:rPr>
-              <a:t>data_tc$TOTCHOL_CAT &lt;- as.factor(data_tc$TOTCHOL_CAT)</a:t>
-            </a:r>
-          </a:p>
-          <a:p>
-            <a:pPr>
-              <a:lnSpc>
-                <a:spcPct val="100000"/>
-              </a:lnSpc>
-              <a:buClrTx/>
-              <a:buFontTx/>
-              <a:buNone/>
-            </a:pPr>
-            <a:endParaRPr lang="en-US" altLang="en-US" sz="1600">
-              <a:solidFill>
-                <a:srgbClr val="002060"/>
-              </a:solidFill>
-            </a:endParaRPr>
-          </a:p>
-          <a:p>
-            <a:pPr>
-              <a:lnSpc>
-                <a:spcPct val="100000"/>
-              </a:lnSpc>
-              <a:buClrTx/>
-              <a:buFontTx/>
-              <a:buNone/>
-            </a:pPr>
-            <a:r>
-              <a:rPr lang="en-US" altLang="en-US" sz="1600">
-                <a:solidFill>
-                  <a:srgbClr val="002060"/>
-                </a:solidFill>
-              </a:rPr>
-              <a:t>Make “Desirable” the reference category </a:t>
-            </a:r>
-          </a:p>
-          <a:p>
-            <a:pPr>
-              <a:lnSpc>
-                <a:spcPct val="100000"/>
-              </a:lnSpc>
-              <a:buClrTx/>
-              <a:buFontTx/>
-              <a:buNone/>
-            </a:pPr>
-            <a:r>
-              <a:rPr lang="en-US" altLang="en-US" sz="1600">
-                <a:solidFill>
-                  <a:schemeClr val="bg1"/>
-                </a:solidFill>
-              </a:rPr>
-              <a:t>data_tc$TOTCHOL_CAT&lt;- relevel(data_tc$TOTCHOL_CAT, ref = "Desirable")</a:t>
-            </a:r>
-          </a:p>
-          <a:p>
-            <a:pPr>
-              <a:lnSpc>
-                <a:spcPct val="100000"/>
-              </a:lnSpc>
-              <a:buClrTx/>
-              <a:buFontTx/>
-              <a:buNone/>
-            </a:pPr>
-            <a:endParaRPr lang="en-US" altLang="en-US" sz="1600">
-              <a:solidFill>
-                <a:srgbClr val="002060"/>
-              </a:solidFill>
-            </a:endParaRPr>
-          </a:p>
-          <a:p>
-            <a:pPr>
-              <a:lnSpc>
-                <a:spcPct val="100000"/>
-              </a:lnSpc>
-              <a:buClrTx/>
-              <a:buFontTx/>
-              <a:buNone/>
-            </a:pPr>
-            <a:r>
-              <a:rPr lang="en-US" altLang="en-US" sz="1600">
-                <a:solidFill>
-                  <a:srgbClr val="002060"/>
-                </a:solidFill>
-              </a:rPr>
-              <a:t>Run the Regression</a:t>
-            </a:r>
-            <a:endParaRPr lang="en-US" altLang="en-US" sz="1600">
-              <a:solidFill>
-                <a:srgbClr val="0046AD"/>
-              </a:solidFill>
-            </a:endParaRPr>
-          </a:p>
-          <a:p>
-            <a:pPr>
-              <a:lnSpc>
-                <a:spcPct val="100000"/>
-              </a:lnSpc>
-              <a:buClrTx/>
-              <a:buFontTx/>
-              <a:buNone/>
-            </a:pPr>
-            <a:r>
-              <a:rPr lang="en-US" altLang="en-US" sz="1600">
-                <a:solidFill>
-                  <a:schemeClr val="bg1"/>
-                </a:solidFill>
-              </a:rPr>
-              <a:t>multinom(TOTCHOL_CAT ~ AGE + SEX + PREVMI, data = data_tc)</a:t>
-            </a:r>
-          </a:p>
-        </p:txBody>
-      </p:sp>
-      <p:sp>
-        <p:nvSpPr>
-          <p:cNvPr id="8" name="TextBox 7">
-            <a:extLst>
-              <a:ext uri="{FF2B5EF4-FFF2-40B4-BE49-F238E27FC236}">
-                <a16:creationId xmlns:a16="http://schemas.microsoft.com/office/drawing/2014/main" id="{51CE93C2-FEF2-4449-A5C3-63E835BCE3E5}"/>
-              </a:ext>
-            </a:extLst>
-          </p:cNvPr>
-          <p:cNvSpPr txBox="1"/>
-          <p:nvPr/>
-        </p:nvSpPr>
-        <p:spPr>
-          <a:xfrm>
-            <a:off x="542925" y="2249488"/>
-            <a:ext cx="1371600" cy="460375"/>
-          </a:xfrm>
-          <a:prstGeom prst="rect">
-            <a:avLst/>
-          </a:prstGeom>
-          <a:noFill/>
-          <a:ln w="9525">
-            <a:solidFill>
-              <a:schemeClr val="accent4"/>
-            </a:solidFill>
-          </a:ln>
-        </p:spPr>
-        <p:txBody>
-          <a:bodyPr>
-            <a:spAutoFit/>
-          </a:bodyPr>
-          <a:lstStyle/>
-          <a:p>
-            <a:pPr>
-              <a:defRPr/>
-            </a:pPr>
-            <a:r>
-              <a:rPr lang="en-US" dirty="0">
-                <a:solidFill>
-                  <a:srgbClr val="002060"/>
-                </a:solidFill>
-                <a:ea typeface="ヒラギノ角ゴ Pro W3" pitchFamily="122" charset="-128"/>
-                <a:cs typeface="+mn-cs"/>
-              </a:rPr>
-              <a:t>Example</a:t>
-            </a:r>
-          </a:p>
-        </p:txBody>
-      </p:sp>
-      <p:sp>
-        <p:nvSpPr>
-          <p:cNvPr id="9" name="TextBox 1">
-            <a:extLst>
-              <a:ext uri="{FF2B5EF4-FFF2-40B4-BE49-F238E27FC236}">
-                <a16:creationId xmlns:a16="http://schemas.microsoft.com/office/drawing/2014/main" id="{03D05CC5-C4C5-407F-B182-97BE870A6480}"/>
-              </a:ext>
-            </a:extLst>
-          </p:cNvPr>
-          <p:cNvSpPr txBox="1">
-            <a:spLocks noChangeArrowheads="1"/>
-          </p:cNvSpPr>
-          <p:nvPr/>
-        </p:nvSpPr>
-        <p:spPr bwMode="auto">
-          <a:xfrm>
-            <a:off x="6570663" y="2311400"/>
-            <a:ext cx="1905000" cy="1077913"/>
-          </a:xfrm>
-          <a:prstGeom prst="rect">
-            <a:avLst/>
-          </a:prstGeom>
-          <a:noFill/>
-          <a:ln w="9525">
-            <a:solidFill>
-              <a:schemeClr val="accent4"/>
-            </a:solidFill>
-            <a:miter lim="800000"/>
-            <a:headEnd/>
-            <a:tailEnd/>
-          </a:ln>
-        </p:spPr>
-        <p:txBody>
-          <a:bodyPr>
-            <a:spAutoFit/>
-          </a:bodyPr>
-          <a:lstStyle>
-            <a:lvl1pPr>
-              <a:defRPr sz="2400">
-                <a:solidFill>
-                  <a:schemeClr val="tx1"/>
-                </a:solidFill>
-                <a:latin typeface="Arial" panose="020B0604020202020204" pitchFamily="34" charset="0"/>
-                <a:ea typeface="ヒラギノ角ゴ Pro W3" pitchFamily="122" charset="-128"/>
-              </a:defRPr>
-            </a:lvl1pPr>
-            <a:lvl2pPr marL="742950" indent="-285750">
-              <a:defRPr sz="2400">
-                <a:solidFill>
-                  <a:schemeClr val="tx1"/>
-                </a:solidFill>
-                <a:latin typeface="Arial" panose="020B0604020202020204" pitchFamily="34" charset="0"/>
-                <a:ea typeface="ヒラギノ角ゴ Pro W3" pitchFamily="122" charset="-128"/>
-              </a:defRPr>
-            </a:lvl2pPr>
-            <a:lvl3pPr marL="1143000" indent="-228600">
-              <a:defRPr sz="2400">
-                <a:solidFill>
-                  <a:schemeClr val="tx1"/>
-                </a:solidFill>
-                <a:latin typeface="Arial" panose="020B0604020202020204" pitchFamily="34" charset="0"/>
-                <a:ea typeface="ヒラギノ角ゴ Pro W3" pitchFamily="122" charset="-128"/>
-              </a:defRPr>
-            </a:lvl3pPr>
-            <a:lvl4pPr marL="1600200" indent="-228600">
-              <a:defRPr sz="2400">
-                <a:solidFill>
-                  <a:schemeClr val="tx1"/>
-                </a:solidFill>
-                <a:latin typeface="Arial" panose="020B0604020202020204" pitchFamily="34" charset="0"/>
-                <a:ea typeface="ヒラギノ角ゴ Pro W3" pitchFamily="122" charset="-128"/>
-              </a:defRPr>
-            </a:lvl4pPr>
-            <a:lvl5pPr marL="2057400" indent="-228600">
-              <a:defRPr sz="2400">
-                <a:solidFill>
-                  <a:schemeClr val="tx1"/>
-                </a:solidFill>
-                <a:latin typeface="Arial" panose="020B0604020202020204" pitchFamily="34" charset="0"/>
-                <a:ea typeface="ヒラギノ角ゴ Pro W3" pitchFamily="122" charset="-128"/>
-              </a:defRPr>
-            </a:lvl5pPr>
-            <a:lvl6pPr marL="2514600" indent="-228600" eaLnBrk="0" fontAlgn="base" hangingPunct="0">
-              <a:spcBef>
-                <a:spcPct val="0"/>
-              </a:spcBef>
-              <a:spcAft>
-                <a:spcPct val="0"/>
-              </a:spcAft>
-              <a:defRPr sz="2400">
-                <a:solidFill>
-                  <a:schemeClr val="tx1"/>
-                </a:solidFill>
-                <a:latin typeface="Arial" panose="020B0604020202020204" pitchFamily="34" charset="0"/>
-                <a:ea typeface="ヒラギノ角ゴ Pro W3" pitchFamily="122" charset="-128"/>
-              </a:defRPr>
-            </a:lvl6pPr>
-            <a:lvl7pPr marL="2971800" indent="-228600" eaLnBrk="0" fontAlgn="base" hangingPunct="0">
-              <a:spcBef>
-                <a:spcPct val="0"/>
-              </a:spcBef>
-              <a:spcAft>
-                <a:spcPct val="0"/>
-              </a:spcAft>
-              <a:defRPr sz="2400">
-                <a:solidFill>
-                  <a:schemeClr val="tx1"/>
-                </a:solidFill>
-                <a:latin typeface="Arial" panose="020B0604020202020204" pitchFamily="34" charset="0"/>
-                <a:ea typeface="ヒラギノ角ゴ Pro W3" pitchFamily="122" charset="-128"/>
-              </a:defRPr>
-            </a:lvl7pPr>
-            <a:lvl8pPr marL="3429000" indent="-228600" eaLnBrk="0" fontAlgn="base" hangingPunct="0">
-              <a:spcBef>
-                <a:spcPct val="0"/>
-              </a:spcBef>
-              <a:spcAft>
-                <a:spcPct val="0"/>
-              </a:spcAft>
-              <a:defRPr sz="2400">
-                <a:solidFill>
-                  <a:schemeClr val="tx1"/>
-                </a:solidFill>
-                <a:latin typeface="Arial" panose="020B0604020202020204" pitchFamily="34" charset="0"/>
-                <a:ea typeface="ヒラギノ角ゴ Pro W3" pitchFamily="122" charset="-128"/>
-              </a:defRPr>
-            </a:lvl8pPr>
-            <a:lvl9pPr marL="3886200" indent="-228600" eaLnBrk="0" fontAlgn="base" hangingPunct="0">
-              <a:spcBef>
-                <a:spcPct val="0"/>
-              </a:spcBef>
-              <a:spcAft>
-                <a:spcPct val="0"/>
-              </a:spcAft>
-              <a:defRPr sz="2400">
-                <a:solidFill>
-                  <a:schemeClr val="tx1"/>
-                </a:solidFill>
-                <a:latin typeface="Arial" panose="020B0604020202020204" pitchFamily="34" charset="0"/>
-                <a:ea typeface="ヒラギノ角ゴ Pro W3" pitchFamily="122" charset="-128"/>
-              </a:defRPr>
-            </a:lvl9pPr>
-          </a:lstStyle>
-          <a:p>
-            <a:pPr>
-              <a:defRPr/>
-            </a:pPr>
-            <a:r>
-              <a:rPr lang="en-US" altLang="en-US" sz="1600" dirty="0">
-                <a:solidFill>
-                  <a:srgbClr val="002060"/>
-                </a:solidFill>
-                <a:cs typeface="+mn-cs"/>
-              </a:rPr>
-              <a:t>TOTCHOL_CAT</a:t>
-            </a:r>
-          </a:p>
-          <a:p>
-            <a:pPr>
-              <a:defRPr/>
-            </a:pPr>
-            <a:r>
-              <a:rPr lang="en-US" altLang="en-US" sz="1600" dirty="0">
-                <a:solidFill>
-                  <a:srgbClr val="002060"/>
-                </a:solidFill>
-                <a:cs typeface="+mn-cs"/>
-              </a:rPr>
-              <a:t>&lt; 200     Desirable</a:t>
-            </a:r>
-          </a:p>
-          <a:p>
-            <a:pPr>
-              <a:defRPr/>
-            </a:pPr>
-            <a:r>
-              <a:rPr lang="en-US" altLang="en-US" sz="1600" dirty="0">
-                <a:solidFill>
-                  <a:srgbClr val="002060"/>
-                </a:solidFill>
-                <a:cs typeface="+mn-cs"/>
-              </a:rPr>
-              <a:t>200-239 </a:t>
-            </a:r>
-            <a:r>
-              <a:rPr lang="en-US" altLang="en-US" sz="1600" dirty="0" err="1">
-                <a:solidFill>
-                  <a:srgbClr val="002060"/>
-                </a:solidFill>
-                <a:cs typeface="+mn-cs"/>
-              </a:rPr>
-              <a:t>Bord</a:t>
-            </a:r>
-            <a:r>
-              <a:rPr lang="en-US" altLang="en-US" sz="1600" dirty="0">
-                <a:solidFill>
-                  <a:srgbClr val="002060"/>
-                </a:solidFill>
-                <a:cs typeface="+mn-cs"/>
-              </a:rPr>
-              <a:t> High</a:t>
-            </a:r>
-          </a:p>
-          <a:p>
-            <a:pPr>
-              <a:defRPr/>
-            </a:pPr>
-            <a:r>
-              <a:rPr lang="en-US" altLang="en-US" sz="1600" dirty="0">
-                <a:solidFill>
-                  <a:srgbClr val="002060"/>
-                </a:solidFill>
-                <a:cs typeface="+mn-cs"/>
-              </a:rPr>
-              <a:t>≥ 240     High</a:t>
-            </a:r>
-          </a:p>
-        </p:txBody>
-      </p:sp>
-    </p:spTree>
-  </p:cSld>
-  <p:clrMapOvr>
-    <a:masterClrMapping/>
-  </p:clrMapOvr>
-</p:sld>
-</file>
-
-<file path=ppt/slides/slide23.xml><?xml version="1.0" encoding="utf-8"?>
-<p:sld xmlns:a="http://schemas.openxmlformats.org/drawingml/2006/main" xmlns:r="http://schemas.openxmlformats.org/officeDocument/2006/relationships" xmlns:p="http://schemas.openxmlformats.org/presentationml/2006/main">
-  <p:cSld>
-    <p:spTree>
-      <p:nvGrpSpPr>
-        <p:cNvPr id="1" name=""/>
-        <p:cNvGrpSpPr/>
-        <p:nvPr/>
-      </p:nvGrpSpPr>
-      <p:grpSpPr>
-        <a:xfrm>
-          <a:off x="0" y="0"/>
-          <a:ext cx="0" cy="0"/>
-          <a:chOff x="0" y="0"/>
-          <a:chExt cx="0" cy="0"/>
-        </a:xfrm>
-      </p:grpSpPr>
-      <p:sp>
-        <p:nvSpPr>
-          <p:cNvPr id="3" name="Title 1">
-            <a:extLst>
-              <a:ext uri="{FF2B5EF4-FFF2-40B4-BE49-F238E27FC236}">
-                <a16:creationId xmlns:a16="http://schemas.microsoft.com/office/drawing/2014/main" id="{39215624-9FF5-460F-803B-8FB6BCB8FB87}"/>
-              </a:ext>
-            </a:extLst>
-          </p:cNvPr>
-          <p:cNvSpPr txBox="1">
-            <a:spLocks/>
-          </p:cNvSpPr>
-          <p:nvPr/>
-        </p:nvSpPr>
-        <p:spPr>
-          <a:xfrm>
-            <a:off x="457200" y="762000"/>
-            <a:ext cx="7543800" cy="533400"/>
-          </a:xfrm>
-          <a:prstGeom prst="rect">
-            <a:avLst/>
-          </a:prstGeom>
-        </p:spPr>
-        <p:txBody>
-          <a:bodyPr/>
-          <a:lstStyle>
-            <a:lvl1pPr algn="l" rtl="0" eaLnBrk="0" fontAlgn="base" hangingPunct="0">
-              <a:spcBef>
-                <a:spcPct val="0"/>
-              </a:spcBef>
-              <a:spcAft>
-                <a:spcPct val="0"/>
-              </a:spcAft>
-              <a:defRPr sz="2500" b="1">
-                <a:solidFill>
-                  <a:srgbClr val="0046AD"/>
-                </a:solidFill>
-                <a:latin typeface="+mj-lt"/>
-                <a:ea typeface="+mj-ea"/>
-                <a:cs typeface="ヒラギノ角ゴ Pro W3" charset="0"/>
-              </a:defRPr>
-            </a:lvl1pPr>
-            <a:lvl2pPr algn="l" rtl="0" eaLnBrk="0" fontAlgn="base" hangingPunct="0">
-              <a:spcBef>
-                <a:spcPct val="0"/>
-              </a:spcBef>
-              <a:spcAft>
-                <a:spcPct val="0"/>
-              </a:spcAft>
-              <a:defRPr sz="2500" b="1">
-                <a:solidFill>
-                  <a:srgbClr val="0046AD"/>
-                </a:solidFill>
-                <a:latin typeface="Arial" charset="0"/>
-                <a:ea typeface="ヒラギノ角ゴ Pro W3" charset="0"/>
-                <a:cs typeface="ヒラギノ角ゴ Pro W3" charset="0"/>
-              </a:defRPr>
-            </a:lvl2pPr>
-            <a:lvl3pPr algn="l" rtl="0" eaLnBrk="0" fontAlgn="base" hangingPunct="0">
-              <a:spcBef>
-                <a:spcPct val="0"/>
-              </a:spcBef>
-              <a:spcAft>
-                <a:spcPct val="0"/>
-              </a:spcAft>
-              <a:defRPr sz="2500" b="1">
-                <a:solidFill>
-                  <a:srgbClr val="0046AD"/>
-                </a:solidFill>
-                <a:latin typeface="Arial" charset="0"/>
-                <a:ea typeface="ヒラギノ角ゴ Pro W3" charset="0"/>
-                <a:cs typeface="ヒラギノ角ゴ Pro W3" charset="0"/>
-              </a:defRPr>
-            </a:lvl3pPr>
-            <a:lvl4pPr algn="l" rtl="0" eaLnBrk="0" fontAlgn="base" hangingPunct="0">
-              <a:spcBef>
-                <a:spcPct val="0"/>
-              </a:spcBef>
-              <a:spcAft>
-                <a:spcPct val="0"/>
-              </a:spcAft>
-              <a:defRPr sz="2500" b="1">
-                <a:solidFill>
-                  <a:srgbClr val="0046AD"/>
-                </a:solidFill>
-                <a:latin typeface="Arial" charset="0"/>
-                <a:ea typeface="ヒラギノ角ゴ Pro W3" charset="0"/>
-                <a:cs typeface="ヒラギノ角ゴ Pro W3" charset="0"/>
-              </a:defRPr>
-            </a:lvl4pPr>
-            <a:lvl5pPr algn="l" rtl="0" eaLnBrk="0" fontAlgn="base" hangingPunct="0">
-              <a:spcBef>
-                <a:spcPct val="0"/>
-              </a:spcBef>
-              <a:spcAft>
-                <a:spcPct val="0"/>
-              </a:spcAft>
-              <a:defRPr sz="2500" b="1">
-                <a:solidFill>
-                  <a:srgbClr val="0046AD"/>
-                </a:solidFill>
-                <a:latin typeface="Arial" charset="0"/>
-                <a:ea typeface="ヒラギノ角ゴ Pro W3" charset="0"/>
-                <a:cs typeface="ヒラギノ角ゴ Pro W3" charset="0"/>
-              </a:defRPr>
-            </a:lvl5pPr>
-            <a:lvl6pPr marL="457200" algn="l" rtl="0" fontAlgn="base">
-              <a:spcBef>
-                <a:spcPct val="0"/>
-              </a:spcBef>
-              <a:spcAft>
-                <a:spcPct val="0"/>
-              </a:spcAft>
-              <a:defRPr sz="2500" b="1">
-                <a:solidFill>
-                  <a:srgbClr val="0046AD"/>
-                </a:solidFill>
-                <a:latin typeface="Arial" charset="0"/>
-                <a:ea typeface="ヒラギノ角ゴ Pro W3" charset="0"/>
-              </a:defRPr>
-            </a:lvl6pPr>
-            <a:lvl7pPr marL="914400" algn="l" rtl="0" fontAlgn="base">
-              <a:spcBef>
-                <a:spcPct val="0"/>
-              </a:spcBef>
-              <a:spcAft>
-                <a:spcPct val="0"/>
-              </a:spcAft>
-              <a:defRPr sz="2500" b="1">
-                <a:solidFill>
-                  <a:srgbClr val="0046AD"/>
-                </a:solidFill>
-                <a:latin typeface="Arial" charset="0"/>
-                <a:ea typeface="ヒラギノ角ゴ Pro W3" charset="0"/>
-              </a:defRPr>
-            </a:lvl7pPr>
-            <a:lvl8pPr marL="1371600" algn="l" rtl="0" fontAlgn="base">
-              <a:spcBef>
-                <a:spcPct val="0"/>
-              </a:spcBef>
-              <a:spcAft>
-                <a:spcPct val="0"/>
-              </a:spcAft>
-              <a:defRPr sz="2500" b="1">
-                <a:solidFill>
-                  <a:srgbClr val="0046AD"/>
-                </a:solidFill>
-                <a:latin typeface="Arial" charset="0"/>
-                <a:ea typeface="ヒラギノ角ゴ Pro W3" charset="0"/>
-              </a:defRPr>
-            </a:lvl8pPr>
-            <a:lvl9pPr marL="1828800" algn="l" rtl="0" fontAlgn="base">
-              <a:spcBef>
-                <a:spcPct val="0"/>
-              </a:spcBef>
-              <a:spcAft>
-                <a:spcPct val="0"/>
-              </a:spcAft>
-              <a:defRPr sz="2500" b="1">
-                <a:solidFill>
-                  <a:srgbClr val="0046AD"/>
-                </a:solidFill>
-                <a:latin typeface="Arial" charset="0"/>
-                <a:ea typeface="ヒラギノ角ゴ Pro W3" charset="0"/>
-              </a:defRPr>
-            </a:lvl9pPr>
-          </a:lstStyle>
-          <a:p>
-            <a:pPr>
-              <a:defRPr/>
-            </a:pPr>
-            <a:r>
-              <a:rPr lang="en-US" kern="0" dirty="0"/>
-              <a:t>Kaplan Meier</a:t>
-            </a:r>
-            <a:endParaRPr lang="en-CA" kern="0" dirty="0"/>
-          </a:p>
-        </p:txBody>
-      </p:sp>
-      <p:sp>
-        <p:nvSpPr>
-          <p:cNvPr id="4" name="Content Placeholder 2">
-            <a:extLst>
-              <a:ext uri="{FF2B5EF4-FFF2-40B4-BE49-F238E27FC236}">
-                <a16:creationId xmlns:a16="http://schemas.microsoft.com/office/drawing/2014/main" id="{95EA56D7-3F9C-4BC3-A083-2E5062E55F93}"/>
-              </a:ext>
-            </a:extLst>
-          </p:cNvPr>
-          <p:cNvSpPr txBox="1">
-            <a:spLocks/>
-          </p:cNvSpPr>
-          <p:nvPr/>
-        </p:nvSpPr>
-        <p:spPr>
-          <a:xfrm>
-            <a:off x="466725" y="1905000"/>
-            <a:ext cx="7991475" cy="3736975"/>
-          </a:xfrm>
-          <a:prstGeom prst="rect">
-            <a:avLst/>
-          </a:prstGeom>
-        </p:spPr>
-        <p:txBody>
-          <a:bodyPr/>
-          <a:lstStyle>
-            <a:lvl1pPr marL="342900" indent="-342900" algn="l" rtl="0" eaLnBrk="0" fontAlgn="base" hangingPunct="0">
-              <a:lnSpc>
-                <a:spcPct val="120000"/>
-              </a:lnSpc>
-              <a:spcBef>
-                <a:spcPct val="0"/>
-              </a:spcBef>
-              <a:spcAft>
-                <a:spcPct val="0"/>
-              </a:spcAft>
-              <a:buClr>
-                <a:schemeClr val="hlink"/>
-              </a:buClr>
-              <a:buFont typeface="Wingdings" panose="05000000000000000000" pitchFamily="2" charset="2"/>
-              <a:defRPr sz="1400">
-                <a:solidFill>
-                  <a:srgbClr val="000000"/>
-                </a:solidFill>
-                <a:latin typeface="+mn-lt"/>
-                <a:ea typeface="+mn-ea"/>
-                <a:cs typeface="ヒラギノ角ゴ Pro W3" charset="0"/>
-              </a:defRPr>
-            </a:lvl1pPr>
-            <a:lvl2pPr marL="742950" indent="-285750" algn="l" rtl="0" eaLnBrk="0" fontAlgn="base" hangingPunct="0">
-              <a:spcBef>
-                <a:spcPct val="20000"/>
-              </a:spcBef>
-              <a:spcAft>
-                <a:spcPct val="0"/>
-              </a:spcAft>
-              <a:buClr>
-                <a:srgbClr val="0046AD"/>
-              </a:buClr>
-              <a:buFont typeface="Wingdings" panose="05000000000000000000" pitchFamily="2" charset="2"/>
-              <a:defRPr sz="1200">
-                <a:solidFill>
-                  <a:srgbClr val="0046AD"/>
-                </a:solidFill>
-                <a:latin typeface="+mn-lt"/>
-                <a:ea typeface="+mn-ea"/>
-              </a:defRPr>
-            </a:lvl2pPr>
-            <a:lvl3pPr marL="1143000" indent="-228600" algn="l" rtl="0" eaLnBrk="0" fontAlgn="base" hangingPunct="0">
-              <a:spcBef>
-                <a:spcPct val="20000"/>
-              </a:spcBef>
-              <a:spcAft>
-                <a:spcPct val="0"/>
-              </a:spcAft>
-              <a:buClr>
-                <a:srgbClr val="0046AD"/>
-              </a:buClr>
-              <a:buFont typeface="Wingdings" panose="05000000000000000000" pitchFamily="2" charset="2"/>
-              <a:defRPr sz="1200">
-                <a:solidFill>
-                  <a:srgbClr val="000000"/>
-                </a:solidFill>
-                <a:latin typeface="+mn-lt"/>
-                <a:ea typeface="+mn-ea"/>
-              </a:defRPr>
-            </a:lvl3pPr>
-            <a:lvl4pPr marL="1600200" indent="-228600" algn="l" rtl="0" eaLnBrk="0" fontAlgn="base" hangingPunct="0">
-              <a:spcBef>
-                <a:spcPct val="20000"/>
-              </a:spcBef>
-              <a:spcAft>
-                <a:spcPct val="0"/>
-              </a:spcAft>
-              <a:buClr>
-                <a:srgbClr val="0046AD"/>
-              </a:buClr>
-              <a:buFont typeface="Wingdings" panose="05000000000000000000" pitchFamily="2" charset="2"/>
-              <a:defRPr sz="1200">
-                <a:solidFill>
-                  <a:srgbClr val="0046AD"/>
-                </a:solidFill>
-                <a:latin typeface="+mn-lt"/>
-                <a:ea typeface="+mn-ea"/>
-              </a:defRPr>
-            </a:lvl4pPr>
-            <a:lvl5pPr marL="2057400" indent="-228600" algn="l" rtl="0" eaLnBrk="0" fontAlgn="base" hangingPunct="0">
-              <a:spcBef>
-                <a:spcPct val="20000"/>
-              </a:spcBef>
-              <a:spcAft>
-                <a:spcPct val="0"/>
-              </a:spcAft>
-              <a:buClr>
-                <a:srgbClr val="0046AD"/>
-              </a:buClr>
-              <a:buFont typeface="Wingdings" panose="05000000000000000000" pitchFamily="2" charset="2"/>
-              <a:defRPr sz="1200">
-                <a:solidFill>
-                  <a:srgbClr val="000000"/>
-                </a:solidFill>
-                <a:latin typeface="+mn-lt"/>
-                <a:ea typeface="+mn-ea"/>
-              </a:defRPr>
-            </a:lvl5pPr>
-            <a:lvl6pPr marL="2514600" indent="-228600" algn="l" rtl="0" fontAlgn="base">
-              <a:spcBef>
-                <a:spcPct val="20000"/>
-              </a:spcBef>
-              <a:spcAft>
-                <a:spcPct val="0"/>
-              </a:spcAft>
-              <a:buClr>
-                <a:srgbClr val="0046AD"/>
-              </a:buClr>
-              <a:buFont typeface="Wingdings" charset="0"/>
-              <a:defRPr sz="1200">
-                <a:solidFill>
-                  <a:srgbClr val="000000"/>
-                </a:solidFill>
-                <a:latin typeface="+mn-lt"/>
-                <a:ea typeface="+mn-ea"/>
-              </a:defRPr>
-            </a:lvl6pPr>
-            <a:lvl7pPr marL="2971800" indent="-228600" algn="l" rtl="0" fontAlgn="base">
-              <a:spcBef>
-                <a:spcPct val="20000"/>
-              </a:spcBef>
-              <a:spcAft>
-                <a:spcPct val="0"/>
-              </a:spcAft>
-              <a:buClr>
-                <a:srgbClr val="0046AD"/>
-              </a:buClr>
-              <a:buFont typeface="Wingdings" charset="0"/>
-              <a:defRPr sz="1200">
-                <a:solidFill>
-                  <a:srgbClr val="000000"/>
-                </a:solidFill>
-                <a:latin typeface="+mn-lt"/>
-                <a:ea typeface="+mn-ea"/>
-              </a:defRPr>
-            </a:lvl7pPr>
-            <a:lvl8pPr marL="3429000" indent="-228600" algn="l" rtl="0" fontAlgn="base">
-              <a:spcBef>
-                <a:spcPct val="20000"/>
-              </a:spcBef>
-              <a:spcAft>
-                <a:spcPct val="0"/>
-              </a:spcAft>
-              <a:buClr>
-                <a:srgbClr val="0046AD"/>
-              </a:buClr>
-              <a:buFont typeface="Wingdings" charset="0"/>
-              <a:defRPr sz="1200">
-                <a:solidFill>
-                  <a:srgbClr val="000000"/>
-                </a:solidFill>
-                <a:latin typeface="+mn-lt"/>
-                <a:ea typeface="+mn-ea"/>
-              </a:defRPr>
-            </a:lvl8pPr>
-            <a:lvl9pPr marL="3886200" indent="-228600" algn="l" rtl="0" fontAlgn="base">
-              <a:spcBef>
-                <a:spcPct val="20000"/>
-              </a:spcBef>
-              <a:spcAft>
-                <a:spcPct val="0"/>
-              </a:spcAft>
-              <a:buClr>
-                <a:srgbClr val="0046AD"/>
-              </a:buClr>
-              <a:buFont typeface="Wingdings" charset="0"/>
-              <a:defRPr sz="1200">
-                <a:solidFill>
-                  <a:srgbClr val="000000"/>
-                </a:solidFill>
-                <a:latin typeface="+mn-lt"/>
-                <a:ea typeface="+mn-ea"/>
-              </a:defRPr>
-            </a:lvl9pPr>
-          </a:lstStyle>
-          <a:p>
-            <a:pPr>
-              <a:buClr>
-                <a:srgbClr val="002060"/>
-              </a:buClr>
-              <a:buFont typeface="Arial" panose="020B0604020202020204" pitchFamily="34" charset="0"/>
-              <a:buChar char="•"/>
-              <a:defRPr/>
-            </a:pPr>
-            <a:endParaRPr lang="en-US" sz="2400" kern="0" dirty="0">
-              <a:solidFill>
-                <a:srgbClr val="002060"/>
-              </a:solidFill>
-            </a:endParaRPr>
-          </a:p>
-          <a:p>
-            <a:pPr>
-              <a:defRPr/>
-            </a:pPr>
-            <a:endParaRPr lang="en-CA" kern="0" dirty="0"/>
-          </a:p>
-        </p:txBody>
-      </p:sp>
-      <p:sp>
-        <p:nvSpPr>
-          <p:cNvPr id="7" name="Rectangle 6">
-            <a:extLst>
-              <a:ext uri="{FF2B5EF4-FFF2-40B4-BE49-F238E27FC236}">
-                <a16:creationId xmlns:a16="http://schemas.microsoft.com/office/drawing/2014/main" id="{81104AD4-8440-484B-8546-B094A63EB491}"/>
-              </a:ext>
-            </a:extLst>
-          </p:cNvPr>
-          <p:cNvSpPr/>
-          <p:nvPr/>
-        </p:nvSpPr>
-        <p:spPr bwMode="auto">
-          <a:xfrm>
-            <a:off x="304800" y="2105025"/>
-            <a:ext cx="8296275" cy="3838575"/>
-          </a:xfrm>
-          <a:prstGeom prst="rect">
-            <a:avLst/>
-          </a:prstGeom>
-          <a:solidFill>
-            <a:schemeClr val="tx1"/>
-          </a:solidFill>
-          <a:ln w="9525">
-            <a:headEnd type="none" w="med" len="med"/>
-            <a:tailEnd type="none" w="med" len="med"/>
-          </a:ln>
-          <a:extLst>
-            <a:ext uri="{AF507438-7753-43e0-B8FC-AC1667EBCBE1}"/>
-          </a:extLst>
-        </p:spPr>
-        <p:style>
-          <a:lnRef idx="2">
-            <a:schemeClr val="accent4"/>
-          </a:lnRef>
-          <a:fillRef idx="1">
-            <a:schemeClr val="lt1"/>
-          </a:fillRef>
-          <a:effectRef idx="0">
-            <a:schemeClr val="accent4"/>
-          </a:effectRef>
-          <a:fontRef idx="minor">
-            <a:schemeClr val="dk1"/>
-          </a:fontRef>
-        </p:style>
-        <p:txBody>
-          <a:bodyPr/>
-          <a:lstStyle/>
-          <a:p>
-            <a:pPr>
-              <a:defRPr/>
-            </a:pPr>
-            <a:endParaRPr lang="en-US">
-              <a:solidFill>
-                <a:srgbClr val="000000"/>
-              </a:solidFill>
-            </a:endParaRPr>
-          </a:p>
-        </p:txBody>
-      </p:sp>
-      <p:sp>
-        <p:nvSpPr>
-          <p:cNvPr id="5" name="Content Placeholder 2">
-            <a:extLst>
-              <a:ext uri="{FF2B5EF4-FFF2-40B4-BE49-F238E27FC236}">
-                <a16:creationId xmlns:a16="http://schemas.microsoft.com/office/drawing/2014/main" id="{95EA56D7-3F9C-4BC3-A083-2E5062E55F93}"/>
-              </a:ext>
-            </a:extLst>
-          </p:cNvPr>
-          <p:cNvSpPr txBox="1">
-            <a:spLocks/>
-          </p:cNvSpPr>
-          <p:nvPr/>
-        </p:nvSpPr>
-        <p:spPr>
-          <a:xfrm>
-            <a:off x="360363" y="1641475"/>
-            <a:ext cx="7991475" cy="1066800"/>
-          </a:xfrm>
-          <a:prstGeom prst="rect">
-            <a:avLst/>
-          </a:prstGeom>
-        </p:spPr>
-        <p:txBody>
-          <a:bodyPr/>
-          <a:lstStyle>
-            <a:lvl1pPr marL="342900" indent="-342900" algn="l" rtl="0" eaLnBrk="0" fontAlgn="base" hangingPunct="0">
-              <a:lnSpc>
-                <a:spcPct val="120000"/>
-              </a:lnSpc>
-              <a:spcBef>
-                <a:spcPct val="0"/>
-              </a:spcBef>
-              <a:spcAft>
-                <a:spcPct val="0"/>
-              </a:spcAft>
-              <a:buClr>
-                <a:schemeClr val="hlink"/>
-              </a:buClr>
-              <a:buFont typeface="Wingdings" panose="05000000000000000000" pitchFamily="2" charset="2"/>
-              <a:defRPr sz="1400">
-                <a:solidFill>
-                  <a:srgbClr val="000000"/>
-                </a:solidFill>
-                <a:latin typeface="+mn-lt"/>
-                <a:ea typeface="+mn-ea"/>
-                <a:cs typeface="ヒラギノ角ゴ Pro W3" charset="0"/>
-              </a:defRPr>
-            </a:lvl1pPr>
-            <a:lvl2pPr marL="742950" indent="-285750" algn="l" rtl="0" eaLnBrk="0" fontAlgn="base" hangingPunct="0">
-              <a:spcBef>
-                <a:spcPct val="20000"/>
-              </a:spcBef>
-              <a:spcAft>
-                <a:spcPct val="0"/>
-              </a:spcAft>
-              <a:buClr>
-                <a:srgbClr val="0046AD"/>
-              </a:buClr>
-              <a:buFont typeface="Wingdings" panose="05000000000000000000" pitchFamily="2" charset="2"/>
-              <a:defRPr sz="1200">
-                <a:solidFill>
-                  <a:srgbClr val="0046AD"/>
-                </a:solidFill>
-                <a:latin typeface="+mn-lt"/>
-                <a:ea typeface="+mn-ea"/>
-              </a:defRPr>
-            </a:lvl2pPr>
-            <a:lvl3pPr marL="1143000" indent="-228600" algn="l" rtl="0" eaLnBrk="0" fontAlgn="base" hangingPunct="0">
-              <a:spcBef>
-                <a:spcPct val="20000"/>
-              </a:spcBef>
-              <a:spcAft>
-                <a:spcPct val="0"/>
-              </a:spcAft>
-              <a:buClr>
-                <a:srgbClr val="0046AD"/>
-              </a:buClr>
-              <a:buFont typeface="Wingdings" panose="05000000000000000000" pitchFamily="2" charset="2"/>
-              <a:defRPr sz="1200">
-                <a:solidFill>
-                  <a:srgbClr val="000000"/>
-                </a:solidFill>
-                <a:latin typeface="+mn-lt"/>
-                <a:ea typeface="+mn-ea"/>
-              </a:defRPr>
-            </a:lvl3pPr>
-            <a:lvl4pPr marL="1600200" indent="-228600" algn="l" rtl="0" eaLnBrk="0" fontAlgn="base" hangingPunct="0">
-              <a:spcBef>
-                <a:spcPct val="20000"/>
-              </a:spcBef>
-              <a:spcAft>
-                <a:spcPct val="0"/>
-              </a:spcAft>
-              <a:buClr>
-                <a:srgbClr val="0046AD"/>
-              </a:buClr>
-              <a:buFont typeface="Wingdings" panose="05000000000000000000" pitchFamily="2" charset="2"/>
-              <a:defRPr sz="1200">
-                <a:solidFill>
-                  <a:srgbClr val="0046AD"/>
-                </a:solidFill>
-                <a:latin typeface="+mn-lt"/>
-                <a:ea typeface="+mn-ea"/>
-              </a:defRPr>
-            </a:lvl4pPr>
-            <a:lvl5pPr marL="2057400" indent="-228600" algn="l" rtl="0" eaLnBrk="0" fontAlgn="base" hangingPunct="0">
-              <a:spcBef>
-                <a:spcPct val="20000"/>
-              </a:spcBef>
-              <a:spcAft>
-                <a:spcPct val="0"/>
-              </a:spcAft>
-              <a:buClr>
-                <a:srgbClr val="0046AD"/>
-              </a:buClr>
-              <a:buFont typeface="Wingdings" panose="05000000000000000000" pitchFamily="2" charset="2"/>
-              <a:defRPr sz="1200">
-                <a:solidFill>
-                  <a:srgbClr val="000000"/>
-                </a:solidFill>
-                <a:latin typeface="+mn-lt"/>
-                <a:ea typeface="+mn-ea"/>
-              </a:defRPr>
-            </a:lvl5pPr>
-            <a:lvl6pPr marL="2514600" indent="-228600" algn="l" rtl="0" fontAlgn="base">
-              <a:spcBef>
-                <a:spcPct val="20000"/>
-              </a:spcBef>
-              <a:spcAft>
-                <a:spcPct val="0"/>
-              </a:spcAft>
-              <a:buClr>
-                <a:srgbClr val="0046AD"/>
-              </a:buClr>
-              <a:buFont typeface="Wingdings" charset="0"/>
-              <a:defRPr sz="1200">
-                <a:solidFill>
-                  <a:srgbClr val="000000"/>
-                </a:solidFill>
-                <a:latin typeface="+mn-lt"/>
-                <a:ea typeface="+mn-ea"/>
-              </a:defRPr>
-            </a:lvl6pPr>
-            <a:lvl7pPr marL="2971800" indent="-228600" algn="l" rtl="0" fontAlgn="base">
-              <a:spcBef>
-                <a:spcPct val="20000"/>
-              </a:spcBef>
-              <a:spcAft>
-                <a:spcPct val="0"/>
-              </a:spcAft>
-              <a:buClr>
-                <a:srgbClr val="0046AD"/>
-              </a:buClr>
-              <a:buFont typeface="Wingdings" charset="0"/>
-              <a:defRPr sz="1200">
-                <a:solidFill>
-                  <a:srgbClr val="000000"/>
-                </a:solidFill>
-                <a:latin typeface="+mn-lt"/>
-                <a:ea typeface="+mn-ea"/>
-              </a:defRPr>
-            </a:lvl7pPr>
-            <a:lvl8pPr marL="3429000" indent="-228600" algn="l" rtl="0" fontAlgn="base">
-              <a:spcBef>
-                <a:spcPct val="20000"/>
-              </a:spcBef>
-              <a:spcAft>
-                <a:spcPct val="0"/>
-              </a:spcAft>
-              <a:buClr>
-                <a:srgbClr val="0046AD"/>
-              </a:buClr>
-              <a:buFont typeface="Wingdings" charset="0"/>
-              <a:defRPr sz="1200">
-                <a:solidFill>
-                  <a:srgbClr val="000000"/>
-                </a:solidFill>
-                <a:latin typeface="+mn-lt"/>
-                <a:ea typeface="+mn-ea"/>
-              </a:defRPr>
-            </a:lvl8pPr>
-            <a:lvl9pPr marL="3886200" indent="-228600" algn="l" rtl="0" fontAlgn="base">
-              <a:spcBef>
-                <a:spcPct val="20000"/>
-              </a:spcBef>
-              <a:spcAft>
-                <a:spcPct val="0"/>
-              </a:spcAft>
-              <a:buClr>
-                <a:srgbClr val="0046AD"/>
-              </a:buClr>
-              <a:buFont typeface="Wingdings" charset="0"/>
-              <a:defRPr sz="1200">
-                <a:solidFill>
-                  <a:srgbClr val="000000"/>
-                </a:solidFill>
-                <a:latin typeface="+mn-lt"/>
-                <a:ea typeface="+mn-ea"/>
-              </a:defRPr>
-            </a:lvl9pPr>
-          </a:lstStyle>
-          <a:p>
-            <a:pPr>
-              <a:buClr>
-                <a:srgbClr val="002060"/>
-              </a:buClr>
-              <a:buFont typeface="Arial" panose="020B0604020202020204" pitchFamily="34" charset="0"/>
-              <a:buChar char="•"/>
-              <a:defRPr/>
-            </a:pPr>
-            <a:r>
-              <a:rPr lang="en-US" sz="2000" kern="0" dirty="0">
-                <a:solidFill>
-                  <a:srgbClr val="002060"/>
-                </a:solidFill>
-              </a:rPr>
-              <a:t>Used when you have a time-to-event outcome </a:t>
-            </a:r>
-          </a:p>
-          <a:p>
-            <a:pPr>
-              <a:defRPr/>
-            </a:pPr>
-            <a:endParaRPr lang="en-CA" kern="0" dirty="0"/>
-          </a:p>
-        </p:txBody>
-      </p:sp>
-      <p:sp>
-        <p:nvSpPr>
-          <p:cNvPr id="33798" name="TextBox 1">
-            <a:extLst>
-              <a:ext uri="{FF2B5EF4-FFF2-40B4-BE49-F238E27FC236}">
-                <a16:creationId xmlns:a16="http://schemas.microsoft.com/office/drawing/2014/main" id="{EAD0D96B-0100-47A5-164E-9B3EDABF1CC1}"/>
-              </a:ext>
-            </a:extLst>
-          </p:cNvPr>
-          <p:cNvSpPr txBox="1">
-            <a:spLocks noChangeArrowheads="1"/>
-          </p:cNvSpPr>
-          <p:nvPr/>
-        </p:nvSpPr>
-        <p:spPr bwMode="auto">
-          <a:xfrm>
-            <a:off x="304800" y="2516188"/>
-            <a:ext cx="8001000" cy="3292475"/>
-          </a:xfrm>
-          <a:prstGeom prst="rect">
-            <a:avLst/>
-          </a:prstGeom>
-          <a:noFill/>
-          <a:ln>
-            <a:noFill/>
-          </a:ln>
-          <a:extLst>
-            <a:ext uri="{909E8E84-426E-40DD-AFC4-6F175D3DCCD1}">
-              <a14:hiddenFill xmlns:a14="http://schemas.microsoft.com/office/drawing/2010/main">
-                <a:solidFill>
-                  <a:srgbClr val="FFFFFF"/>
-                </a:solidFill>
-              </a14:hiddenFill>
-            </a:ext>
-            <a:ext uri="{91240B29-F687-4F45-9708-019B960494DF}">
-              <a14:hiddenLine xmlns:a14="http://schemas.microsoft.com/office/drawing/2010/main" w="9525">
-                <a:solidFill>
-                  <a:srgbClr val="000000"/>
-                </a:solidFill>
-                <a:miter lim="800000"/>
-                <a:headEnd/>
-                <a:tailEnd/>
-              </a14:hiddenLine>
-            </a:ext>
-          </a:extLst>
-        </p:spPr>
-        <p:txBody>
-          <a:bodyPr>
-            <a:spAutoFit/>
-          </a:bodyPr>
-          <a:lstStyle>
-            <a:lvl1pPr>
-              <a:lnSpc>
-                <a:spcPct val="120000"/>
-              </a:lnSpc>
-              <a:buClr>
-                <a:schemeClr val="hlink"/>
-              </a:buClr>
-              <a:buFont typeface="Wingdings" panose="05000000000000000000" pitchFamily="2" charset="2"/>
-              <a:defRPr sz="1400">
-                <a:solidFill>
-                  <a:srgbClr val="000000"/>
-                </a:solidFill>
-                <a:latin typeface="Arial" panose="020B0604020202020204" pitchFamily="34" charset="0"/>
-                <a:ea typeface="ヒラギノ角ゴ Pro W3"/>
-                <a:cs typeface="ヒラギノ角ゴ Pro W3"/>
-              </a:defRPr>
-            </a:lvl1pPr>
-            <a:lvl2pPr marL="742950" indent="-285750">
-              <a:spcBef>
-                <a:spcPct val="20000"/>
-              </a:spcBef>
-              <a:buClr>
-                <a:srgbClr val="0046AD"/>
-              </a:buClr>
-              <a:buFont typeface="Wingdings" panose="05000000000000000000" pitchFamily="2" charset="2"/>
-              <a:defRPr sz="1200">
-                <a:solidFill>
-                  <a:srgbClr val="0046AD"/>
-                </a:solidFill>
-                <a:latin typeface="Arial" panose="020B0604020202020204" pitchFamily="34" charset="0"/>
-                <a:ea typeface="ヒラギノ角ゴ Pro W3"/>
-                <a:cs typeface="ヒラギノ角ゴ Pro W3"/>
-              </a:defRPr>
-            </a:lvl2pPr>
-            <a:lvl3pPr marL="1143000" indent="-228600">
-              <a:spcBef>
-                <a:spcPct val="20000"/>
-              </a:spcBef>
-              <a:buClr>
-                <a:srgbClr val="0046AD"/>
-              </a:buClr>
-              <a:buFont typeface="Wingdings" panose="05000000000000000000" pitchFamily="2" charset="2"/>
-              <a:defRPr sz="1200">
-                <a:solidFill>
-                  <a:srgbClr val="000000"/>
-                </a:solidFill>
-                <a:latin typeface="Arial" panose="020B0604020202020204" pitchFamily="34" charset="0"/>
-                <a:ea typeface="ヒラギノ角ゴ Pro W3"/>
-                <a:cs typeface="ヒラギノ角ゴ Pro W3"/>
-              </a:defRPr>
-            </a:lvl3pPr>
-            <a:lvl4pPr marL="1600200" indent="-228600">
-              <a:spcBef>
-                <a:spcPct val="20000"/>
-              </a:spcBef>
-              <a:buClr>
-                <a:srgbClr val="0046AD"/>
-              </a:buClr>
-              <a:buFont typeface="Wingdings" panose="05000000000000000000" pitchFamily="2" charset="2"/>
-              <a:defRPr sz="1200">
-                <a:solidFill>
-                  <a:srgbClr val="0046AD"/>
-                </a:solidFill>
-                <a:latin typeface="Arial" panose="020B0604020202020204" pitchFamily="34" charset="0"/>
-                <a:ea typeface="ヒラギノ角ゴ Pro W3"/>
-                <a:cs typeface="ヒラギノ角ゴ Pro W3"/>
-              </a:defRPr>
-            </a:lvl4pPr>
-            <a:lvl5pPr marL="2057400" indent="-228600">
-              <a:spcBef>
-                <a:spcPct val="20000"/>
-              </a:spcBef>
-              <a:buClr>
-                <a:srgbClr val="0046AD"/>
-              </a:buClr>
-              <a:buFont typeface="Wingdings" panose="05000000000000000000" pitchFamily="2" charset="2"/>
-              <a:defRPr sz="1200">
-                <a:solidFill>
-                  <a:srgbClr val="000000"/>
-                </a:solidFill>
-                <a:latin typeface="Arial" panose="020B0604020202020204" pitchFamily="34" charset="0"/>
-                <a:ea typeface="ヒラギノ角ゴ Pro W3"/>
-                <a:cs typeface="ヒラギノ角ゴ Pro W3"/>
-              </a:defRPr>
-            </a:lvl5pPr>
-            <a:lvl6pPr marL="2514600" indent="-228600" eaLnBrk="0" fontAlgn="base" hangingPunct="0">
-              <a:spcBef>
-                <a:spcPct val="20000"/>
-              </a:spcBef>
-              <a:spcAft>
-                <a:spcPct val="0"/>
-              </a:spcAft>
-              <a:buClr>
-                <a:srgbClr val="0046AD"/>
-              </a:buClr>
-              <a:buFont typeface="Wingdings" panose="05000000000000000000" pitchFamily="2" charset="2"/>
-              <a:defRPr sz="1200">
-                <a:solidFill>
-                  <a:srgbClr val="000000"/>
-                </a:solidFill>
-                <a:latin typeface="Arial" panose="020B0604020202020204" pitchFamily="34" charset="0"/>
-                <a:ea typeface="ヒラギノ角ゴ Pro W3"/>
-                <a:cs typeface="ヒラギノ角ゴ Pro W3"/>
-              </a:defRPr>
-            </a:lvl6pPr>
-            <a:lvl7pPr marL="2971800" indent="-228600" eaLnBrk="0" fontAlgn="base" hangingPunct="0">
-              <a:spcBef>
-                <a:spcPct val="20000"/>
-              </a:spcBef>
-              <a:spcAft>
-                <a:spcPct val="0"/>
-              </a:spcAft>
-              <a:buClr>
-                <a:srgbClr val="0046AD"/>
-              </a:buClr>
-              <a:buFont typeface="Wingdings" panose="05000000000000000000" pitchFamily="2" charset="2"/>
-              <a:defRPr sz="1200">
-                <a:solidFill>
-                  <a:srgbClr val="000000"/>
-                </a:solidFill>
-                <a:latin typeface="Arial" panose="020B0604020202020204" pitchFamily="34" charset="0"/>
-                <a:ea typeface="ヒラギノ角ゴ Pro W3"/>
-                <a:cs typeface="ヒラギノ角ゴ Pro W3"/>
-              </a:defRPr>
-            </a:lvl7pPr>
-            <a:lvl8pPr marL="3429000" indent="-228600" eaLnBrk="0" fontAlgn="base" hangingPunct="0">
-              <a:spcBef>
-                <a:spcPct val="20000"/>
-              </a:spcBef>
-              <a:spcAft>
-                <a:spcPct val="0"/>
-              </a:spcAft>
-              <a:buClr>
-                <a:srgbClr val="0046AD"/>
-              </a:buClr>
-              <a:buFont typeface="Wingdings" panose="05000000000000000000" pitchFamily="2" charset="2"/>
-              <a:defRPr sz="1200">
-                <a:solidFill>
-                  <a:srgbClr val="000000"/>
-                </a:solidFill>
-                <a:latin typeface="Arial" panose="020B0604020202020204" pitchFamily="34" charset="0"/>
-                <a:ea typeface="ヒラギノ角ゴ Pro W3"/>
-                <a:cs typeface="ヒラギノ角ゴ Pro W3"/>
-              </a:defRPr>
-            </a:lvl8pPr>
-            <a:lvl9pPr marL="3886200" indent="-228600" eaLnBrk="0" fontAlgn="base" hangingPunct="0">
-              <a:spcBef>
-                <a:spcPct val="20000"/>
-              </a:spcBef>
-              <a:spcAft>
-                <a:spcPct val="0"/>
-              </a:spcAft>
-              <a:buClr>
-                <a:srgbClr val="0046AD"/>
-              </a:buClr>
-              <a:buFont typeface="Wingdings" panose="05000000000000000000" pitchFamily="2" charset="2"/>
-              <a:defRPr sz="1200">
-                <a:solidFill>
-                  <a:srgbClr val="000000"/>
-                </a:solidFill>
-                <a:latin typeface="Arial" panose="020B0604020202020204" pitchFamily="34" charset="0"/>
-                <a:ea typeface="ヒラギノ角ゴ Pro W3"/>
-                <a:cs typeface="ヒラギノ角ゴ Pro W3"/>
-              </a:defRPr>
-            </a:lvl9pPr>
-          </a:lstStyle>
-          <a:p>
-            <a:pPr>
-              <a:lnSpc>
-                <a:spcPct val="100000"/>
-              </a:lnSpc>
-              <a:buClrTx/>
-              <a:buFontTx/>
-              <a:buNone/>
-            </a:pPr>
-            <a:r>
-              <a:rPr lang="en-US" altLang="en-US" sz="1600">
-                <a:solidFill>
-                  <a:srgbClr val="002060"/>
-                </a:solidFill>
-              </a:rPr>
-              <a:t>Make your survival object </a:t>
-            </a:r>
-          </a:p>
-          <a:p>
-            <a:pPr>
-              <a:lnSpc>
-                <a:spcPct val="100000"/>
-              </a:lnSpc>
-              <a:buClrTx/>
-              <a:buFontTx/>
-              <a:buNone/>
-            </a:pPr>
-            <a:r>
-              <a:rPr lang="en-US" altLang="en-US" sz="1600">
-                <a:solidFill>
-                  <a:srgbClr val="002060"/>
-                </a:solidFill>
-              </a:rPr>
-              <a:t>This KM plot will be using DEATH and stratified by SEX</a:t>
-            </a:r>
-            <a:endParaRPr lang="en-US" altLang="en-US" sz="1600">
-              <a:solidFill>
-                <a:schemeClr val="bg1"/>
-              </a:solidFill>
-            </a:endParaRPr>
-          </a:p>
-          <a:p>
-            <a:pPr>
-              <a:lnSpc>
-                <a:spcPct val="100000"/>
-              </a:lnSpc>
-              <a:buClrTx/>
-              <a:buFontTx/>
-              <a:buNone/>
-            </a:pPr>
-            <a:r>
-              <a:rPr lang="en-US" altLang="en-US" sz="1600">
-                <a:solidFill>
-                  <a:schemeClr val="bg1"/>
-                </a:solidFill>
-              </a:rPr>
-              <a:t>fit_km   </a:t>
-            </a:r>
-            <a:r>
-              <a:rPr lang="en-US" altLang="en-US" sz="1600">
-                <a:solidFill>
-                  <a:schemeClr val="bg1"/>
-                </a:solidFill>
-                <a:sym typeface="Wingdings" panose="05000000000000000000" pitchFamily="2" charset="2"/>
-              </a:rPr>
-              <a:t>&lt;- </a:t>
-            </a:r>
-            <a:r>
-              <a:rPr lang="en-US" altLang="en-US" sz="1600">
-                <a:solidFill>
-                  <a:schemeClr val="bg1"/>
-                </a:solidFill>
-              </a:rPr>
-              <a:t>survfit(Surv(TIMEDTH , DEATH) ~ 1, data = data1)</a:t>
-            </a:r>
-            <a:endParaRPr lang="en-US" altLang="en-US" sz="1600">
-              <a:solidFill>
-                <a:srgbClr val="002060"/>
-              </a:solidFill>
-            </a:endParaRPr>
-          </a:p>
-          <a:p>
-            <a:pPr>
-              <a:lnSpc>
-                <a:spcPct val="100000"/>
-              </a:lnSpc>
-              <a:buClrTx/>
-              <a:buFontTx/>
-              <a:buNone/>
-            </a:pPr>
-            <a:r>
-              <a:rPr lang="en-US" altLang="en-US" sz="1600">
-                <a:solidFill>
-                  <a:srgbClr val="002060"/>
-                </a:solidFill>
-              </a:rPr>
-              <a:t>This KM plot will be using DEATH and stratified by SEX</a:t>
-            </a:r>
-            <a:endParaRPr lang="en-US" altLang="en-US" sz="1600">
-              <a:solidFill>
-                <a:schemeClr val="bg1"/>
-              </a:solidFill>
-            </a:endParaRPr>
-          </a:p>
-          <a:p>
-            <a:pPr>
-              <a:lnSpc>
-                <a:spcPct val="100000"/>
-              </a:lnSpc>
-              <a:buClrTx/>
-              <a:buFontTx/>
-              <a:buNone/>
-            </a:pPr>
-            <a:r>
-              <a:rPr lang="en-US" altLang="en-US" sz="1600">
-                <a:solidFill>
-                  <a:schemeClr val="bg1"/>
-                </a:solidFill>
-              </a:rPr>
-              <a:t>fit_km1 </a:t>
-            </a:r>
-            <a:r>
-              <a:rPr lang="en-US" altLang="en-US" sz="1600">
-                <a:solidFill>
-                  <a:schemeClr val="bg1"/>
-                </a:solidFill>
-                <a:sym typeface="Wingdings" panose="05000000000000000000" pitchFamily="2" charset="2"/>
-              </a:rPr>
-              <a:t>&lt;- </a:t>
-            </a:r>
-            <a:r>
-              <a:rPr lang="en-US" altLang="en-US" sz="1600">
-                <a:solidFill>
-                  <a:schemeClr val="bg1"/>
-                </a:solidFill>
-              </a:rPr>
-              <a:t>survfit(Surv(TIMEDTH , DEATH) ~ SEX, data = data1)</a:t>
-            </a:r>
-          </a:p>
-          <a:p>
-            <a:pPr>
-              <a:lnSpc>
-                <a:spcPct val="100000"/>
-              </a:lnSpc>
-              <a:buClrTx/>
-              <a:buFontTx/>
-              <a:buNone/>
-            </a:pPr>
-            <a:endParaRPr lang="en-US" altLang="en-US" sz="1600">
-              <a:solidFill>
-                <a:schemeClr val="bg1"/>
-              </a:solidFill>
-            </a:endParaRPr>
-          </a:p>
-          <a:p>
-            <a:pPr>
-              <a:lnSpc>
-                <a:spcPct val="100000"/>
-              </a:lnSpc>
-              <a:buClrTx/>
-              <a:buFontTx/>
-              <a:buNone/>
-            </a:pPr>
-            <a:r>
-              <a:rPr lang="en-US" altLang="en-US" sz="1600">
-                <a:solidFill>
-                  <a:srgbClr val="002060"/>
-                </a:solidFill>
-              </a:rPr>
-              <a:t>Make your plot object </a:t>
-            </a:r>
-            <a:r>
-              <a:rPr lang="en-US" altLang="en-US" sz="1600">
-                <a:solidFill>
-                  <a:schemeClr val="bg1"/>
-                </a:solidFill>
-              </a:rPr>
-              <a:t> </a:t>
-            </a:r>
-          </a:p>
-          <a:p>
-            <a:pPr>
-              <a:lnSpc>
-                <a:spcPct val="100000"/>
-              </a:lnSpc>
-              <a:buClrTx/>
-              <a:buFontTx/>
-              <a:buNone/>
-            </a:pPr>
-            <a:r>
-              <a:rPr lang="en-US" altLang="en-US" sz="1600">
-                <a:solidFill>
-                  <a:schemeClr val="bg1"/>
-                </a:solidFill>
-              </a:rPr>
-              <a:t>p_km  </a:t>
-            </a:r>
-            <a:r>
-              <a:rPr lang="en-US" altLang="en-US" sz="1600">
-                <a:solidFill>
-                  <a:schemeClr val="bg1"/>
-                </a:solidFill>
-                <a:sym typeface="Wingdings" panose="05000000000000000000" pitchFamily="2" charset="2"/>
-              </a:rPr>
-              <a:t>&lt;- </a:t>
-            </a:r>
-            <a:r>
-              <a:rPr lang="en-US" altLang="en-US" sz="1600">
-                <a:solidFill>
-                  <a:schemeClr val="bg1"/>
-                </a:solidFill>
-              </a:rPr>
-              <a:t>ggsurvplot(fit_km1, data = data1, risk.table = TRUE,</a:t>
-            </a:r>
-          </a:p>
-          <a:p>
-            <a:pPr lvl="2">
-              <a:spcBef>
-                <a:spcPct val="0"/>
-              </a:spcBef>
-              <a:buClrTx/>
-              <a:buFontTx/>
-              <a:buNone/>
-            </a:pPr>
-            <a:r>
-              <a:rPr lang="en-US" altLang="en-US" sz="1600">
-                <a:solidFill>
-                  <a:schemeClr val="bg1"/>
-                </a:solidFill>
-              </a:rPr>
-              <a:t>                   pval = TRUE,</a:t>
-            </a:r>
-          </a:p>
-          <a:p>
-            <a:pPr lvl="2">
-              <a:spcBef>
-                <a:spcPct val="0"/>
-              </a:spcBef>
-              <a:buClrTx/>
-              <a:buFontTx/>
-              <a:buNone/>
-            </a:pPr>
-            <a:r>
-              <a:rPr lang="en-US" altLang="en-US" sz="1600">
-                <a:solidFill>
-                  <a:schemeClr val="bg1"/>
-                </a:solidFill>
-              </a:rPr>
-              <a:t>                   pval.method = TRUE,</a:t>
-            </a:r>
-          </a:p>
-          <a:p>
-            <a:pPr lvl="2">
-              <a:spcBef>
-                <a:spcPct val="0"/>
-              </a:spcBef>
-              <a:buClrTx/>
-              <a:buFontTx/>
-              <a:buNone/>
-            </a:pPr>
-            <a:r>
-              <a:rPr lang="en-US" altLang="en-US" sz="1600">
-                <a:solidFill>
-                  <a:schemeClr val="bg1"/>
-                </a:solidFill>
-              </a:rPr>
-              <a:t>                   title = "KM Curve (Men vs. Women)")</a:t>
-            </a:r>
-          </a:p>
-          <a:p>
-            <a:pPr>
-              <a:lnSpc>
-                <a:spcPct val="100000"/>
-              </a:lnSpc>
-              <a:buClrTx/>
-              <a:buFontTx/>
-              <a:buNone/>
-            </a:pPr>
-            <a:r>
-              <a:rPr lang="en-US" altLang="en-US" sz="1600">
-                <a:solidFill>
-                  <a:srgbClr val="002060"/>
-                </a:solidFill>
-              </a:rPr>
-              <a:t>View your plot</a:t>
-            </a:r>
-            <a:endParaRPr lang="en-US" altLang="en-US" sz="1600">
-              <a:solidFill>
-                <a:schemeClr val="bg1"/>
-              </a:solidFill>
-            </a:endParaRPr>
-          </a:p>
-          <a:p>
-            <a:pPr>
-              <a:lnSpc>
-                <a:spcPct val="100000"/>
-              </a:lnSpc>
-              <a:buClrTx/>
-              <a:buFontTx/>
-              <a:buNone/>
-            </a:pPr>
-            <a:r>
-              <a:rPr lang="en-US" altLang="en-US" sz="1600">
-                <a:solidFill>
-                  <a:schemeClr val="bg1"/>
-                </a:solidFill>
-              </a:rPr>
-              <a:t>p_km</a:t>
-            </a:r>
-          </a:p>
-        </p:txBody>
-      </p:sp>
-      <p:sp>
-        <p:nvSpPr>
-          <p:cNvPr id="8" name="TextBox 7">
-            <a:extLst>
-              <a:ext uri="{FF2B5EF4-FFF2-40B4-BE49-F238E27FC236}">
-                <a16:creationId xmlns:a16="http://schemas.microsoft.com/office/drawing/2014/main" id="{4185970D-A9B8-459D-BBD9-6FDCC361421B}"/>
-              </a:ext>
-            </a:extLst>
-          </p:cNvPr>
-          <p:cNvSpPr txBox="1"/>
-          <p:nvPr/>
-        </p:nvSpPr>
-        <p:spPr>
-          <a:xfrm>
-            <a:off x="304800" y="2105025"/>
-            <a:ext cx="1371600" cy="460375"/>
-          </a:xfrm>
-          <a:prstGeom prst="rect">
-            <a:avLst/>
-          </a:prstGeom>
-          <a:noFill/>
-          <a:ln w="9525">
-            <a:solidFill>
-              <a:schemeClr val="accent4"/>
-            </a:solidFill>
-          </a:ln>
-        </p:spPr>
-        <p:txBody>
-          <a:bodyPr>
-            <a:spAutoFit/>
-          </a:bodyPr>
-          <a:lstStyle/>
-          <a:p>
-            <a:pPr>
-              <a:defRPr/>
-            </a:pPr>
-            <a:r>
-              <a:rPr lang="en-US" dirty="0">
-                <a:solidFill>
-                  <a:srgbClr val="002060"/>
-                </a:solidFill>
-                <a:ea typeface="ヒラギノ角ゴ Pro W3" pitchFamily="122" charset="-128"/>
-                <a:cs typeface="+mn-cs"/>
-              </a:rPr>
-              <a:t>Example</a:t>
-            </a:r>
-          </a:p>
-        </p:txBody>
-      </p:sp>
-      <p:pic>
-        <p:nvPicPr>
-          <p:cNvPr id="9" name="Picture 8">
-            <a:extLst>
-              <a:ext uri="{FF2B5EF4-FFF2-40B4-BE49-F238E27FC236}">
-                <a16:creationId xmlns:a16="http://schemas.microsoft.com/office/drawing/2014/main" id="{03EADD9A-ECF8-4153-A423-D54481F1AC41}"/>
-              </a:ext>
-            </a:extLst>
-          </p:cNvPr>
-          <p:cNvPicPr>
-            <a:picLocks noChangeAspect="1"/>
-          </p:cNvPicPr>
-          <p:nvPr/>
-        </p:nvPicPr>
-        <p:blipFill>
-          <a:blip r:embed="rId3"/>
-          <a:stretch>
-            <a:fillRect/>
-          </a:stretch>
-        </p:blipFill>
-        <p:spPr>
-          <a:xfrm>
-            <a:off x="6019800" y="3886200"/>
-            <a:ext cx="3090863" cy="2903538"/>
-          </a:xfrm>
-          <a:prstGeom prst="rect">
-            <a:avLst/>
-          </a:prstGeom>
-          <a:ln>
-            <a:solidFill>
-              <a:schemeClr val="accent5"/>
-            </a:solidFill>
-          </a:ln>
-        </p:spPr>
-      </p:pic>
-    </p:spTree>
-  </p:cSld>
-  <p:clrMapOvr>
-    <a:masterClrMapping/>
-  </p:clrMapOvr>
-</p:sld>
-</file>
-
-<file path=ppt/slides/slide24.xml><?xml version="1.0" encoding="utf-8"?>
-<p:sld xmlns:a="http://schemas.openxmlformats.org/drawingml/2006/main" xmlns:r="http://schemas.openxmlformats.org/officeDocument/2006/relationships" xmlns:p="http://schemas.openxmlformats.org/presentationml/2006/main">
-  <p:cSld>
-    <p:spTree>
-      <p:nvGrpSpPr>
-        <p:cNvPr id="1" name=""/>
-        <p:cNvGrpSpPr/>
-        <p:nvPr/>
-      </p:nvGrpSpPr>
-      <p:grpSpPr>
-        <a:xfrm>
-          <a:off x="0" y="0"/>
-          <a:ext cx="0" cy="0"/>
-          <a:chOff x="0" y="0"/>
-          <a:chExt cx="0" cy="0"/>
-        </a:xfrm>
-      </p:grpSpPr>
-      <p:sp>
-        <p:nvSpPr>
-          <p:cNvPr id="3" name="Title 1">
-            <a:extLst>
-              <a:ext uri="{FF2B5EF4-FFF2-40B4-BE49-F238E27FC236}">
-                <a16:creationId xmlns:a16="http://schemas.microsoft.com/office/drawing/2014/main" id="{39215624-9FF5-460F-803B-8FB6BCB8FB87}"/>
-              </a:ext>
-            </a:extLst>
-          </p:cNvPr>
-          <p:cNvSpPr txBox="1">
-            <a:spLocks/>
-          </p:cNvSpPr>
-          <p:nvPr/>
-        </p:nvSpPr>
-        <p:spPr>
-          <a:xfrm>
-            <a:off x="457200" y="762000"/>
-            <a:ext cx="7543800" cy="533400"/>
-          </a:xfrm>
-          <a:prstGeom prst="rect">
-            <a:avLst/>
-          </a:prstGeom>
-        </p:spPr>
-        <p:txBody>
-          <a:bodyPr/>
-          <a:lstStyle>
-            <a:lvl1pPr algn="l" rtl="0" eaLnBrk="0" fontAlgn="base" hangingPunct="0">
-              <a:spcBef>
-                <a:spcPct val="0"/>
-              </a:spcBef>
-              <a:spcAft>
-                <a:spcPct val="0"/>
-              </a:spcAft>
-              <a:defRPr sz="2500" b="1">
-                <a:solidFill>
-                  <a:srgbClr val="0046AD"/>
-                </a:solidFill>
-                <a:latin typeface="+mj-lt"/>
-                <a:ea typeface="+mj-ea"/>
-                <a:cs typeface="ヒラギノ角ゴ Pro W3" charset="0"/>
-              </a:defRPr>
-            </a:lvl1pPr>
-            <a:lvl2pPr algn="l" rtl="0" eaLnBrk="0" fontAlgn="base" hangingPunct="0">
-              <a:spcBef>
-                <a:spcPct val="0"/>
-              </a:spcBef>
-              <a:spcAft>
-                <a:spcPct val="0"/>
-              </a:spcAft>
-              <a:defRPr sz="2500" b="1">
-                <a:solidFill>
-                  <a:srgbClr val="0046AD"/>
-                </a:solidFill>
-                <a:latin typeface="Arial" charset="0"/>
-                <a:ea typeface="ヒラギノ角ゴ Pro W3" charset="0"/>
-                <a:cs typeface="ヒラギノ角ゴ Pro W3" charset="0"/>
-              </a:defRPr>
-            </a:lvl2pPr>
-            <a:lvl3pPr algn="l" rtl="0" eaLnBrk="0" fontAlgn="base" hangingPunct="0">
-              <a:spcBef>
-                <a:spcPct val="0"/>
-              </a:spcBef>
-              <a:spcAft>
-                <a:spcPct val="0"/>
-              </a:spcAft>
-              <a:defRPr sz="2500" b="1">
-                <a:solidFill>
-                  <a:srgbClr val="0046AD"/>
-                </a:solidFill>
-                <a:latin typeface="Arial" charset="0"/>
-                <a:ea typeface="ヒラギノ角ゴ Pro W3" charset="0"/>
-                <a:cs typeface="ヒラギノ角ゴ Pro W3" charset="0"/>
-              </a:defRPr>
-            </a:lvl3pPr>
-            <a:lvl4pPr algn="l" rtl="0" eaLnBrk="0" fontAlgn="base" hangingPunct="0">
-              <a:spcBef>
-                <a:spcPct val="0"/>
-              </a:spcBef>
-              <a:spcAft>
-                <a:spcPct val="0"/>
-              </a:spcAft>
-              <a:defRPr sz="2500" b="1">
-                <a:solidFill>
-                  <a:srgbClr val="0046AD"/>
-                </a:solidFill>
-                <a:latin typeface="Arial" charset="0"/>
-                <a:ea typeface="ヒラギノ角ゴ Pro W3" charset="0"/>
-                <a:cs typeface="ヒラギノ角ゴ Pro W3" charset="0"/>
-              </a:defRPr>
-            </a:lvl4pPr>
-            <a:lvl5pPr algn="l" rtl="0" eaLnBrk="0" fontAlgn="base" hangingPunct="0">
-              <a:spcBef>
-                <a:spcPct val="0"/>
-              </a:spcBef>
-              <a:spcAft>
-                <a:spcPct val="0"/>
-              </a:spcAft>
-              <a:defRPr sz="2500" b="1">
-                <a:solidFill>
-                  <a:srgbClr val="0046AD"/>
-                </a:solidFill>
-                <a:latin typeface="Arial" charset="0"/>
-                <a:ea typeface="ヒラギノ角ゴ Pro W3" charset="0"/>
-                <a:cs typeface="ヒラギノ角ゴ Pro W3" charset="0"/>
-              </a:defRPr>
-            </a:lvl5pPr>
-            <a:lvl6pPr marL="457200" algn="l" rtl="0" fontAlgn="base">
-              <a:spcBef>
-                <a:spcPct val="0"/>
-              </a:spcBef>
-              <a:spcAft>
-                <a:spcPct val="0"/>
-              </a:spcAft>
-              <a:defRPr sz="2500" b="1">
-                <a:solidFill>
-                  <a:srgbClr val="0046AD"/>
-                </a:solidFill>
-                <a:latin typeface="Arial" charset="0"/>
-                <a:ea typeface="ヒラギノ角ゴ Pro W3" charset="0"/>
-              </a:defRPr>
-            </a:lvl6pPr>
-            <a:lvl7pPr marL="914400" algn="l" rtl="0" fontAlgn="base">
-              <a:spcBef>
-                <a:spcPct val="0"/>
-              </a:spcBef>
-              <a:spcAft>
-                <a:spcPct val="0"/>
-              </a:spcAft>
-              <a:defRPr sz="2500" b="1">
-                <a:solidFill>
-                  <a:srgbClr val="0046AD"/>
-                </a:solidFill>
-                <a:latin typeface="Arial" charset="0"/>
-                <a:ea typeface="ヒラギノ角ゴ Pro W3" charset="0"/>
-              </a:defRPr>
-            </a:lvl7pPr>
-            <a:lvl8pPr marL="1371600" algn="l" rtl="0" fontAlgn="base">
-              <a:spcBef>
-                <a:spcPct val="0"/>
-              </a:spcBef>
-              <a:spcAft>
-                <a:spcPct val="0"/>
-              </a:spcAft>
-              <a:defRPr sz="2500" b="1">
-                <a:solidFill>
-                  <a:srgbClr val="0046AD"/>
-                </a:solidFill>
-                <a:latin typeface="Arial" charset="0"/>
-                <a:ea typeface="ヒラギノ角ゴ Pro W3" charset="0"/>
-              </a:defRPr>
-            </a:lvl8pPr>
-            <a:lvl9pPr marL="1828800" algn="l" rtl="0" fontAlgn="base">
-              <a:spcBef>
-                <a:spcPct val="0"/>
-              </a:spcBef>
-              <a:spcAft>
-                <a:spcPct val="0"/>
-              </a:spcAft>
-              <a:defRPr sz="2500" b="1">
-                <a:solidFill>
-                  <a:srgbClr val="0046AD"/>
-                </a:solidFill>
-                <a:latin typeface="Arial" charset="0"/>
-                <a:ea typeface="ヒラギノ角ゴ Pro W3" charset="0"/>
-              </a:defRPr>
-            </a:lvl9pPr>
-          </a:lstStyle>
-          <a:p>
-            <a:pPr>
-              <a:defRPr/>
-            </a:pPr>
-            <a:r>
-              <a:rPr lang="en-US" kern="0" dirty="0"/>
-              <a:t>Cox Model</a:t>
-            </a:r>
-            <a:endParaRPr lang="en-CA" kern="0" dirty="0"/>
-          </a:p>
-        </p:txBody>
-      </p:sp>
-      <p:sp>
-        <p:nvSpPr>
-          <p:cNvPr id="4" name="Content Placeholder 2">
-            <a:extLst>
-              <a:ext uri="{FF2B5EF4-FFF2-40B4-BE49-F238E27FC236}">
-                <a16:creationId xmlns:a16="http://schemas.microsoft.com/office/drawing/2014/main" id="{95EA56D7-3F9C-4BC3-A083-2E5062E55F93}"/>
-              </a:ext>
-            </a:extLst>
-          </p:cNvPr>
-          <p:cNvSpPr txBox="1">
-            <a:spLocks/>
-          </p:cNvSpPr>
-          <p:nvPr/>
-        </p:nvSpPr>
-        <p:spPr>
-          <a:xfrm>
-            <a:off x="466725" y="1905000"/>
-            <a:ext cx="7991475" cy="3736975"/>
-          </a:xfrm>
-          <a:prstGeom prst="rect">
-            <a:avLst/>
-          </a:prstGeom>
-        </p:spPr>
-        <p:txBody>
-          <a:bodyPr/>
-          <a:lstStyle>
-            <a:lvl1pPr marL="342900" indent="-342900" algn="l" rtl="0" eaLnBrk="0" fontAlgn="base" hangingPunct="0">
-              <a:lnSpc>
-                <a:spcPct val="120000"/>
-              </a:lnSpc>
-              <a:spcBef>
-                <a:spcPct val="0"/>
-              </a:spcBef>
-              <a:spcAft>
-                <a:spcPct val="0"/>
-              </a:spcAft>
-              <a:buClr>
-                <a:schemeClr val="hlink"/>
-              </a:buClr>
-              <a:buFont typeface="Wingdings" panose="05000000000000000000" pitchFamily="2" charset="2"/>
-              <a:defRPr sz="1400">
-                <a:solidFill>
-                  <a:srgbClr val="000000"/>
-                </a:solidFill>
-                <a:latin typeface="+mn-lt"/>
-                <a:ea typeface="+mn-ea"/>
-                <a:cs typeface="ヒラギノ角ゴ Pro W3" charset="0"/>
-              </a:defRPr>
-            </a:lvl1pPr>
-            <a:lvl2pPr marL="742950" indent="-285750" algn="l" rtl="0" eaLnBrk="0" fontAlgn="base" hangingPunct="0">
-              <a:spcBef>
-                <a:spcPct val="20000"/>
-              </a:spcBef>
-              <a:spcAft>
-                <a:spcPct val="0"/>
-              </a:spcAft>
-              <a:buClr>
-                <a:srgbClr val="0046AD"/>
-              </a:buClr>
-              <a:buFont typeface="Wingdings" panose="05000000000000000000" pitchFamily="2" charset="2"/>
-              <a:defRPr sz="1200">
-                <a:solidFill>
-                  <a:srgbClr val="0046AD"/>
-                </a:solidFill>
-                <a:latin typeface="+mn-lt"/>
-                <a:ea typeface="+mn-ea"/>
-              </a:defRPr>
-            </a:lvl2pPr>
-            <a:lvl3pPr marL="1143000" indent="-228600" algn="l" rtl="0" eaLnBrk="0" fontAlgn="base" hangingPunct="0">
-              <a:spcBef>
-                <a:spcPct val="20000"/>
-              </a:spcBef>
-              <a:spcAft>
-                <a:spcPct val="0"/>
-              </a:spcAft>
-              <a:buClr>
-                <a:srgbClr val="0046AD"/>
-              </a:buClr>
-              <a:buFont typeface="Wingdings" panose="05000000000000000000" pitchFamily="2" charset="2"/>
-              <a:defRPr sz="1200">
-                <a:solidFill>
-                  <a:srgbClr val="000000"/>
-                </a:solidFill>
-                <a:latin typeface="+mn-lt"/>
-                <a:ea typeface="+mn-ea"/>
-              </a:defRPr>
-            </a:lvl3pPr>
-            <a:lvl4pPr marL="1600200" indent="-228600" algn="l" rtl="0" eaLnBrk="0" fontAlgn="base" hangingPunct="0">
-              <a:spcBef>
-                <a:spcPct val="20000"/>
-              </a:spcBef>
-              <a:spcAft>
-                <a:spcPct val="0"/>
-              </a:spcAft>
-              <a:buClr>
-                <a:srgbClr val="0046AD"/>
-              </a:buClr>
-              <a:buFont typeface="Wingdings" panose="05000000000000000000" pitchFamily="2" charset="2"/>
-              <a:defRPr sz="1200">
-                <a:solidFill>
-                  <a:srgbClr val="0046AD"/>
-                </a:solidFill>
-                <a:latin typeface="+mn-lt"/>
-                <a:ea typeface="+mn-ea"/>
-              </a:defRPr>
-            </a:lvl4pPr>
-            <a:lvl5pPr marL="2057400" indent="-228600" algn="l" rtl="0" eaLnBrk="0" fontAlgn="base" hangingPunct="0">
-              <a:spcBef>
-                <a:spcPct val="20000"/>
-              </a:spcBef>
-              <a:spcAft>
-                <a:spcPct val="0"/>
-              </a:spcAft>
-              <a:buClr>
-                <a:srgbClr val="0046AD"/>
-              </a:buClr>
-              <a:buFont typeface="Wingdings" panose="05000000000000000000" pitchFamily="2" charset="2"/>
-              <a:defRPr sz="1200">
-                <a:solidFill>
-                  <a:srgbClr val="000000"/>
-                </a:solidFill>
-                <a:latin typeface="+mn-lt"/>
-                <a:ea typeface="+mn-ea"/>
-              </a:defRPr>
-            </a:lvl5pPr>
-            <a:lvl6pPr marL="2514600" indent="-228600" algn="l" rtl="0" fontAlgn="base">
-              <a:spcBef>
-                <a:spcPct val="20000"/>
-              </a:spcBef>
-              <a:spcAft>
-                <a:spcPct val="0"/>
-              </a:spcAft>
-              <a:buClr>
-                <a:srgbClr val="0046AD"/>
-              </a:buClr>
-              <a:buFont typeface="Wingdings" charset="0"/>
-              <a:defRPr sz="1200">
-                <a:solidFill>
-                  <a:srgbClr val="000000"/>
-                </a:solidFill>
-                <a:latin typeface="+mn-lt"/>
-                <a:ea typeface="+mn-ea"/>
-              </a:defRPr>
-            </a:lvl6pPr>
-            <a:lvl7pPr marL="2971800" indent="-228600" algn="l" rtl="0" fontAlgn="base">
-              <a:spcBef>
-                <a:spcPct val="20000"/>
-              </a:spcBef>
-              <a:spcAft>
-                <a:spcPct val="0"/>
-              </a:spcAft>
-              <a:buClr>
-                <a:srgbClr val="0046AD"/>
-              </a:buClr>
-              <a:buFont typeface="Wingdings" charset="0"/>
-              <a:defRPr sz="1200">
-                <a:solidFill>
-                  <a:srgbClr val="000000"/>
-                </a:solidFill>
-                <a:latin typeface="+mn-lt"/>
-                <a:ea typeface="+mn-ea"/>
-              </a:defRPr>
-            </a:lvl7pPr>
-            <a:lvl8pPr marL="3429000" indent="-228600" algn="l" rtl="0" fontAlgn="base">
-              <a:spcBef>
-                <a:spcPct val="20000"/>
-              </a:spcBef>
-              <a:spcAft>
-                <a:spcPct val="0"/>
-              </a:spcAft>
-              <a:buClr>
-                <a:srgbClr val="0046AD"/>
-              </a:buClr>
-              <a:buFont typeface="Wingdings" charset="0"/>
-              <a:defRPr sz="1200">
-                <a:solidFill>
-                  <a:srgbClr val="000000"/>
-                </a:solidFill>
-                <a:latin typeface="+mn-lt"/>
-                <a:ea typeface="+mn-ea"/>
-              </a:defRPr>
-            </a:lvl8pPr>
-            <a:lvl9pPr marL="3886200" indent="-228600" algn="l" rtl="0" fontAlgn="base">
-              <a:spcBef>
-                <a:spcPct val="20000"/>
-              </a:spcBef>
-              <a:spcAft>
-                <a:spcPct val="0"/>
-              </a:spcAft>
-              <a:buClr>
-                <a:srgbClr val="0046AD"/>
-              </a:buClr>
-              <a:buFont typeface="Wingdings" charset="0"/>
-              <a:defRPr sz="1200">
-                <a:solidFill>
-                  <a:srgbClr val="000000"/>
-                </a:solidFill>
-                <a:latin typeface="+mn-lt"/>
-                <a:ea typeface="+mn-ea"/>
-              </a:defRPr>
-            </a:lvl9pPr>
-          </a:lstStyle>
-          <a:p>
-            <a:pPr>
-              <a:buClr>
-                <a:srgbClr val="002060"/>
-              </a:buClr>
-              <a:buFont typeface="Arial" panose="020B0604020202020204" pitchFamily="34" charset="0"/>
-              <a:buChar char="•"/>
-              <a:defRPr/>
-            </a:pPr>
-            <a:endParaRPr lang="en-US" sz="2400" kern="0" dirty="0">
-              <a:solidFill>
-                <a:srgbClr val="002060"/>
-              </a:solidFill>
-            </a:endParaRPr>
-          </a:p>
-          <a:p>
-            <a:pPr>
-              <a:defRPr/>
-            </a:pPr>
-            <a:endParaRPr lang="en-CA" kern="0" dirty="0"/>
-          </a:p>
-        </p:txBody>
-      </p:sp>
-      <p:sp>
-        <p:nvSpPr>
-          <p:cNvPr id="7" name="Rectangle 6">
-            <a:extLst>
-              <a:ext uri="{FF2B5EF4-FFF2-40B4-BE49-F238E27FC236}">
-                <a16:creationId xmlns:a16="http://schemas.microsoft.com/office/drawing/2014/main" id="{5A5307FE-6ADC-468D-9A5C-4FD11E009735}"/>
-              </a:ext>
-            </a:extLst>
-          </p:cNvPr>
-          <p:cNvSpPr/>
-          <p:nvPr/>
-        </p:nvSpPr>
-        <p:spPr bwMode="auto">
-          <a:xfrm>
-            <a:off x="304800" y="2105025"/>
-            <a:ext cx="8534400" cy="4676775"/>
-          </a:xfrm>
-          <a:prstGeom prst="rect">
-            <a:avLst/>
-          </a:prstGeom>
-          <a:solidFill>
-            <a:schemeClr val="tx1"/>
-          </a:solidFill>
-          <a:ln w="9525">
-            <a:headEnd type="none" w="med" len="med"/>
-            <a:tailEnd type="none" w="med" len="med"/>
-          </a:ln>
-          <a:extLst>
-            <a:ext uri="{AF507438-7753-43e0-B8FC-AC1667EBCBE1}"/>
-          </a:extLst>
-        </p:spPr>
-        <p:style>
-          <a:lnRef idx="2">
-            <a:schemeClr val="accent4"/>
-          </a:lnRef>
-          <a:fillRef idx="1">
-            <a:schemeClr val="lt1"/>
-          </a:fillRef>
-          <a:effectRef idx="0">
-            <a:schemeClr val="accent4"/>
-          </a:effectRef>
-          <a:fontRef idx="minor">
-            <a:schemeClr val="dk1"/>
-          </a:fontRef>
-        </p:style>
-        <p:txBody>
-          <a:bodyPr/>
-          <a:lstStyle/>
-          <a:p>
-            <a:pPr>
-              <a:defRPr/>
-            </a:pPr>
-            <a:endParaRPr lang="en-US">
-              <a:solidFill>
-                <a:srgbClr val="000000"/>
-              </a:solidFill>
-            </a:endParaRPr>
-          </a:p>
-        </p:txBody>
-      </p:sp>
-      <p:sp>
-        <p:nvSpPr>
-          <p:cNvPr id="5" name="Content Placeholder 2">
-            <a:extLst>
-              <a:ext uri="{FF2B5EF4-FFF2-40B4-BE49-F238E27FC236}">
-                <a16:creationId xmlns:a16="http://schemas.microsoft.com/office/drawing/2014/main" id="{95EA56D7-3F9C-4BC3-A083-2E5062E55F93}"/>
-              </a:ext>
-            </a:extLst>
-          </p:cNvPr>
-          <p:cNvSpPr txBox="1">
-            <a:spLocks/>
-          </p:cNvSpPr>
-          <p:nvPr/>
-        </p:nvSpPr>
-        <p:spPr>
-          <a:xfrm>
-            <a:off x="360363" y="1641475"/>
-            <a:ext cx="7991475" cy="1066800"/>
-          </a:xfrm>
-          <a:prstGeom prst="rect">
-            <a:avLst/>
-          </a:prstGeom>
-        </p:spPr>
-        <p:txBody>
-          <a:bodyPr/>
-          <a:lstStyle>
-            <a:lvl1pPr marL="342900" indent="-342900" algn="l" rtl="0" eaLnBrk="0" fontAlgn="base" hangingPunct="0">
-              <a:lnSpc>
-                <a:spcPct val="120000"/>
-              </a:lnSpc>
-              <a:spcBef>
-                <a:spcPct val="0"/>
-              </a:spcBef>
-              <a:spcAft>
-                <a:spcPct val="0"/>
-              </a:spcAft>
-              <a:buClr>
-                <a:schemeClr val="hlink"/>
-              </a:buClr>
-              <a:buFont typeface="Wingdings" panose="05000000000000000000" pitchFamily="2" charset="2"/>
-              <a:defRPr sz="1400">
-                <a:solidFill>
-                  <a:srgbClr val="000000"/>
-                </a:solidFill>
-                <a:latin typeface="+mn-lt"/>
-                <a:ea typeface="+mn-ea"/>
-                <a:cs typeface="ヒラギノ角ゴ Pro W3" charset="0"/>
-              </a:defRPr>
-            </a:lvl1pPr>
-            <a:lvl2pPr marL="742950" indent="-285750" algn="l" rtl="0" eaLnBrk="0" fontAlgn="base" hangingPunct="0">
-              <a:spcBef>
-                <a:spcPct val="20000"/>
-              </a:spcBef>
-              <a:spcAft>
-                <a:spcPct val="0"/>
-              </a:spcAft>
-              <a:buClr>
-                <a:srgbClr val="0046AD"/>
-              </a:buClr>
-              <a:buFont typeface="Wingdings" panose="05000000000000000000" pitchFamily="2" charset="2"/>
-              <a:defRPr sz="1200">
-                <a:solidFill>
-                  <a:srgbClr val="0046AD"/>
-                </a:solidFill>
-                <a:latin typeface="+mn-lt"/>
-                <a:ea typeface="+mn-ea"/>
-              </a:defRPr>
-            </a:lvl2pPr>
-            <a:lvl3pPr marL="1143000" indent="-228600" algn="l" rtl="0" eaLnBrk="0" fontAlgn="base" hangingPunct="0">
-              <a:spcBef>
-                <a:spcPct val="20000"/>
-              </a:spcBef>
-              <a:spcAft>
-                <a:spcPct val="0"/>
-              </a:spcAft>
-              <a:buClr>
-                <a:srgbClr val="0046AD"/>
-              </a:buClr>
-              <a:buFont typeface="Wingdings" panose="05000000000000000000" pitchFamily="2" charset="2"/>
-              <a:defRPr sz="1200">
-                <a:solidFill>
-                  <a:srgbClr val="000000"/>
-                </a:solidFill>
-                <a:latin typeface="+mn-lt"/>
-                <a:ea typeface="+mn-ea"/>
-              </a:defRPr>
-            </a:lvl3pPr>
-            <a:lvl4pPr marL="1600200" indent="-228600" algn="l" rtl="0" eaLnBrk="0" fontAlgn="base" hangingPunct="0">
-              <a:spcBef>
-                <a:spcPct val="20000"/>
-              </a:spcBef>
-              <a:spcAft>
-                <a:spcPct val="0"/>
-              </a:spcAft>
-              <a:buClr>
-                <a:srgbClr val="0046AD"/>
-              </a:buClr>
-              <a:buFont typeface="Wingdings" panose="05000000000000000000" pitchFamily="2" charset="2"/>
-              <a:defRPr sz="1200">
-                <a:solidFill>
-                  <a:srgbClr val="0046AD"/>
-                </a:solidFill>
-                <a:latin typeface="+mn-lt"/>
-                <a:ea typeface="+mn-ea"/>
-              </a:defRPr>
-            </a:lvl4pPr>
-            <a:lvl5pPr marL="2057400" indent="-228600" algn="l" rtl="0" eaLnBrk="0" fontAlgn="base" hangingPunct="0">
-              <a:spcBef>
-                <a:spcPct val="20000"/>
-              </a:spcBef>
-              <a:spcAft>
-                <a:spcPct val="0"/>
-              </a:spcAft>
-              <a:buClr>
-                <a:srgbClr val="0046AD"/>
-              </a:buClr>
-              <a:buFont typeface="Wingdings" panose="05000000000000000000" pitchFamily="2" charset="2"/>
-              <a:defRPr sz="1200">
-                <a:solidFill>
-                  <a:srgbClr val="000000"/>
-                </a:solidFill>
-                <a:latin typeface="+mn-lt"/>
-                <a:ea typeface="+mn-ea"/>
-              </a:defRPr>
-            </a:lvl5pPr>
-            <a:lvl6pPr marL="2514600" indent="-228600" algn="l" rtl="0" fontAlgn="base">
-              <a:spcBef>
-                <a:spcPct val="20000"/>
-              </a:spcBef>
-              <a:spcAft>
-                <a:spcPct val="0"/>
-              </a:spcAft>
-              <a:buClr>
-                <a:srgbClr val="0046AD"/>
-              </a:buClr>
-              <a:buFont typeface="Wingdings" charset="0"/>
-              <a:defRPr sz="1200">
-                <a:solidFill>
-                  <a:srgbClr val="000000"/>
-                </a:solidFill>
-                <a:latin typeface="+mn-lt"/>
-                <a:ea typeface="+mn-ea"/>
-              </a:defRPr>
-            </a:lvl6pPr>
-            <a:lvl7pPr marL="2971800" indent="-228600" algn="l" rtl="0" fontAlgn="base">
-              <a:spcBef>
-                <a:spcPct val="20000"/>
-              </a:spcBef>
-              <a:spcAft>
-                <a:spcPct val="0"/>
-              </a:spcAft>
-              <a:buClr>
-                <a:srgbClr val="0046AD"/>
-              </a:buClr>
-              <a:buFont typeface="Wingdings" charset="0"/>
-              <a:defRPr sz="1200">
-                <a:solidFill>
-                  <a:srgbClr val="000000"/>
-                </a:solidFill>
-                <a:latin typeface="+mn-lt"/>
-                <a:ea typeface="+mn-ea"/>
-              </a:defRPr>
-            </a:lvl7pPr>
-            <a:lvl8pPr marL="3429000" indent="-228600" algn="l" rtl="0" fontAlgn="base">
-              <a:spcBef>
-                <a:spcPct val="20000"/>
-              </a:spcBef>
-              <a:spcAft>
-                <a:spcPct val="0"/>
-              </a:spcAft>
-              <a:buClr>
-                <a:srgbClr val="0046AD"/>
-              </a:buClr>
-              <a:buFont typeface="Wingdings" charset="0"/>
-              <a:defRPr sz="1200">
-                <a:solidFill>
-                  <a:srgbClr val="000000"/>
-                </a:solidFill>
-                <a:latin typeface="+mn-lt"/>
-                <a:ea typeface="+mn-ea"/>
-              </a:defRPr>
-            </a:lvl8pPr>
-            <a:lvl9pPr marL="3886200" indent="-228600" algn="l" rtl="0" fontAlgn="base">
-              <a:spcBef>
-                <a:spcPct val="20000"/>
-              </a:spcBef>
-              <a:spcAft>
-                <a:spcPct val="0"/>
-              </a:spcAft>
-              <a:buClr>
-                <a:srgbClr val="0046AD"/>
-              </a:buClr>
-              <a:buFont typeface="Wingdings" charset="0"/>
-              <a:defRPr sz="1200">
-                <a:solidFill>
-                  <a:srgbClr val="000000"/>
-                </a:solidFill>
-                <a:latin typeface="+mn-lt"/>
-                <a:ea typeface="+mn-ea"/>
-              </a:defRPr>
-            </a:lvl9pPr>
-          </a:lstStyle>
-          <a:p>
-            <a:pPr>
-              <a:buClr>
-                <a:srgbClr val="002060"/>
-              </a:buClr>
-              <a:buFont typeface="Arial" panose="020B0604020202020204" pitchFamily="34" charset="0"/>
-              <a:buChar char="•"/>
-              <a:defRPr/>
-            </a:pPr>
-            <a:r>
-              <a:rPr lang="en-US" sz="2000" kern="0" dirty="0">
-                <a:solidFill>
-                  <a:srgbClr val="002060"/>
-                </a:solidFill>
-              </a:rPr>
-              <a:t>Used when you have a time-to-event outcome </a:t>
-            </a:r>
-          </a:p>
-          <a:p>
-            <a:pPr>
-              <a:defRPr/>
-            </a:pPr>
-            <a:endParaRPr lang="en-CA" kern="0" dirty="0"/>
-          </a:p>
-        </p:txBody>
-      </p:sp>
-      <p:sp>
-        <p:nvSpPr>
-          <p:cNvPr id="35846" name="TextBox 1">
-            <a:extLst>
-              <a:ext uri="{FF2B5EF4-FFF2-40B4-BE49-F238E27FC236}">
-                <a16:creationId xmlns:a16="http://schemas.microsoft.com/office/drawing/2014/main" id="{B19283CE-925B-D7B5-3ED0-7F1593BAEB9A}"/>
-              </a:ext>
-            </a:extLst>
-          </p:cNvPr>
-          <p:cNvSpPr txBox="1">
-            <a:spLocks noChangeArrowheads="1"/>
-          </p:cNvSpPr>
-          <p:nvPr/>
-        </p:nvSpPr>
-        <p:spPr bwMode="auto">
-          <a:xfrm>
-            <a:off x="304800" y="2516188"/>
-            <a:ext cx="8001000" cy="4524375"/>
-          </a:xfrm>
-          <a:prstGeom prst="rect">
-            <a:avLst/>
-          </a:prstGeom>
-          <a:noFill/>
-          <a:ln>
-            <a:noFill/>
-          </a:ln>
-          <a:extLst>
-            <a:ext uri="{909E8E84-426E-40DD-AFC4-6F175D3DCCD1}">
-              <a14:hiddenFill xmlns:a14="http://schemas.microsoft.com/office/drawing/2010/main">
-                <a:solidFill>
-                  <a:srgbClr val="FFFFFF"/>
-                </a:solidFill>
-              </a14:hiddenFill>
-            </a:ext>
-            <a:ext uri="{91240B29-F687-4F45-9708-019B960494DF}">
-              <a14:hiddenLine xmlns:a14="http://schemas.microsoft.com/office/drawing/2010/main" w="9525">
-                <a:solidFill>
-                  <a:srgbClr val="000000"/>
-                </a:solidFill>
-                <a:miter lim="800000"/>
-                <a:headEnd/>
-                <a:tailEnd/>
-              </a14:hiddenLine>
-            </a:ext>
-          </a:extLst>
-        </p:spPr>
-        <p:txBody>
-          <a:bodyPr>
-            <a:spAutoFit/>
-          </a:bodyPr>
-          <a:lstStyle>
-            <a:lvl1pPr>
-              <a:lnSpc>
-                <a:spcPct val="120000"/>
-              </a:lnSpc>
-              <a:buClr>
-                <a:schemeClr val="hlink"/>
-              </a:buClr>
-              <a:buFont typeface="Wingdings" panose="05000000000000000000" pitchFamily="2" charset="2"/>
-              <a:defRPr sz="1400">
-                <a:solidFill>
-                  <a:srgbClr val="000000"/>
-                </a:solidFill>
-                <a:latin typeface="Arial" panose="020B0604020202020204" pitchFamily="34" charset="0"/>
-                <a:ea typeface="ヒラギノ角ゴ Pro W3"/>
-                <a:cs typeface="ヒラギノ角ゴ Pro W3"/>
-              </a:defRPr>
-            </a:lvl1pPr>
-            <a:lvl2pPr marL="742950" indent="-285750">
-              <a:spcBef>
-                <a:spcPct val="20000"/>
-              </a:spcBef>
-              <a:buClr>
-                <a:srgbClr val="0046AD"/>
-              </a:buClr>
-              <a:buFont typeface="Wingdings" panose="05000000000000000000" pitchFamily="2" charset="2"/>
-              <a:defRPr sz="1200">
-                <a:solidFill>
-                  <a:srgbClr val="0046AD"/>
-                </a:solidFill>
-                <a:latin typeface="Arial" panose="020B0604020202020204" pitchFamily="34" charset="0"/>
-                <a:ea typeface="ヒラギノ角ゴ Pro W3"/>
-                <a:cs typeface="ヒラギノ角ゴ Pro W3"/>
-              </a:defRPr>
-            </a:lvl2pPr>
-            <a:lvl3pPr marL="1143000" indent="-228600">
-              <a:spcBef>
-                <a:spcPct val="20000"/>
-              </a:spcBef>
-              <a:buClr>
-                <a:srgbClr val="0046AD"/>
-              </a:buClr>
-              <a:buFont typeface="Wingdings" panose="05000000000000000000" pitchFamily="2" charset="2"/>
-              <a:defRPr sz="1200">
-                <a:solidFill>
-                  <a:srgbClr val="000000"/>
-                </a:solidFill>
-                <a:latin typeface="Arial" panose="020B0604020202020204" pitchFamily="34" charset="0"/>
-                <a:ea typeface="ヒラギノ角ゴ Pro W3"/>
-                <a:cs typeface="ヒラギノ角ゴ Pro W3"/>
-              </a:defRPr>
-            </a:lvl3pPr>
-            <a:lvl4pPr marL="1600200" indent="-228600">
-              <a:spcBef>
-                <a:spcPct val="20000"/>
-              </a:spcBef>
-              <a:buClr>
-                <a:srgbClr val="0046AD"/>
-              </a:buClr>
-              <a:buFont typeface="Wingdings" panose="05000000000000000000" pitchFamily="2" charset="2"/>
-              <a:defRPr sz="1200">
-                <a:solidFill>
-                  <a:srgbClr val="0046AD"/>
-                </a:solidFill>
-                <a:latin typeface="Arial" panose="020B0604020202020204" pitchFamily="34" charset="0"/>
-                <a:ea typeface="ヒラギノ角ゴ Pro W3"/>
-                <a:cs typeface="ヒラギノ角ゴ Pro W3"/>
-              </a:defRPr>
-            </a:lvl4pPr>
-            <a:lvl5pPr marL="2057400" indent="-228600">
-              <a:spcBef>
-                <a:spcPct val="20000"/>
-              </a:spcBef>
-              <a:buClr>
-                <a:srgbClr val="0046AD"/>
-              </a:buClr>
-              <a:buFont typeface="Wingdings" panose="05000000000000000000" pitchFamily="2" charset="2"/>
-              <a:defRPr sz="1200">
-                <a:solidFill>
-                  <a:srgbClr val="000000"/>
-                </a:solidFill>
-                <a:latin typeface="Arial" panose="020B0604020202020204" pitchFamily="34" charset="0"/>
-                <a:ea typeface="ヒラギノ角ゴ Pro W3"/>
-                <a:cs typeface="ヒラギノ角ゴ Pro W3"/>
-              </a:defRPr>
-            </a:lvl5pPr>
-            <a:lvl6pPr marL="2514600" indent="-228600" eaLnBrk="0" fontAlgn="base" hangingPunct="0">
-              <a:spcBef>
-                <a:spcPct val="20000"/>
-              </a:spcBef>
-              <a:spcAft>
-                <a:spcPct val="0"/>
-              </a:spcAft>
-              <a:buClr>
-                <a:srgbClr val="0046AD"/>
-              </a:buClr>
-              <a:buFont typeface="Wingdings" panose="05000000000000000000" pitchFamily="2" charset="2"/>
-              <a:defRPr sz="1200">
-                <a:solidFill>
-                  <a:srgbClr val="000000"/>
-                </a:solidFill>
-                <a:latin typeface="Arial" panose="020B0604020202020204" pitchFamily="34" charset="0"/>
-                <a:ea typeface="ヒラギノ角ゴ Pro W3"/>
-                <a:cs typeface="ヒラギノ角ゴ Pro W3"/>
-              </a:defRPr>
-            </a:lvl6pPr>
-            <a:lvl7pPr marL="2971800" indent="-228600" eaLnBrk="0" fontAlgn="base" hangingPunct="0">
-              <a:spcBef>
-                <a:spcPct val="20000"/>
-              </a:spcBef>
-              <a:spcAft>
-                <a:spcPct val="0"/>
-              </a:spcAft>
-              <a:buClr>
-                <a:srgbClr val="0046AD"/>
-              </a:buClr>
-              <a:buFont typeface="Wingdings" panose="05000000000000000000" pitchFamily="2" charset="2"/>
-              <a:defRPr sz="1200">
-                <a:solidFill>
-                  <a:srgbClr val="000000"/>
-                </a:solidFill>
-                <a:latin typeface="Arial" panose="020B0604020202020204" pitchFamily="34" charset="0"/>
-                <a:ea typeface="ヒラギノ角ゴ Pro W3"/>
-                <a:cs typeface="ヒラギノ角ゴ Pro W3"/>
-              </a:defRPr>
-            </a:lvl7pPr>
-            <a:lvl8pPr marL="3429000" indent="-228600" eaLnBrk="0" fontAlgn="base" hangingPunct="0">
-              <a:spcBef>
-                <a:spcPct val="20000"/>
-              </a:spcBef>
-              <a:spcAft>
-                <a:spcPct val="0"/>
-              </a:spcAft>
-              <a:buClr>
-                <a:srgbClr val="0046AD"/>
-              </a:buClr>
-              <a:buFont typeface="Wingdings" panose="05000000000000000000" pitchFamily="2" charset="2"/>
-              <a:defRPr sz="1200">
-                <a:solidFill>
-                  <a:srgbClr val="000000"/>
-                </a:solidFill>
-                <a:latin typeface="Arial" panose="020B0604020202020204" pitchFamily="34" charset="0"/>
-                <a:ea typeface="ヒラギノ角ゴ Pro W3"/>
-                <a:cs typeface="ヒラギノ角ゴ Pro W3"/>
-              </a:defRPr>
-            </a:lvl8pPr>
-            <a:lvl9pPr marL="3886200" indent="-228600" eaLnBrk="0" fontAlgn="base" hangingPunct="0">
-              <a:spcBef>
-                <a:spcPct val="20000"/>
-              </a:spcBef>
-              <a:spcAft>
-                <a:spcPct val="0"/>
-              </a:spcAft>
-              <a:buClr>
-                <a:srgbClr val="0046AD"/>
-              </a:buClr>
-              <a:buFont typeface="Wingdings" panose="05000000000000000000" pitchFamily="2" charset="2"/>
-              <a:defRPr sz="1200">
-                <a:solidFill>
-                  <a:srgbClr val="000000"/>
-                </a:solidFill>
-                <a:latin typeface="Arial" panose="020B0604020202020204" pitchFamily="34" charset="0"/>
-                <a:ea typeface="ヒラギノ角ゴ Pro W3"/>
-                <a:cs typeface="ヒラギノ角ゴ Pro W3"/>
-              </a:defRPr>
-            </a:lvl9pPr>
-          </a:lstStyle>
-          <a:p>
-            <a:pPr>
-              <a:lnSpc>
-                <a:spcPct val="100000"/>
-              </a:lnSpc>
-              <a:buClrTx/>
-              <a:buFontTx/>
-              <a:buNone/>
-            </a:pPr>
-            <a:r>
-              <a:rPr lang="en-US" altLang="en-US" sz="1600">
-                <a:solidFill>
-                  <a:srgbClr val="002060"/>
-                </a:solidFill>
-              </a:rPr>
-              <a:t>Make your Cox model object </a:t>
-            </a:r>
-          </a:p>
-          <a:p>
-            <a:pPr>
-              <a:lnSpc>
-                <a:spcPct val="100000"/>
-              </a:lnSpc>
-              <a:buClrTx/>
-              <a:buFontTx/>
-              <a:buNone/>
-            </a:pPr>
-            <a:r>
-              <a:rPr lang="en-US" altLang="en-US" sz="1600">
-                <a:solidFill>
-                  <a:srgbClr val="002060"/>
-                </a:solidFill>
-              </a:rPr>
-              <a:t>This is a cox model for DEATH, adjusting for AGE</a:t>
-            </a:r>
-            <a:endParaRPr lang="en-US" altLang="en-US" sz="1600">
-              <a:solidFill>
-                <a:schemeClr val="bg1"/>
-              </a:solidFill>
-            </a:endParaRPr>
-          </a:p>
-          <a:p>
-            <a:pPr>
-              <a:lnSpc>
-                <a:spcPct val="100000"/>
-              </a:lnSpc>
-              <a:buClrTx/>
-              <a:buFontTx/>
-              <a:buNone/>
-            </a:pPr>
-            <a:r>
-              <a:rPr lang="en-US" altLang="en-US" sz="1600">
-                <a:solidFill>
-                  <a:schemeClr val="bg1"/>
-                </a:solidFill>
-              </a:rPr>
-              <a:t>fit_cox  &lt;- coxph(Surv(TIMEDTH , DEATH) ~ AGE, data = data1)</a:t>
-            </a:r>
-          </a:p>
-          <a:p>
-            <a:pPr>
-              <a:lnSpc>
-                <a:spcPct val="100000"/>
-              </a:lnSpc>
-              <a:buClrTx/>
-              <a:buFontTx/>
-              <a:buNone/>
-            </a:pPr>
-            <a:r>
-              <a:rPr lang="en-US" altLang="en-US" sz="1600">
-                <a:solidFill>
-                  <a:srgbClr val="002060"/>
-                </a:solidFill>
-              </a:rPr>
-              <a:t>Make your plot object </a:t>
-            </a:r>
-            <a:r>
-              <a:rPr lang="en-US" altLang="en-US" sz="1600">
-                <a:solidFill>
-                  <a:schemeClr val="bg1"/>
-                </a:solidFill>
-              </a:rPr>
-              <a:t> </a:t>
-            </a:r>
-          </a:p>
-          <a:p>
-            <a:pPr>
-              <a:lnSpc>
-                <a:spcPct val="100000"/>
-              </a:lnSpc>
-              <a:buClrTx/>
-              <a:buFontTx/>
-              <a:buNone/>
-            </a:pPr>
-            <a:r>
-              <a:rPr lang="en-US" altLang="en-US" sz="1600">
-                <a:solidFill>
-                  <a:schemeClr val="bg1"/>
-                </a:solidFill>
-              </a:rPr>
-              <a:t>p_cox &lt;- ggadjustedcurves(fit_cox, data = data1,</a:t>
-            </a:r>
-          </a:p>
-          <a:p>
-            <a:pPr>
-              <a:lnSpc>
-                <a:spcPct val="100000"/>
-              </a:lnSpc>
-              <a:buClrTx/>
-              <a:buFontTx/>
-              <a:buNone/>
-            </a:pPr>
-            <a:r>
-              <a:rPr lang="en-US" altLang="en-US" sz="1600">
-                <a:solidFill>
-                  <a:schemeClr val="bg1"/>
-                </a:solidFill>
-              </a:rPr>
-              <a:t>                          title = "Cox PH Curve Adjusted for AGE")</a:t>
-            </a:r>
-          </a:p>
-          <a:p>
-            <a:pPr>
-              <a:lnSpc>
-                <a:spcPct val="100000"/>
-              </a:lnSpc>
-              <a:buClrTx/>
-              <a:buFontTx/>
-              <a:buNone/>
-            </a:pPr>
-            <a:r>
-              <a:rPr lang="en-US" altLang="en-US" sz="1600">
-                <a:solidFill>
-                  <a:srgbClr val="002060"/>
-                </a:solidFill>
-              </a:rPr>
-              <a:t>View your plot</a:t>
-            </a:r>
-            <a:endParaRPr lang="en-US" altLang="en-US" sz="1600">
-              <a:solidFill>
-                <a:schemeClr val="bg1"/>
-              </a:solidFill>
-            </a:endParaRPr>
-          </a:p>
-          <a:p>
-            <a:pPr>
-              <a:lnSpc>
-                <a:spcPct val="100000"/>
-              </a:lnSpc>
-              <a:buClrTx/>
-              <a:buFontTx/>
-              <a:buNone/>
-            </a:pPr>
-            <a:r>
-              <a:rPr lang="en-US" altLang="en-US" sz="1600">
-                <a:solidFill>
-                  <a:schemeClr val="bg1"/>
-                </a:solidFill>
-              </a:rPr>
-              <a:t>p_cox</a:t>
-            </a:r>
-          </a:p>
-          <a:p>
-            <a:pPr>
-              <a:lnSpc>
-                <a:spcPct val="100000"/>
-              </a:lnSpc>
-              <a:buClrTx/>
-              <a:buFontTx/>
-              <a:buNone/>
-            </a:pPr>
-            <a:endParaRPr lang="en-US" altLang="en-US" sz="1600">
-              <a:solidFill>
-                <a:schemeClr val="bg1"/>
-              </a:solidFill>
-            </a:endParaRPr>
-          </a:p>
-          <a:p>
-            <a:pPr>
-              <a:lnSpc>
-                <a:spcPct val="100000"/>
-              </a:lnSpc>
-              <a:buClrTx/>
-              <a:buFontTx/>
-              <a:buNone/>
-            </a:pPr>
-            <a:r>
-              <a:rPr lang="en-US" altLang="en-US" sz="1600">
-                <a:solidFill>
-                  <a:srgbClr val="002060"/>
-                </a:solidFill>
-              </a:rPr>
-              <a:t>Make your Cox model object </a:t>
-            </a:r>
-            <a:endParaRPr lang="en-US" altLang="en-US" sz="1600">
-              <a:solidFill>
-                <a:schemeClr val="bg1"/>
-              </a:solidFill>
-            </a:endParaRPr>
-          </a:p>
-          <a:p>
-            <a:pPr>
-              <a:lnSpc>
-                <a:spcPct val="100000"/>
-              </a:lnSpc>
-              <a:buClrTx/>
-              <a:buFontTx/>
-              <a:buNone/>
-            </a:pPr>
-            <a:r>
-              <a:rPr lang="en-US" altLang="en-US" sz="1600">
-                <a:solidFill>
-                  <a:srgbClr val="002060"/>
-                </a:solidFill>
-              </a:rPr>
-              <a:t>This is a cox model for DEATH, adjusting for AGE and stratifying by SEX</a:t>
-            </a:r>
-            <a:endParaRPr lang="en-US" altLang="en-US" sz="1600">
-              <a:solidFill>
-                <a:schemeClr val="bg1"/>
-              </a:solidFill>
-            </a:endParaRPr>
-          </a:p>
-          <a:p>
-            <a:pPr>
-              <a:lnSpc>
-                <a:spcPct val="100000"/>
-              </a:lnSpc>
-              <a:buClrTx/>
-              <a:buFontTx/>
-              <a:buNone/>
-            </a:pPr>
-            <a:r>
-              <a:rPr lang="en-US" altLang="en-US" sz="1600">
-                <a:solidFill>
-                  <a:schemeClr val="bg1"/>
-                </a:solidFill>
-              </a:rPr>
-              <a:t>fit_cox1 &lt;- coxph(Surv(TIMEDTH , DEATH) ~ AGE + strata(SEX) , data = data1)</a:t>
-            </a:r>
-          </a:p>
-          <a:p>
-            <a:pPr>
-              <a:lnSpc>
-                <a:spcPct val="100000"/>
-              </a:lnSpc>
-              <a:buClrTx/>
-              <a:buFontTx/>
-              <a:buNone/>
-            </a:pPr>
-            <a:r>
-              <a:rPr lang="en-US" altLang="en-US" sz="1600">
-                <a:solidFill>
-                  <a:srgbClr val="002060"/>
-                </a:solidFill>
-              </a:rPr>
-              <a:t>Make your plot object </a:t>
-            </a:r>
-            <a:r>
-              <a:rPr lang="en-US" altLang="en-US" sz="1600">
-                <a:solidFill>
-                  <a:schemeClr val="bg1"/>
-                </a:solidFill>
-              </a:rPr>
-              <a:t>  </a:t>
-            </a:r>
-          </a:p>
-          <a:p>
-            <a:pPr>
-              <a:lnSpc>
-                <a:spcPct val="100000"/>
-              </a:lnSpc>
-              <a:buClrTx/>
-              <a:buFontTx/>
-              <a:buNone/>
-            </a:pPr>
-            <a:r>
-              <a:rPr lang="en-US" altLang="en-US" sz="1600">
-                <a:solidFill>
-                  <a:schemeClr val="bg1"/>
-                </a:solidFill>
-              </a:rPr>
-              <a:t>p_cox1 &lt;- ggadjustedcurves(fit_cox1, data = data1, variable = "SEX",</a:t>
-            </a:r>
-          </a:p>
-          <a:p>
-            <a:pPr>
-              <a:lnSpc>
-                <a:spcPct val="100000"/>
-              </a:lnSpc>
-              <a:buClrTx/>
-              <a:buFontTx/>
-              <a:buNone/>
-            </a:pPr>
-            <a:r>
-              <a:rPr lang="en-US" altLang="en-US" sz="1600">
-                <a:solidFill>
-                  <a:schemeClr val="bg1"/>
-                </a:solidFill>
-              </a:rPr>
-              <a:t>                   title = "Cox PH Curve Adjusted for AGE, strat SEX")</a:t>
-            </a:r>
-          </a:p>
-          <a:p>
-            <a:pPr>
-              <a:lnSpc>
-                <a:spcPct val="100000"/>
-              </a:lnSpc>
-              <a:buClrTx/>
-              <a:buFontTx/>
-              <a:buNone/>
-            </a:pPr>
-            <a:r>
-              <a:rPr lang="en-US" altLang="en-US" sz="1600">
-                <a:solidFill>
-                  <a:srgbClr val="002060"/>
-                </a:solidFill>
-              </a:rPr>
-              <a:t>Print your plot</a:t>
-            </a:r>
-            <a:endParaRPr lang="en-US" altLang="en-US" sz="1600">
-              <a:solidFill>
-                <a:schemeClr val="bg1"/>
-              </a:solidFill>
-            </a:endParaRPr>
-          </a:p>
-          <a:p>
-            <a:pPr>
-              <a:lnSpc>
-                <a:spcPct val="100000"/>
-              </a:lnSpc>
-              <a:buClrTx/>
-              <a:buFontTx/>
-              <a:buNone/>
-            </a:pPr>
-            <a:r>
-              <a:rPr lang="en-US" altLang="en-US" sz="1600">
-                <a:solidFill>
-                  <a:schemeClr val="bg1"/>
-                </a:solidFill>
-              </a:rPr>
-              <a:t>p_cox1</a:t>
-            </a:r>
-          </a:p>
-          <a:p>
-            <a:pPr>
-              <a:lnSpc>
-                <a:spcPct val="100000"/>
-              </a:lnSpc>
-              <a:buClrTx/>
-              <a:buFontTx/>
-              <a:buNone/>
-            </a:pPr>
-            <a:r>
-              <a:rPr lang="en-US" altLang="en-US" sz="1600">
-                <a:solidFill>
-                  <a:schemeClr val="bg1"/>
-                </a:solidFill>
-              </a:rPr>
-              <a:t> </a:t>
-            </a:r>
-          </a:p>
-        </p:txBody>
-      </p:sp>
-      <p:sp>
-        <p:nvSpPr>
-          <p:cNvPr id="8" name="TextBox 7">
-            <a:extLst>
-              <a:ext uri="{FF2B5EF4-FFF2-40B4-BE49-F238E27FC236}">
-                <a16:creationId xmlns:a16="http://schemas.microsoft.com/office/drawing/2014/main" id="{6E233A45-149E-4E8C-B8C9-57D133826229}"/>
-              </a:ext>
-            </a:extLst>
-          </p:cNvPr>
-          <p:cNvSpPr txBox="1"/>
-          <p:nvPr/>
-        </p:nvSpPr>
-        <p:spPr>
-          <a:xfrm>
-            <a:off x="304800" y="2105025"/>
-            <a:ext cx="1371600" cy="460375"/>
-          </a:xfrm>
-          <a:prstGeom prst="rect">
-            <a:avLst/>
-          </a:prstGeom>
-          <a:noFill/>
-          <a:ln w="9525">
-            <a:solidFill>
-              <a:schemeClr val="accent4"/>
-            </a:solidFill>
-          </a:ln>
-        </p:spPr>
-        <p:txBody>
-          <a:bodyPr>
-            <a:spAutoFit/>
-          </a:bodyPr>
-          <a:lstStyle/>
-          <a:p>
-            <a:pPr>
-              <a:defRPr/>
-            </a:pPr>
-            <a:r>
-              <a:rPr lang="en-US" dirty="0">
-                <a:solidFill>
-                  <a:srgbClr val="002060"/>
-                </a:solidFill>
-                <a:ea typeface="ヒラギノ角ゴ Pro W3" pitchFamily="122" charset="-128"/>
-                <a:cs typeface="+mn-cs"/>
-              </a:rPr>
-              <a:t>Example</a:t>
-            </a:r>
           </a:p>
         </p:txBody>
       </p:sp>
@@ -31591,7 +24516,7 @@
         <a:effectLst/>
         <a:extLst>
           <a:ext uri="{AF507438-7753-43e0-B8FC-AC1667EBCBE1}">
-            <a14:hiddenEffects xmlns:a14="http://schemas.microsoft.com/office/drawing/2010/main" xmlns="">
+            <a14:hiddenEffects xmlns="" xmlns:a14="http://schemas.microsoft.com/office/drawing/2010/main">
               <a:effectLst>
                 <a:outerShdw blurRad="63500" dist="38099" dir="2700000" algn="ctr" rotWithShape="0">
                   <a:schemeClr val="bg2">
@@ -31667,7 +24592,7 @@
         <a:effectLst/>
         <a:extLst>
           <a:ext uri="{AF507438-7753-43e0-B8FC-AC1667EBCBE1}">
-            <a14:hiddenEffects xmlns:a14="http://schemas.microsoft.com/office/drawing/2010/main" xmlns="">
+            <a14:hiddenEffects xmlns="" xmlns:a14="http://schemas.microsoft.com/office/drawing/2010/main">
               <a:effectLst>
                 <a:outerShdw blurRad="63500" dist="38099" dir="2700000" algn="ctr" rotWithShape="0">
                   <a:schemeClr val="bg2">
@@ -32689,6 +25614,21 @@
 </file>
 
 <file path=customXml/item1.xml><?xml version="1.0" encoding="utf-8"?>
+<?mso-contentType ?>
+<FormTemplates xmlns="http://schemas.microsoft.com/sharepoint/v3/contenttype/forms">
+  <Display>DocumentLibraryForm</Display>
+  <Edit>DocumentLibraryForm</Edit>
+  <New>DocumentLibraryForm</New>
+</FormTemplates>
+</file>
+
+<file path=customXml/item2.xml><?xml version="1.0" encoding="utf-8"?>
+<LongProperties xmlns="http://schemas.microsoft.com/office/2006/metadata/longProperties">
+  <LongProp xmlns="" name="TaxCatchAll"><![CDATA[882;#powerpoint|c244c997-50c6-499e-b442-2b83b4ec3c82;#1391;#template|7d36bbcc-e102-42f9-a4ff-f534383972f8;#369;#Creative Services Studio|93291967-9577-4a04-b1b0-0be013a68b3c;#45;#Office Document|c785f37c-b2a8-415c-9b52-b73624a14902;#960;#care|0c357417-421f-4687-92d1-0fc1252f2463;#5;#Staff Support Resources|d8919b47-c6be-4a56-96e4-2ff0d31d204e]]></LongProp>
+</LongProperties>
+</file>
+
+<file path=customXml/item3.xml><?xml version="1.0" encoding="utf-8"?>
 <ct:contentTypeSchema xmlns:ct="http://schemas.microsoft.com/office/2006/metadata/contentType" xmlns:ma="http://schemas.microsoft.com/office/2006/metadata/properties/metaAttributes" ct:_="" ma:_="" ma:contentTypeName="Document" ma:contentTypeID="0x010100B7379462216E8B479519BEC94E0999AF" ma:contentTypeVersion="10" ma:contentTypeDescription="Create a new document." ma:contentTypeScope="" ma:versionID="ceb96405dae41928eb90bcef6b565578">
   <xsd:schema xmlns:xsd="http://www.w3.org/2001/XMLSchema" xmlns:xs="http://www.w3.org/2001/XMLSchema" xmlns:p="http://schemas.microsoft.com/office/2006/metadata/properties" xmlns:ns3="81fdd8e0-6b96-4ddf-a85a-2e931d037e54" xmlns:ns4="dbbb6443-9fab-42cd-bf6c-cadfbf742763" targetNamespace="http://schemas.microsoft.com/office/2006/metadata/properties" ma:root="true" ma:fieldsID="32886afb67755c4ac7ab8bddb366d3a1" ns3:_="" ns4:_="">
     <xsd:import namespace="81fdd8e0-6b96-4ddf-a85a-2e931d037e54"/>
@@ -32891,22 +25831,24 @@
 </ct:contentTypeSchema>
 </file>
 
-<file path=customXml/item2.xml><?xml version="1.0" encoding="utf-8"?>
-<LongProperties xmlns="http://schemas.microsoft.com/office/2006/metadata/longProperties">
-  <LongProp xmlns="" name="TaxCatchAll"><![CDATA[882;#powerpoint|c244c997-50c6-499e-b442-2b83b4ec3c82;#1391;#template|7d36bbcc-e102-42f9-a4ff-f534383972f8;#369;#Creative Services Studio|93291967-9577-4a04-b1b0-0be013a68b3c;#45;#Office Document|c785f37c-b2a8-415c-9b52-b73624a14902;#960;#care|0c357417-421f-4687-92d1-0fc1252f2463;#5;#Staff Support Resources|d8919b47-c6be-4a56-96e4-2ff0d31d204e]]></LongProp>
-</LongProperties>
+<file path=customXml/itemProps1.xml><?xml version="1.0" encoding="utf-8"?>
+<ds:datastoreItem xmlns:ds="http://schemas.openxmlformats.org/officeDocument/2006/customXml" ds:itemID="{F46C70D9-2E00-43DA-92C8-3307883387F1}">
+  <ds:schemaRefs>
+    <ds:schemaRef ds:uri="http://schemas.microsoft.com/sharepoint/v3/contenttype/forms"/>
+  </ds:schemaRefs>
+</ds:datastoreItem>
 </file>
 
-<file path=customXml/item3.xml><?xml version="1.0" encoding="utf-8"?>
-<?mso-contentType ?>
-<FormTemplates xmlns="http://schemas.microsoft.com/sharepoint/v3/contenttype/forms">
-  <Display>DocumentLibraryForm</Display>
-  <Edit>DocumentLibraryForm</Edit>
-  <New>DocumentLibraryForm</New>
-</FormTemplates>
+<file path=customXml/itemProps2.xml><?xml version="1.0" encoding="utf-8"?>
+<ds:datastoreItem xmlns:ds="http://schemas.openxmlformats.org/officeDocument/2006/customXml" ds:itemID="{C7DCE024-DAEC-43C9-86F0-C0AAD7CCBE77}">
+  <ds:schemaRefs>
+    <ds:schemaRef ds:uri="http://schemas.microsoft.com/office/2006/metadata/longProperties"/>
+    <ds:schemaRef ds:uri=""/>
+  </ds:schemaRefs>
+</ds:datastoreItem>
 </file>
 
-<file path=customXml/itemProps1.xml><?xml version="1.0" encoding="utf-8"?>
+<file path=customXml/itemProps3.xml><?xml version="1.0" encoding="utf-8"?>
 <ds:datastoreItem xmlns:ds="http://schemas.openxmlformats.org/officeDocument/2006/customXml" ds:itemID="{DE309E1C-211B-4373-A454-FF2E4C32CDE0}">
   <ds:schemaRefs>
     <ds:schemaRef ds:uri="http://schemas.microsoft.com/office/2006/metadata/contentType"/>
@@ -32923,21 +25865,4 @@
     <ds:schemaRef ds:uri="http://schemas.microsoft.com/internal/obd"/>
   </ds:schemaRefs>
 </ds:datastoreItem>
-</file>
-
-<file path=customXml/itemProps2.xml><?xml version="1.0" encoding="utf-8"?>
-<ds:datastoreItem xmlns:ds="http://schemas.openxmlformats.org/officeDocument/2006/customXml" ds:itemID="{C7DCE024-DAEC-43C9-86F0-C0AAD7CCBE77}">
-  <ds:schemaRefs>
-    <ds:schemaRef ds:uri="http://schemas.microsoft.com/office/2006/metadata/longProperties"/>
-    <ds:schemaRef ds:uri=""/>
-  </ds:schemaRefs>
-</ds:datastoreItem>
-</file>
-
-<file path=customXml/itemProps3.xml><?xml version="1.0" encoding="utf-8"?>
-<ds:datastoreItem xmlns:ds="http://schemas.openxmlformats.org/officeDocument/2006/customXml" ds:itemID="{F46C70D9-2E00-43DA-92C8-3307883387F1}">
-  <ds:schemaRefs>
-    <ds:schemaRef ds:uri="http://schemas.microsoft.com/sharepoint/v3/contenttype/forms"/>
-  </ds:schemaRefs>
-</ds:datastoreItem>
 </file>